--- a/w01/What-is-data-sience.pptx
+++ b/w01/What-is-data-sience.pptx
@@ -5,10 +5,10 @@
     <p:sldMasterId id="2147483803" r:id="rId1"/>
   </p:sldMasterIdLst>
   <p:notesMasterIdLst>
-    <p:notesMasterId r:id="rId29"/>
+    <p:notesMasterId r:id="rId35"/>
   </p:notesMasterIdLst>
   <p:handoutMasterIdLst>
-    <p:handoutMasterId r:id="rId30"/>
+    <p:handoutMasterId r:id="rId36"/>
   </p:handoutMasterIdLst>
   <p:sldIdLst>
     <p:sldId id="340" r:id="rId2"/>
@@ -37,7 +37,13 @@
     <p:sldId id="336" r:id="rId25"/>
     <p:sldId id="335" r:id="rId26"/>
     <p:sldId id="338" r:id="rId27"/>
-    <p:sldId id="339" r:id="rId28"/>
+    <p:sldId id="342" r:id="rId28"/>
+    <p:sldId id="343" r:id="rId29"/>
+    <p:sldId id="344" r:id="rId30"/>
+    <p:sldId id="345" r:id="rId31"/>
+    <p:sldId id="346" r:id="rId32"/>
+    <p:sldId id="341" r:id="rId33"/>
+    <p:sldId id="339" r:id="rId34"/>
   </p:sldIdLst>
   <p:sldSz cx="12192000" cy="6858000"/>
   <p:notesSz cx="6858000" cy="9144000"/>
@@ -161,7 +167,7 @@
 <file path=ppt/revisionInfo.xml><?xml version="1.0" encoding="utf-8"?>
 <p1510:revInfo xmlns:a="http://schemas.openxmlformats.org/drawingml/2006/main" xmlns:r="http://schemas.openxmlformats.org/officeDocument/2006/relationships" xmlns:p1510="http://schemas.microsoft.com/office/powerpoint/2015/10/main">
   <p1510:revLst>
-    <p1510:client id="{2879BACB-7DCC-4FB8-97C6-DA81D2D61B05}" v="1202" dt="2023-06-26T10:30:08.204"/>
+    <p1510:client id="{2879BACB-7DCC-4FB8-97C6-DA81D2D61B05}" v="1615" dt="2023-07-01T18:11:06.817"/>
   </p1510:revLst>
 </p1510:revInfo>
 </file>
@@ -171,7 +177,7 @@
   <pc:docChgLst>
     <pc:chgData name="Peng, Cheng" userId="c8d19071-f396-4c12-bc1e-cc4bb8705334" providerId="ADAL" clId="{2879BACB-7DCC-4FB8-97C6-DA81D2D61B05}"/>
     <pc:docChg chg="undo redo custSel addSld delSld modSld sldOrd modMainMaster modNotesMaster">
-      <pc:chgData name="Peng, Cheng" userId="c8d19071-f396-4c12-bc1e-cc4bb8705334" providerId="ADAL" clId="{2879BACB-7DCC-4FB8-97C6-DA81D2D61B05}" dt="2023-06-28T03:07:56.996" v="9788" actId="2696"/>
+      <pc:chgData name="Peng, Cheng" userId="c8d19071-f396-4c12-bc1e-cc4bb8705334" providerId="ADAL" clId="{2879BACB-7DCC-4FB8-97C6-DA81D2D61B05}" dt="2023-07-01T18:24:55.958" v="10434" actId="1076"/>
       <pc:docMkLst>
         <pc:docMk/>
       </pc:docMkLst>
@@ -8088,13 +8094,13 @@
         </pc:cxnChg>
       </pc:sldChg>
       <pc:sldChg chg="modSp add mod ord">
-        <pc:chgData name="Peng, Cheng" userId="c8d19071-f396-4c12-bc1e-cc4bb8705334" providerId="ADAL" clId="{2879BACB-7DCC-4FB8-97C6-DA81D2D61B05}" dt="2023-06-24T20:13:32.974" v="9676" actId="1076"/>
+        <pc:chgData name="Peng, Cheng" userId="c8d19071-f396-4c12-bc1e-cc4bb8705334" providerId="ADAL" clId="{2879BACB-7DCC-4FB8-97C6-DA81D2D61B05}" dt="2023-07-01T18:01:55.593" v="10284" actId="20577"/>
         <pc:sldMkLst>
           <pc:docMk/>
           <pc:sldMk cId="623772345" sldId="338"/>
         </pc:sldMkLst>
         <pc:spChg chg="mod">
-          <ac:chgData name="Peng, Cheng" userId="c8d19071-f396-4c12-bc1e-cc4bb8705334" providerId="ADAL" clId="{2879BACB-7DCC-4FB8-97C6-DA81D2D61B05}" dt="2023-06-24T20:13:32.974" v="9676" actId="1076"/>
+          <ac:chgData name="Peng, Cheng" userId="c8d19071-f396-4c12-bc1e-cc4bb8705334" providerId="ADAL" clId="{2879BACB-7DCC-4FB8-97C6-DA81D2D61B05}" dt="2023-07-01T18:01:55.593" v="10284" actId="20577"/>
           <ac:spMkLst>
             <pc:docMk/>
             <pc:sldMk cId="623772345" sldId="338"/>
@@ -8419,6 +8425,320 @@
             <ac:picMk id="109" creationId="{83C186C6-C4DF-DA8A-AF07-164270D3C9CC}"/>
           </ac:picMkLst>
         </pc:picChg>
+      </pc:sldChg>
+      <pc:sldChg chg="add">
+        <pc:chgData name="Peng, Cheng" userId="c8d19071-f396-4c12-bc1e-cc4bb8705334" providerId="ADAL" clId="{2879BACB-7DCC-4FB8-97C6-DA81D2D61B05}" dt="2023-07-01T17:33:20.146" v="9789" actId="2890"/>
+        <pc:sldMkLst>
+          <pc:docMk/>
+          <pc:sldMk cId="388793039" sldId="341"/>
+        </pc:sldMkLst>
+      </pc:sldChg>
+      <pc:sldChg chg="addSp delSp modSp add mod">
+        <pc:chgData name="Peng, Cheng" userId="c8d19071-f396-4c12-bc1e-cc4bb8705334" providerId="ADAL" clId="{2879BACB-7DCC-4FB8-97C6-DA81D2D61B05}" dt="2023-07-01T17:36:05.566" v="9834" actId="26606"/>
+        <pc:sldMkLst>
+          <pc:docMk/>
+          <pc:sldMk cId="3970920007" sldId="342"/>
+        </pc:sldMkLst>
+        <pc:spChg chg="del">
+          <ac:chgData name="Peng, Cheng" userId="c8d19071-f396-4c12-bc1e-cc4bb8705334" providerId="ADAL" clId="{2879BACB-7DCC-4FB8-97C6-DA81D2D61B05}" dt="2023-07-01T17:34:37.224" v="9830" actId="478"/>
+          <ac:spMkLst>
+            <pc:docMk/>
+            <pc:sldMk cId="3970920007" sldId="342"/>
+            <ac:spMk id="2" creationId="{0F257086-70BB-57F4-C06E-42A7296617B8}"/>
+          </ac:spMkLst>
+        </pc:spChg>
+        <pc:spChg chg="add">
+          <ac:chgData name="Peng, Cheng" userId="c8d19071-f396-4c12-bc1e-cc4bb8705334" providerId="ADAL" clId="{2879BACB-7DCC-4FB8-97C6-DA81D2D61B05}" dt="2023-07-01T17:36:05.566" v="9834" actId="26606"/>
+          <ac:spMkLst>
+            <pc:docMk/>
+            <pc:sldMk cId="3970920007" sldId="342"/>
+            <ac:spMk id="16" creationId="{391F240E-99C9-4C6A-BD0A-15F9E69F337F}"/>
+          </ac:spMkLst>
+        </pc:spChg>
+        <pc:spChg chg="add">
+          <ac:chgData name="Peng, Cheng" userId="c8d19071-f396-4c12-bc1e-cc4bb8705334" providerId="ADAL" clId="{2879BACB-7DCC-4FB8-97C6-DA81D2D61B05}" dt="2023-07-01T17:36:05.566" v="9834" actId="26606"/>
+          <ac:spMkLst>
+            <pc:docMk/>
+            <pc:sldMk cId="3970920007" sldId="342"/>
+            <ac:spMk id="18" creationId="{9C8424AD-EE61-4FBC-ABA0-36E67508F2D0}"/>
+          </ac:spMkLst>
+        </pc:spChg>
+        <pc:grpChg chg="add">
+          <ac:chgData name="Peng, Cheng" userId="c8d19071-f396-4c12-bc1e-cc4bb8705334" providerId="ADAL" clId="{2879BACB-7DCC-4FB8-97C6-DA81D2D61B05}" dt="2023-07-01T17:36:05.566" v="9834" actId="26606"/>
+          <ac:grpSpMkLst>
+            <pc:docMk/>
+            <pc:sldMk cId="3970920007" sldId="342"/>
+            <ac:grpSpMk id="9" creationId="{2103B461-323C-4912-BFFD-C37582662085}"/>
+          </ac:grpSpMkLst>
+        </pc:grpChg>
+        <pc:picChg chg="add mod">
+          <ac:chgData name="Peng, Cheng" userId="c8d19071-f396-4c12-bc1e-cc4bb8705334" providerId="ADAL" clId="{2879BACB-7DCC-4FB8-97C6-DA81D2D61B05}" dt="2023-07-01T17:36:05.566" v="9834" actId="26606"/>
+          <ac:picMkLst>
+            <pc:docMk/>
+            <pc:sldMk cId="3970920007" sldId="342"/>
+            <ac:picMk id="4" creationId="{64A3C989-9363-8F7B-897C-119D98F5EE29}"/>
+          </ac:picMkLst>
+        </pc:picChg>
+      </pc:sldChg>
+      <pc:sldChg chg="addSp delSp modSp add mod setBg">
+        <pc:chgData name="Peng, Cheng" userId="c8d19071-f396-4c12-bc1e-cc4bb8705334" providerId="ADAL" clId="{2879BACB-7DCC-4FB8-97C6-DA81D2D61B05}" dt="2023-07-01T17:40:22.606" v="10274" actId="26606"/>
+        <pc:sldMkLst>
+          <pc:docMk/>
+          <pc:sldMk cId="166432473" sldId="343"/>
+        </pc:sldMkLst>
+        <pc:spChg chg="add mod">
+          <ac:chgData name="Peng, Cheng" userId="c8d19071-f396-4c12-bc1e-cc4bb8705334" providerId="ADAL" clId="{2879BACB-7DCC-4FB8-97C6-DA81D2D61B05}" dt="2023-07-01T17:39:14.247" v="9861" actId="2085"/>
+          <ac:spMkLst>
+            <pc:docMk/>
+            <pc:sldMk cId="166432473" sldId="343"/>
+            <ac:spMk id="5" creationId="{8EAD88A2-A27E-E0C0-1FC6-2EE68DEE9411}"/>
+          </ac:spMkLst>
+        </pc:spChg>
+        <pc:spChg chg="del">
+          <ac:chgData name="Peng, Cheng" userId="c8d19071-f396-4c12-bc1e-cc4bb8705334" providerId="ADAL" clId="{2879BACB-7DCC-4FB8-97C6-DA81D2D61B05}" dt="2023-07-01T17:38:27.986" v="9854" actId="26606"/>
+          <ac:spMkLst>
+            <pc:docMk/>
+            <pc:sldMk cId="166432473" sldId="343"/>
+            <ac:spMk id="16" creationId="{391F240E-99C9-4C6A-BD0A-15F9E69F337F}"/>
+          </ac:spMkLst>
+        </pc:spChg>
+        <pc:spChg chg="del">
+          <ac:chgData name="Peng, Cheng" userId="c8d19071-f396-4c12-bc1e-cc4bb8705334" providerId="ADAL" clId="{2879BACB-7DCC-4FB8-97C6-DA81D2D61B05}" dt="2023-07-01T17:38:27.986" v="9854" actId="26606"/>
+          <ac:spMkLst>
+            <pc:docMk/>
+            <pc:sldMk cId="166432473" sldId="343"/>
+            <ac:spMk id="18" creationId="{9C8424AD-EE61-4FBC-ABA0-36E67508F2D0}"/>
+          </ac:spMkLst>
+        </pc:spChg>
+        <pc:spChg chg="add del">
+          <ac:chgData name="Peng, Cheng" userId="c8d19071-f396-4c12-bc1e-cc4bb8705334" providerId="ADAL" clId="{2879BACB-7DCC-4FB8-97C6-DA81D2D61B05}" dt="2023-07-01T17:40:22.606" v="10274" actId="26606"/>
+          <ac:spMkLst>
+            <pc:docMk/>
+            <pc:sldMk cId="166432473" sldId="343"/>
+            <ac:spMk id="30" creationId="{5C6ACA56-9AD4-4EE6-8F38-8C18968ACE5C}"/>
+          </ac:spMkLst>
+        </pc:spChg>
+        <pc:spChg chg="add del">
+          <ac:chgData name="Peng, Cheng" userId="c8d19071-f396-4c12-bc1e-cc4bb8705334" providerId="ADAL" clId="{2879BACB-7DCC-4FB8-97C6-DA81D2D61B05}" dt="2023-07-01T17:40:22.606" v="10274" actId="26606"/>
+          <ac:spMkLst>
+            <pc:docMk/>
+            <pc:sldMk cId="166432473" sldId="343"/>
+            <ac:spMk id="32" creationId="{BE655210-4EEB-44D9-B394-6FB4139BFC1E}"/>
+          </ac:spMkLst>
+        </pc:spChg>
+        <pc:spChg chg="add">
+          <ac:chgData name="Peng, Cheng" userId="c8d19071-f396-4c12-bc1e-cc4bb8705334" providerId="ADAL" clId="{2879BACB-7DCC-4FB8-97C6-DA81D2D61B05}" dt="2023-07-01T17:40:22.606" v="10274" actId="26606"/>
+          <ac:spMkLst>
+            <pc:docMk/>
+            <pc:sldMk cId="166432473" sldId="343"/>
+            <ac:spMk id="44" creationId="{5C6ACA56-9AD4-4EE6-8F38-8C18968ACE5C}"/>
+          </ac:spMkLst>
+        </pc:spChg>
+        <pc:spChg chg="add">
+          <ac:chgData name="Peng, Cheng" userId="c8d19071-f396-4c12-bc1e-cc4bb8705334" providerId="ADAL" clId="{2879BACB-7DCC-4FB8-97C6-DA81D2D61B05}" dt="2023-07-01T17:40:22.606" v="10274" actId="26606"/>
+          <ac:spMkLst>
+            <pc:docMk/>
+            <pc:sldMk cId="166432473" sldId="343"/>
+            <ac:spMk id="46" creationId="{BE655210-4EEB-44D9-B394-6FB4139BFC1E}"/>
+          </ac:spMkLst>
+        </pc:spChg>
+        <pc:grpChg chg="del">
+          <ac:chgData name="Peng, Cheng" userId="c8d19071-f396-4c12-bc1e-cc4bb8705334" providerId="ADAL" clId="{2879BACB-7DCC-4FB8-97C6-DA81D2D61B05}" dt="2023-07-01T17:38:27.986" v="9854" actId="26606"/>
+          <ac:grpSpMkLst>
+            <pc:docMk/>
+            <pc:sldMk cId="166432473" sldId="343"/>
+            <ac:grpSpMk id="9" creationId="{2103B461-323C-4912-BFFD-C37582662085}"/>
+          </ac:grpSpMkLst>
+        </pc:grpChg>
+        <pc:grpChg chg="add del">
+          <ac:chgData name="Peng, Cheng" userId="c8d19071-f396-4c12-bc1e-cc4bb8705334" providerId="ADAL" clId="{2879BACB-7DCC-4FB8-97C6-DA81D2D61B05}" dt="2023-07-01T17:40:22.606" v="10274" actId="26606"/>
+          <ac:grpSpMkLst>
+            <pc:docMk/>
+            <pc:sldMk cId="166432473" sldId="343"/>
+            <ac:grpSpMk id="23" creationId="{2103B461-323C-4912-BFFD-C37582662085}"/>
+          </ac:grpSpMkLst>
+        </pc:grpChg>
+        <pc:grpChg chg="add">
+          <ac:chgData name="Peng, Cheng" userId="c8d19071-f396-4c12-bc1e-cc4bb8705334" providerId="ADAL" clId="{2879BACB-7DCC-4FB8-97C6-DA81D2D61B05}" dt="2023-07-01T17:40:22.606" v="10274" actId="26606"/>
+          <ac:grpSpMkLst>
+            <pc:docMk/>
+            <pc:sldMk cId="166432473" sldId="343"/>
+            <ac:grpSpMk id="37" creationId="{2103B461-323C-4912-BFFD-C37582662085}"/>
+          </ac:grpSpMkLst>
+        </pc:grpChg>
+        <pc:picChg chg="add mod">
+          <ac:chgData name="Peng, Cheng" userId="c8d19071-f396-4c12-bc1e-cc4bb8705334" providerId="ADAL" clId="{2879BACB-7DCC-4FB8-97C6-DA81D2D61B05}" dt="2023-07-01T17:38:46.452" v="9856" actId="27614"/>
+          <ac:picMkLst>
+            <pc:docMk/>
+            <pc:sldMk cId="166432473" sldId="343"/>
+            <ac:picMk id="3" creationId="{DCE7E430-5BE4-F6A6-B38F-A4421A49BC97}"/>
+          </ac:picMkLst>
+        </pc:picChg>
+        <pc:picChg chg="del">
+          <ac:chgData name="Peng, Cheng" userId="c8d19071-f396-4c12-bc1e-cc4bb8705334" providerId="ADAL" clId="{2879BACB-7DCC-4FB8-97C6-DA81D2D61B05}" dt="2023-07-01T17:38:18.419" v="9852" actId="478"/>
+          <ac:picMkLst>
+            <pc:docMk/>
+            <pc:sldMk cId="166432473" sldId="343"/>
+            <ac:picMk id="4" creationId="{64A3C989-9363-8F7B-897C-119D98F5EE29}"/>
+          </ac:picMkLst>
+        </pc:picChg>
+      </pc:sldChg>
+      <pc:sldChg chg="addSp delSp modSp add mod">
+        <pc:chgData name="Peng, Cheng" userId="c8d19071-f396-4c12-bc1e-cc4bb8705334" providerId="ADAL" clId="{2879BACB-7DCC-4FB8-97C6-DA81D2D61B05}" dt="2023-07-01T18:11:37.973" v="10318" actId="1076"/>
+        <pc:sldMkLst>
+          <pc:docMk/>
+          <pc:sldMk cId="4283701572" sldId="344"/>
+        </pc:sldMkLst>
+        <pc:spChg chg="ord">
+          <ac:chgData name="Peng, Cheng" userId="c8d19071-f396-4c12-bc1e-cc4bb8705334" providerId="ADAL" clId="{2879BACB-7DCC-4FB8-97C6-DA81D2D61B05}" dt="2023-07-01T18:10:46.119" v="10290" actId="26606"/>
+          <ac:spMkLst>
+            <pc:docMk/>
+            <pc:sldMk cId="4283701572" sldId="344"/>
+            <ac:spMk id="5" creationId="{8EAD88A2-A27E-E0C0-1FC6-2EE68DEE9411}"/>
+          </ac:spMkLst>
+        </pc:spChg>
+        <pc:spChg chg="add mod">
+          <ac:chgData name="Peng, Cheng" userId="c8d19071-f396-4c12-bc1e-cc4bb8705334" providerId="ADAL" clId="{2879BACB-7DCC-4FB8-97C6-DA81D2D61B05}" dt="2023-07-01T18:11:37.973" v="10318" actId="1076"/>
+          <ac:spMkLst>
+            <pc:docMk/>
+            <pc:sldMk cId="4283701572" sldId="344"/>
+            <ac:spMk id="6" creationId="{08115ECC-5140-EC28-F49E-91289AA669ED}"/>
+          </ac:spMkLst>
+        </pc:spChg>
+        <pc:spChg chg="add del">
+          <ac:chgData name="Peng, Cheng" userId="c8d19071-f396-4c12-bc1e-cc4bb8705334" providerId="ADAL" clId="{2879BACB-7DCC-4FB8-97C6-DA81D2D61B05}" dt="2023-07-01T18:10:46.119" v="10290" actId="26606"/>
+          <ac:spMkLst>
+            <pc:docMk/>
+            <pc:sldMk cId="4283701572" sldId="344"/>
+            <ac:spMk id="44" creationId="{5C6ACA56-9AD4-4EE6-8F38-8C18968ACE5C}"/>
+          </ac:spMkLst>
+        </pc:spChg>
+        <pc:spChg chg="add del">
+          <ac:chgData name="Peng, Cheng" userId="c8d19071-f396-4c12-bc1e-cc4bb8705334" providerId="ADAL" clId="{2879BACB-7DCC-4FB8-97C6-DA81D2D61B05}" dt="2023-07-01T18:10:46.119" v="10290" actId="26606"/>
+          <ac:spMkLst>
+            <pc:docMk/>
+            <pc:sldMk cId="4283701572" sldId="344"/>
+            <ac:spMk id="46" creationId="{BE655210-4EEB-44D9-B394-6FB4139BFC1E}"/>
+          </ac:spMkLst>
+        </pc:spChg>
+        <pc:spChg chg="add del">
+          <ac:chgData name="Peng, Cheng" userId="c8d19071-f396-4c12-bc1e-cc4bb8705334" providerId="ADAL" clId="{2879BACB-7DCC-4FB8-97C6-DA81D2D61B05}" dt="2023-07-01T18:10:46.115" v="10289" actId="26606"/>
+          <ac:spMkLst>
+            <pc:docMk/>
+            <pc:sldMk cId="4283701572" sldId="344"/>
+            <ac:spMk id="58" creationId="{9A212F8F-D812-4A16-BE82-F3500DE32174}"/>
+          </ac:spMkLst>
+        </pc:spChg>
+        <pc:spChg chg="add del">
+          <ac:chgData name="Peng, Cheng" userId="c8d19071-f396-4c12-bc1e-cc4bb8705334" providerId="ADAL" clId="{2879BACB-7DCC-4FB8-97C6-DA81D2D61B05}" dt="2023-07-01T18:10:46.115" v="10289" actId="26606"/>
+          <ac:spMkLst>
+            <pc:docMk/>
+            <pc:sldMk cId="4283701572" sldId="344"/>
+            <ac:spMk id="60" creationId="{D2CF1D1B-04ED-443D-A9FE-68BF8859BDD6}"/>
+          </ac:spMkLst>
+        </pc:spChg>
+        <pc:spChg chg="add">
+          <ac:chgData name="Peng, Cheng" userId="c8d19071-f396-4c12-bc1e-cc4bb8705334" providerId="ADAL" clId="{2879BACB-7DCC-4FB8-97C6-DA81D2D61B05}" dt="2023-07-01T18:10:46.119" v="10290" actId="26606"/>
+          <ac:spMkLst>
+            <pc:docMk/>
+            <pc:sldMk cId="4283701572" sldId="344"/>
+            <ac:spMk id="63" creationId="{B1ECD48A-A6CE-48F3-8E89-3399C99382F1}"/>
+          </ac:spMkLst>
+        </pc:spChg>
+        <pc:spChg chg="add">
+          <ac:chgData name="Peng, Cheng" userId="c8d19071-f396-4c12-bc1e-cc4bb8705334" providerId="ADAL" clId="{2879BACB-7DCC-4FB8-97C6-DA81D2D61B05}" dt="2023-07-01T18:10:46.119" v="10290" actId="26606"/>
+          <ac:spMkLst>
+            <pc:docMk/>
+            <pc:sldMk cId="4283701572" sldId="344"/>
+            <ac:spMk id="64" creationId="{0A3F7A1B-3080-4A65-A240-2E1A6EF84567}"/>
+          </ac:spMkLst>
+        </pc:spChg>
+        <pc:grpChg chg="add del">
+          <ac:chgData name="Peng, Cheng" userId="c8d19071-f396-4c12-bc1e-cc4bb8705334" providerId="ADAL" clId="{2879BACB-7DCC-4FB8-97C6-DA81D2D61B05}" dt="2023-07-01T18:10:46.119" v="10290" actId="26606"/>
+          <ac:grpSpMkLst>
+            <pc:docMk/>
+            <pc:sldMk cId="4283701572" sldId="344"/>
+            <ac:grpSpMk id="37" creationId="{2103B461-323C-4912-BFFD-C37582662085}"/>
+          </ac:grpSpMkLst>
+        </pc:grpChg>
+        <pc:grpChg chg="add del">
+          <ac:chgData name="Peng, Cheng" userId="c8d19071-f396-4c12-bc1e-cc4bb8705334" providerId="ADAL" clId="{2879BACB-7DCC-4FB8-97C6-DA81D2D61B05}" dt="2023-07-01T18:10:46.115" v="10289" actId="26606"/>
+          <ac:grpSpMkLst>
+            <pc:docMk/>
+            <pc:sldMk cId="4283701572" sldId="344"/>
+            <ac:grpSpMk id="51" creationId="{2103B461-323C-4912-BFFD-C37582662085}"/>
+          </ac:grpSpMkLst>
+        </pc:grpChg>
+        <pc:grpChg chg="add">
+          <ac:chgData name="Peng, Cheng" userId="c8d19071-f396-4c12-bc1e-cc4bb8705334" providerId="ADAL" clId="{2879BACB-7DCC-4FB8-97C6-DA81D2D61B05}" dt="2023-07-01T18:10:46.119" v="10290" actId="26606"/>
+          <ac:grpSpMkLst>
+            <pc:docMk/>
+            <pc:sldMk cId="4283701572" sldId="344"/>
+            <ac:grpSpMk id="62" creationId="{2103B461-323C-4912-BFFD-C37582662085}"/>
+          </ac:grpSpMkLst>
+        </pc:grpChg>
+        <pc:picChg chg="del">
+          <ac:chgData name="Peng, Cheng" userId="c8d19071-f396-4c12-bc1e-cc4bb8705334" providerId="ADAL" clId="{2879BACB-7DCC-4FB8-97C6-DA81D2D61B05}" dt="2023-07-01T18:02:16.648" v="10286" actId="478"/>
+          <ac:picMkLst>
+            <pc:docMk/>
+            <pc:sldMk cId="4283701572" sldId="344"/>
+            <ac:picMk id="3" creationId="{DCE7E430-5BE4-F6A6-B38F-A4421A49BC97}"/>
+          </ac:picMkLst>
+        </pc:picChg>
+        <pc:picChg chg="add mod">
+          <ac:chgData name="Peng, Cheng" userId="c8d19071-f396-4c12-bc1e-cc4bb8705334" providerId="ADAL" clId="{2879BACB-7DCC-4FB8-97C6-DA81D2D61B05}" dt="2023-07-01T18:10:46.119" v="10290" actId="26606"/>
+          <ac:picMkLst>
+            <pc:docMk/>
+            <pc:sldMk cId="4283701572" sldId="344"/>
+            <ac:picMk id="4" creationId="{BEFE6B91-3DC4-0A15-D710-E0575D62305C}"/>
+          </ac:picMkLst>
+        </pc:picChg>
+      </pc:sldChg>
+      <pc:sldChg chg="addSp delSp modSp add mod">
+        <pc:chgData name="Peng, Cheng" userId="c8d19071-f396-4c12-bc1e-cc4bb8705334" providerId="ADAL" clId="{2879BACB-7DCC-4FB8-97C6-DA81D2D61B05}" dt="2023-07-01T18:22:52.434" v="10413" actId="20577"/>
+        <pc:sldMkLst>
+          <pc:docMk/>
+          <pc:sldMk cId="3021241665" sldId="345"/>
+        </pc:sldMkLst>
+        <pc:spChg chg="add mod">
+          <ac:chgData name="Peng, Cheng" userId="c8d19071-f396-4c12-bc1e-cc4bb8705334" providerId="ADAL" clId="{2879BACB-7DCC-4FB8-97C6-DA81D2D61B05}" dt="2023-07-01T18:22:52.434" v="10413" actId="20577"/>
+          <ac:spMkLst>
+            <pc:docMk/>
+            <pc:sldMk cId="3021241665" sldId="345"/>
+            <ac:spMk id="3" creationId="{061B8D41-A604-B291-6DC5-F5F8BB2EA3CB}"/>
+          </ac:spMkLst>
+        </pc:spChg>
+        <pc:spChg chg="mod">
+          <ac:chgData name="Peng, Cheng" userId="c8d19071-f396-4c12-bc1e-cc4bb8705334" providerId="ADAL" clId="{2879BACB-7DCC-4FB8-97C6-DA81D2D61B05}" dt="2023-07-01T18:14:36.223" v="10363" actId="20577"/>
+          <ac:spMkLst>
+            <pc:docMk/>
+            <pc:sldMk cId="3021241665" sldId="345"/>
+            <ac:spMk id="6" creationId="{08115ECC-5140-EC28-F49E-91289AA669ED}"/>
+          </ac:spMkLst>
+        </pc:spChg>
+        <pc:picChg chg="del">
+          <ac:chgData name="Peng, Cheng" userId="c8d19071-f396-4c12-bc1e-cc4bb8705334" providerId="ADAL" clId="{2879BACB-7DCC-4FB8-97C6-DA81D2D61B05}" dt="2023-07-01T18:12:51.897" v="10320" actId="478"/>
+          <ac:picMkLst>
+            <pc:docMk/>
+            <pc:sldMk cId="3021241665" sldId="345"/>
+            <ac:picMk id="4" creationId="{BEFE6B91-3DC4-0A15-D710-E0575D62305C}"/>
+          </ac:picMkLst>
+        </pc:picChg>
+      </pc:sldChg>
+      <pc:sldChg chg="modSp add mod">
+        <pc:chgData name="Peng, Cheng" userId="c8d19071-f396-4c12-bc1e-cc4bb8705334" providerId="ADAL" clId="{2879BACB-7DCC-4FB8-97C6-DA81D2D61B05}" dt="2023-07-01T18:24:55.958" v="10434" actId="1076"/>
+        <pc:sldMkLst>
+          <pc:docMk/>
+          <pc:sldMk cId="2735011966" sldId="346"/>
+        </pc:sldMkLst>
+        <pc:spChg chg="mod">
+          <ac:chgData name="Peng, Cheng" userId="c8d19071-f396-4c12-bc1e-cc4bb8705334" providerId="ADAL" clId="{2879BACB-7DCC-4FB8-97C6-DA81D2D61B05}" dt="2023-07-01T18:24:55.958" v="10434" actId="1076"/>
+          <ac:spMkLst>
+            <pc:docMk/>
+            <pc:sldMk cId="2735011966" sldId="346"/>
+            <ac:spMk id="3" creationId="{061B8D41-A604-B291-6DC5-F5F8BB2EA3CB}"/>
+          </ac:spMkLst>
+        </pc:spChg>
       </pc:sldChg>
       <pc:sldMasterChg chg="modSp modSldLayout">
         <pc:chgData name="Peng, Cheng" userId="c8d19071-f396-4c12-bc1e-cc4bb8705334" providerId="ADAL" clId="{2879BACB-7DCC-4FB8-97C6-DA81D2D61B05}" dt="2023-06-23T12:39:36.413" v="631"/>
@@ -22500,7 +22820,7 @@
           <a:p>
             <a:fld id="{8FF717A4-A64C-4B2F-94FC-E411DD3989B7}" type="datetimeFigureOut">
               <a:rPr lang="en-US" smtClean="0"/>
-              <a:t>6/22/2023</a:t>
+              <a:t>7/1/2023</a:t>
             </a:fld>
             <a:endParaRPr lang="en-US" dirty="0"/>
           </a:p>
@@ -22677,7 +22997,7 @@
           <a:p>
             <a:fld id="{B5DAC400-AA97-41BA-93AB-78161B3C4165}" type="datetimeFigureOut">
               <a:rPr lang="en-US" smtClean="0"/>
-              <a:t>6/22/2023</a:t>
+              <a:t>7/1/2023</a:t>
             </a:fld>
             <a:endParaRPr lang="en-US" dirty="0"/>
           </a:p>
@@ -23133,7 +23453,7 @@
             <a:fld id="{2735CD1C-7CB8-4151-8DEA-7856EE0CC42C}" type="datetimeFigureOut">
               <a:rPr lang="en-US" smtClean="0"/>
               <a:pPr/>
-              <a:t>6/22/2023</a:t>
+              <a:t>7/1/2023</a:t>
             </a:fld>
             <a:endParaRPr lang="en-US" dirty="0"/>
           </a:p>
@@ -23571,7 +23891,7 @@
             <a:fld id="{2735CD1C-7CB8-4151-8DEA-7856EE0CC42C}" type="datetimeFigureOut">
               <a:rPr lang="en-US" smtClean="0"/>
               <a:pPr/>
-              <a:t>6/22/2023</a:t>
+              <a:t>7/1/2023</a:t>
             </a:fld>
             <a:endParaRPr lang="en-US" dirty="0"/>
           </a:p>
@@ -23823,7 +24143,7 @@
             <a:fld id="{2735CD1C-7CB8-4151-8DEA-7856EE0CC42C}" type="datetimeFigureOut">
               <a:rPr lang="en-US" smtClean="0"/>
               <a:pPr/>
-              <a:t>6/22/2023</a:t>
+              <a:t>7/1/2023</a:t>
             </a:fld>
             <a:endParaRPr lang="en-US" dirty="0"/>
           </a:p>
@@ -24133,7 +24453,7 @@
             <a:fld id="{2735CD1C-7CB8-4151-8DEA-7856EE0CC42C}" type="datetimeFigureOut">
               <a:rPr lang="en-US" smtClean="0"/>
               <a:pPr/>
-              <a:t>6/22/2023</a:t>
+              <a:t>7/1/2023</a:t>
             </a:fld>
             <a:endParaRPr lang="en-US" dirty="0"/>
           </a:p>
@@ -24453,7 +24773,7 @@
             <a:fld id="{2735CD1C-7CB8-4151-8DEA-7856EE0CC42C}" type="datetimeFigureOut">
               <a:rPr lang="en-US" smtClean="0"/>
               <a:pPr/>
-              <a:t>6/22/2023</a:t>
+              <a:t>7/1/2023</a:t>
             </a:fld>
             <a:endParaRPr lang="en-US" dirty="0"/>
           </a:p>
@@ -24757,7 +25077,7 @@
             <a:fld id="{2735CD1C-7CB8-4151-8DEA-7856EE0CC42C}" type="datetimeFigureOut">
               <a:rPr lang="en-US" smtClean="0"/>
               <a:pPr/>
-              <a:t>6/22/2023</a:t>
+              <a:t>7/1/2023</a:t>
             </a:fld>
             <a:endParaRPr lang="en-US" dirty="0"/>
           </a:p>
@@ -25126,7 +25446,7 @@
             <a:fld id="{2735CD1C-7CB8-4151-8DEA-7856EE0CC42C}" type="datetimeFigureOut">
               <a:rPr lang="en-US" smtClean="0"/>
               <a:pPr/>
-              <a:t>6/22/2023</a:t>
+              <a:t>7/1/2023</a:t>
             </a:fld>
             <a:endParaRPr lang="en-US" dirty="0"/>
           </a:p>
@@ -25302,7 +25622,7 @@
             <a:fld id="{2735CD1C-7CB8-4151-8DEA-7856EE0CC42C}" type="datetimeFigureOut">
               <a:rPr lang="en-US" smtClean="0"/>
               <a:pPr/>
-              <a:t>6/22/2023</a:t>
+              <a:t>7/1/2023</a:t>
             </a:fld>
             <a:endParaRPr lang="en-US" dirty="0"/>
           </a:p>
@@ -25484,7 +25804,7 @@
             <a:fld id="{2735CD1C-7CB8-4151-8DEA-7856EE0CC42C}" type="datetimeFigureOut">
               <a:rPr lang="en-US" smtClean="0"/>
               <a:pPr/>
-              <a:t>6/22/2023</a:t>
+              <a:t>7/1/2023</a:t>
             </a:fld>
             <a:endParaRPr lang="en-US" dirty="0"/>
           </a:p>
@@ -25656,7 +25976,7 @@
             <a:fld id="{2735CD1C-7CB8-4151-8DEA-7856EE0CC42C}" type="datetimeFigureOut">
               <a:rPr lang="en-US" smtClean="0"/>
               <a:pPr/>
-              <a:t>6/22/2023</a:t>
+              <a:t>7/1/2023</a:t>
             </a:fld>
             <a:endParaRPr lang="en-US" dirty="0"/>
           </a:p>
@@ -25908,7 +26228,7 @@
             <a:fld id="{2735CD1C-7CB8-4151-8DEA-7856EE0CC42C}" type="datetimeFigureOut">
               <a:rPr lang="en-US" smtClean="0"/>
               <a:pPr/>
-              <a:t>6/22/2023</a:t>
+              <a:t>7/1/2023</a:t>
             </a:fld>
             <a:endParaRPr lang="en-US" dirty="0"/>
           </a:p>
@@ -26146,7 +26466,7 @@
             <a:fld id="{2735CD1C-7CB8-4151-8DEA-7856EE0CC42C}" type="datetimeFigureOut">
               <a:rPr lang="en-US" smtClean="0"/>
               <a:pPr/>
-              <a:t>6/22/2023</a:t>
+              <a:t>7/1/2023</a:t>
             </a:fld>
             <a:endParaRPr lang="en-US" dirty="0"/>
           </a:p>
@@ -26530,7 +26850,7 @@
             <a:fld id="{2735CD1C-7CB8-4151-8DEA-7856EE0CC42C}" type="datetimeFigureOut">
               <a:rPr lang="en-US" smtClean="0"/>
               <a:pPr/>
-              <a:t>6/22/2023</a:t>
+              <a:t>7/1/2023</a:t>
             </a:fld>
             <a:endParaRPr lang="en-US" dirty="0"/>
           </a:p>
@@ -26650,7 +26970,7 @@
             <a:fld id="{2735CD1C-7CB8-4151-8DEA-7856EE0CC42C}" type="datetimeFigureOut">
               <a:rPr lang="en-US" smtClean="0"/>
               <a:pPr/>
-              <a:t>6/22/2023</a:t>
+              <a:t>7/1/2023</a:t>
             </a:fld>
             <a:endParaRPr lang="en-US" dirty="0"/>
           </a:p>
@@ -26747,7 +27067,7 @@
             <a:fld id="{2735CD1C-7CB8-4151-8DEA-7856EE0CC42C}" type="datetimeFigureOut">
               <a:rPr lang="en-US" smtClean="0"/>
               <a:pPr/>
-              <a:t>6/22/2023</a:t>
+              <a:t>7/1/2023</a:t>
             </a:fld>
             <a:endParaRPr lang="en-US" dirty="0"/>
           </a:p>
@@ -27004,7 +27324,7 @@
             <a:fld id="{2735CD1C-7CB8-4151-8DEA-7856EE0CC42C}" type="datetimeFigureOut">
               <a:rPr lang="en-US" smtClean="0"/>
               <a:pPr/>
-              <a:t>6/22/2023</a:t>
+              <a:t>7/1/2023</a:t>
             </a:fld>
             <a:endParaRPr lang="en-US" dirty="0"/>
           </a:p>
@@ -27289,7 +27609,7 @@
             <a:fld id="{2735CD1C-7CB8-4151-8DEA-7856EE0CC42C}" type="datetimeFigureOut">
               <a:rPr lang="en-US" smtClean="0"/>
               <a:pPr/>
-              <a:t>6/22/2023</a:t>
+              <a:t>7/1/2023</a:t>
             </a:fld>
             <a:endParaRPr lang="en-US" dirty="0"/>
           </a:p>
@@ -27697,7 +28017,7 @@
             <a:fld id="{2735CD1C-7CB8-4151-8DEA-7856EE0CC42C}" type="datetimeFigureOut">
               <a:rPr lang="en-US" smtClean="0"/>
               <a:pPr/>
-              <a:t>6/22/2023</a:t>
+              <a:t>7/1/2023</a:t>
             </a:fld>
             <a:endParaRPr lang="en-US" dirty="0"/>
           </a:p>
@@ -38892,6 +39212,3475 @@
         </p:spPr>
         <p:txBody>
           <a:bodyPr vert="horz" lIns="91440" tIns="45720" rIns="91440" bIns="45720" rtlCol="0" anchor="ctr">
+            <a:normAutofit/>
+          </a:bodyPr>
+          <a:lstStyle/>
+          <a:p>
+            <a:pPr algn="r">
+              <a:spcBef>
+                <a:spcPct val="0"/>
+              </a:spcBef>
+              <a:spcAft>
+                <a:spcPts val="600"/>
+              </a:spcAft>
+            </a:pPr>
+            <a:r>
+              <a:rPr lang="en-US" sz="3500" b="1" cap="all" dirty="0">
+                <a:ln w="3175" cmpd="sng">
+                  <a:noFill/>
+                </a:ln>
+                <a:latin typeface="+mj-lt"/>
+                <a:ea typeface="+mj-ea"/>
+                <a:cs typeface="+mj-cs"/>
+              </a:rPr>
+              <a:t>Cloud computing</a:t>
+            </a:r>
+          </a:p>
+          <a:p>
+            <a:pPr algn="r">
+              <a:spcBef>
+                <a:spcPct val="0"/>
+              </a:spcBef>
+              <a:spcAft>
+                <a:spcPts val="600"/>
+              </a:spcAft>
+            </a:pPr>
+            <a:r>
+              <a:rPr lang="en-US" sz="3500" b="1" cap="all" dirty="0">
+                <a:ln w="3175" cmpd="sng">
+                  <a:noFill/>
+                </a:ln>
+                <a:latin typeface="+mj-lt"/>
+                <a:ea typeface="+mj-ea"/>
+                <a:cs typeface="+mj-cs"/>
+              </a:rPr>
+              <a:t>for </a:t>
+            </a:r>
+          </a:p>
+          <a:p>
+            <a:pPr algn="r">
+              <a:spcBef>
+                <a:spcPct val="0"/>
+              </a:spcBef>
+              <a:spcAft>
+                <a:spcPts val="600"/>
+              </a:spcAft>
+            </a:pPr>
+            <a:r>
+              <a:rPr lang="en-US" sz="3500" b="1" cap="all" dirty="0">
+                <a:ln w="3175" cmpd="sng">
+                  <a:noFill/>
+                </a:ln>
+                <a:latin typeface="+mj-lt"/>
+                <a:ea typeface="+mj-ea"/>
+                <a:cs typeface="+mj-cs"/>
+              </a:rPr>
+              <a:t>Data Scientists</a:t>
+            </a:r>
+            <a:endParaRPr lang="en-US" sz="2000" cap="all" dirty="0">
+              <a:ln w="3175" cmpd="sng">
+                <a:noFill/>
+              </a:ln>
+              <a:latin typeface="+mj-lt"/>
+              <a:ea typeface="+mj-ea"/>
+              <a:cs typeface="+mj-cs"/>
+            </a:endParaRPr>
+          </a:p>
+        </p:txBody>
+      </p:sp>
+    </p:spTree>
+    <p:extLst>
+      <p:ext uri="{BB962C8B-B14F-4D97-AF65-F5344CB8AC3E}">
+        <p14:creationId xmlns:p14="http://schemas.microsoft.com/office/powerpoint/2010/main" val="623772345"/>
+      </p:ext>
+    </p:extLst>
+  </p:cSld>
+  <p:clrMapOvr>
+    <a:masterClrMapping/>
+  </p:clrMapOvr>
+</p:sld>
+</file>
+
+<file path=ppt/slides/slide27.xml><?xml version="1.0" encoding="utf-8"?>
+<p:sld xmlns:a="http://schemas.openxmlformats.org/drawingml/2006/main" xmlns:r="http://schemas.openxmlformats.org/officeDocument/2006/relationships" xmlns:p="http://schemas.openxmlformats.org/presentationml/2006/main">
+  <p:cSld>
+    <p:bg>
+      <p:bgPr>
+        <a:gradFill rotWithShape="1">
+          <a:gsLst>
+            <a:gs pos="10000">
+              <a:schemeClr val="bg2">
+                <a:tint val="97000"/>
+                <a:hueMod val="92000"/>
+                <a:satMod val="169000"/>
+                <a:lumMod val="164000"/>
+              </a:schemeClr>
+            </a:gs>
+            <a:gs pos="100000">
+              <a:schemeClr val="bg2">
+                <a:shade val="96000"/>
+                <a:satMod val="120000"/>
+                <a:lumMod val="90000"/>
+              </a:schemeClr>
+            </a:gs>
+          </a:gsLst>
+          <a:lin ang="6120000" scaled="1"/>
+        </a:gradFill>
+        <a:effectLst/>
+      </p:bgPr>
+    </p:bg>
+    <p:spTree>
+      <p:nvGrpSpPr>
+        <p:cNvPr id="1" name=""/>
+        <p:cNvGrpSpPr/>
+        <p:nvPr/>
+      </p:nvGrpSpPr>
+      <p:grpSpPr>
+        <a:xfrm>
+          <a:off x="0" y="0"/>
+          <a:ext cx="0" cy="0"/>
+          <a:chOff x="0" y="0"/>
+          <a:chExt cx="0" cy="0"/>
+        </a:xfrm>
+      </p:grpSpPr>
+      <p:grpSp>
+        <p:nvGrpSpPr>
+          <p:cNvPr id="9" name="Group 8">
+            <a:extLst>
+              <a:ext uri="{FF2B5EF4-FFF2-40B4-BE49-F238E27FC236}">
+                <a16:creationId xmlns:a16="http://schemas.microsoft.com/office/drawing/2014/main" id="{2103B461-323C-4912-BFFD-C37582662085}"/>
+              </a:ext>
+              <a:ext uri="{C183D7F6-B498-43B3-948B-1728B52AA6E4}">
+                <adec:decorative xmlns:adec="http://schemas.microsoft.com/office/drawing/2017/decorative" val="1"/>
+              </a:ext>
+            </a:extLst>
+          </p:cNvPr>
+          <p:cNvGrpSpPr>
+            <a:grpSpLocks noGrp="1" noUngrp="1" noRot="1" noChangeAspect="1" noMove="1" noResize="1"/>
+          </p:cNvGrpSpPr>
+          <p:nvPr>
+            <p:extLst>
+              <p:ext uri="{386F3935-93C4-4BCD-93E2-E3B085C9AB24}">
+                <p16:designElem xmlns:p16="http://schemas.microsoft.com/office/powerpoint/2015/main" val="1"/>
+              </p:ext>
+            </p:extLst>
+          </p:nvPr>
+        </p:nvGrpSpPr>
+        <p:grpSpPr>
+          <a:xfrm>
+            <a:off x="9206969" y="2963333"/>
+            <a:ext cx="2981858" cy="3208867"/>
+            <a:chOff x="9206969" y="2963333"/>
+            <a:chExt cx="2981858" cy="3208867"/>
+          </a:xfrm>
+        </p:grpSpPr>
+        <p:cxnSp>
+          <p:nvCxnSpPr>
+            <p:cNvPr id="10" name="Straight Connector 9">
+              <a:extLst>
+                <a:ext uri="{FF2B5EF4-FFF2-40B4-BE49-F238E27FC236}">
+                  <a16:creationId xmlns:a16="http://schemas.microsoft.com/office/drawing/2014/main" id="{FBC21318-F4F4-4524-95D1-6B7FE0A788A3}"/>
+                </a:ext>
+                <a:ext uri="{C183D7F6-B498-43B3-948B-1728B52AA6E4}">
+                  <adec:decorative xmlns:adec="http://schemas.microsoft.com/office/drawing/2017/decorative" val="1"/>
+                </a:ext>
+              </a:extLst>
+            </p:cNvPr>
+            <p:cNvCxnSpPr/>
+            <p:nvPr>
+              <p:extLst>
+                <p:ext uri="{386F3935-93C4-4BCD-93E2-E3B085C9AB24}">
+                  <p16:designElem xmlns:p16="http://schemas.microsoft.com/office/powerpoint/2015/main" val="1"/>
+                </p:ext>
+              </p:extLst>
+            </p:nvPr>
+          </p:nvCxnSpPr>
+          <p:spPr>
+            <a:xfrm flipH="1">
+              <a:off x="11276012" y="2963333"/>
+              <a:ext cx="912814" cy="912812"/>
+            </a:xfrm>
+            <a:prstGeom prst="line">
+              <a:avLst/>
+            </a:prstGeom>
+            <a:ln w="9525">
+              <a:solidFill>
+                <a:schemeClr val="tx1"/>
+              </a:solidFill>
+            </a:ln>
+          </p:spPr>
+          <p:style>
+            <a:lnRef idx="2">
+              <a:schemeClr val="accent1"/>
+            </a:lnRef>
+            <a:fillRef idx="0">
+              <a:schemeClr val="accent1"/>
+            </a:fillRef>
+            <a:effectRef idx="1">
+              <a:schemeClr val="accent1"/>
+            </a:effectRef>
+            <a:fontRef idx="minor">
+              <a:schemeClr val="tx1"/>
+            </a:fontRef>
+          </p:style>
+        </p:cxnSp>
+        <p:cxnSp>
+          <p:nvCxnSpPr>
+            <p:cNvPr id="11" name="Straight Connector 10">
+              <a:extLst>
+                <a:ext uri="{FF2B5EF4-FFF2-40B4-BE49-F238E27FC236}">
+                  <a16:creationId xmlns:a16="http://schemas.microsoft.com/office/drawing/2014/main" id="{D9FFA8E5-974F-409E-89C6-E185BD90933C}"/>
+                </a:ext>
+                <a:ext uri="{C183D7F6-B498-43B3-948B-1728B52AA6E4}">
+                  <adec:decorative xmlns:adec="http://schemas.microsoft.com/office/drawing/2017/decorative" val="1"/>
+                </a:ext>
+              </a:extLst>
+            </p:cNvPr>
+            <p:cNvCxnSpPr/>
+            <p:nvPr>
+              <p:extLst>
+                <p:ext uri="{386F3935-93C4-4BCD-93E2-E3B085C9AB24}">
+                  <p16:designElem xmlns:p16="http://schemas.microsoft.com/office/powerpoint/2015/main" val="1"/>
+                </p:ext>
+              </p:extLst>
+            </p:nvPr>
+          </p:nvCxnSpPr>
+          <p:spPr>
+            <a:xfrm flipH="1">
+              <a:off x="9206969" y="3190344"/>
+              <a:ext cx="2981857" cy="2981856"/>
+            </a:xfrm>
+            <a:prstGeom prst="line">
+              <a:avLst/>
+            </a:prstGeom>
+            <a:ln w="9525">
+              <a:solidFill>
+                <a:schemeClr val="tx1"/>
+              </a:solidFill>
+            </a:ln>
+          </p:spPr>
+          <p:style>
+            <a:lnRef idx="2">
+              <a:schemeClr val="accent1"/>
+            </a:lnRef>
+            <a:fillRef idx="0">
+              <a:schemeClr val="accent1"/>
+            </a:fillRef>
+            <a:effectRef idx="1">
+              <a:schemeClr val="accent1"/>
+            </a:effectRef>
+            <a:fontRef idx="minor">
+              <a:schemeClr val="tx1"/>
+            </a:fontRef>
+          </p:style>
+        </p:cxnSp>
+        <p:cxnSp>
+          <p:nvCxnSpPr>
+            <p:cNvPr id="12" name="Straight Connector 11">
+              <a:extLst>
+                <a:ext uri="{FF2B5EF4-FFF2-40B4-BE49-F238E27FC236}">
+                  <a16:creationId xmlns:a16="http://schemas.microsoft.com/office/drawing/2014/main" id="{C384E2B1-7008-45EE-9F2E-FEF3A089780F}"/>
+                </a:ext>
+                <a:ext uri="{C183D7F6-B498-43B3-948B-1728B52AA6E4}">
+                  <adec:decorative xmlns:adec="http://schemas.microsoft.com/office/drawing/2017/decorative" val="1"/>
+                </a:ext>
+              </a:extLst>
+            </p:cNvPr>
+            <p:cNvCxnSpPr/>
+            <p:nvPr>
+              <p:extLst>
+                <p:ext uri="{386F3935-93C4-4BCD-93E2-E3B085C9AB24}">
+                  <p16:designElem xmlns:p16="http://schemas.microsoft.com/office/powerpoint/2015/main" val="1"/>
+                </p:ext>
+              </p:extLst>
+            </p:nvPr>
+          </p:nvCxnSpPr>
+          <p:spPr>
+            <a:xfrm flipH="1">
+              <a:off x="10292292" y="3285067"/>
+              <a:ext cx="1896534" cy="1896533"/>
+            </a:xfrm>
+            <a:prstGeom prst="line">
+              <a:avLst/>
+            </a:prstGeom>
+            <a:ln w="9525">
+              <a:solidFill>
+                <a:schemeClr val="tx1"/>
+              </a:solidFill>
+            </a:ln>
+          </p:spPr>
+          <p:style>
+            <a:lnRef idx="2">
+              <a:schemeClr val="accent1"/>
+            </a:lnRef>
+            <a:fillRef idx="0">
+              <a:schemeClr val="accent1"/>
+            </a:fillRef>
+            <a:effectRef idx="1">
+              <a:schemeClr val="accent1"/>
+            </a:effectRef>
+            <a:fontRef idx="minor">
+              <a:schemeClr val="tx1"/>
+            </a:fontRef>
+          </p:style>
+        </p:cxnSp>
+        <p:cxnSp>
+          <p:nvCxnSpPr>
+            <p:cNvPr id="13" name="Straight Connector 12">
+              <a:extLst>
+                <a:ext uri="{FF2B5EF4-FFF2-40B4-BE49-F238E27FC236}">
+                  <a16:creationId xmlns:a16="http://schemas.microsoft.com/office/drawing/2014/main" id="{D4563410-7FE9-4955-89C6-0FB9326CD3A8}"/>
+                </a:ext>
+                <a:ext uri="{C183D7F6-B498-43B3-948B-1728B52AA6E4}">
+                  <adec:decorative xmlns:adec="http://schemas.microsoft.com/office/drawing/2017/decorative" val="1"/>
+                </a:ext>
+              </a:extLst>
+            </p:cNvPr>
+            <p:cNvCxnSpPr/>
+            <p:nvPr>
+              <p:extLst>
+                <p:ext uri="{386F3935-93C4-4BCD-93E2-E3B085C9AB24}">
+                  <p16:designElem xmlns:p16="http://schemas.microsoft.com/office/powerpoint/2015/main" val="1"/>
+                </p:ext>
+              </p:extLst>
+            </p:nvPr>
+          </p:nvCxnSpPr>
+          <p:spPr>
+            <a:xfrm flipH="1">
+              <a:off x="10443103" y="3131080"/>
+              <a:ext cx="1745722" cy="1745720"/>
+            </a:xfrm>
+            <a:prstGeom prst="line">
+              <a:avLst/>
+            </a:prstGeom>
+            <a:ln w="28575">
+              <a:solidFill>
+                <a:schemeClr val="tx1"/>
+              </a:solidFill>
+            </a:ln>
+          </p:spPr>
+          <p:style>
+            <a:lnRef idx="2">
+              <a:schemeClr val="accent1"/>
+            </a:lnRef>
+            <a:fillRef idx="0">
+              <a:schemeClr val="accent1"/>
+            </a:fillRef>
+            <a:effectRef idx="1">
+              <a:schemeClr val="accent1"/>
+            </a:effectRef>
+            <a:fontRef idx="minor">
+              <a:schemeClr val="tx1"/>
+            </a:fontRef>
+          </p:style>
+        </p:cxnSp>
+        <p:cxnSp>
+          <p:nvCxnSpPr>
+            <p:cNvPr id="14" name="Straight Connector 13">
+              <a:extLst>
+                <a:ext uri="{FF2B5EF4-FFF2-40B4-BE49-F238E27FC236}">
+                  <a16:creationId xmlns:a16="http://schemas.microsoft.com/office/drawing/2014/main" id="{3AD14C0E-D5DF-4BDC-BD92-642CFF18018D}"/>
+                </a:ext>
+                <a:ext uri="{C183D7F6-B498-43B3-948B-1728B52AA6E4}">
+                  <adec:decorative xmlns:adec="http://schemas.microsoft.com/office/drawing/2017/decorative" val="1"/>
+                </a:ext>
+              </a:extLst>
+            </p:cNvPr>
+            <p:cNvCxnSpPr/>
+            <p:nvPr>
+              <p:extLst>
+                <p:ext uri="{386F3935-93C4-4BCD-93E2-E3B085C9AB24}">
+                  <p16:designElem xmlns:p16="http://schemas.microsoft.com/office/powerpoint/2015/main" val="1"/>
+                </p:ext>
+              </p:extLst>
+            </p:nvPr>
+          </p:nvCxnSpPr>
+          <p:spPr>
+            <a:xfrm flipH="1">
+              <a:off x="10918826" y="3683001"/>
+              <a:ext cx="1270001" cy="1269999"/>
+            </a:xfrm>
+            <a:prstGeom prst="line">
+              <a:avLst/>
+            </a:prstGeom>
+            <a:ln w="28575">
+              <a:solidFill>
+                <a:schemeClr val="tx1"/>
+              </a:solidFill>
+            </a:ln>
+          </p:spPr>
+          <p:style>
+            <a:lnRef idx="2">
+              <a:schemeClr val="accent1"/>
+            </a:lnRef>
+            <a:fillRef idx="0">
+              <a:schemeClr val="accent1"/>
+            </a:fillRef>
+            <a:effectRef idx="1">
+              <a:schemeClr val="accent1"/>
+            </a:effectRef>
+            <a:fontRef idx="minor">
+              <a:schemeClr val="tx1"/>
+            </a:fontRef>
+          </p:style>
+        </p:cxnSp>
+      </p:grpSp>
+      <p:sp>
+        <p:nvSpPr>
+          <p:cNvPr id="16" name="Rectangle 15">
+            <a:extLst>
+              <a:ext uri="{FF2B5EF4-FFF2-40B4-BE49-F238E27FC236}">
+                <a16:creationId xmlns:a16="http://schemas.microsoft.com/office/drawing/2014/main" id="{391F240E-99C9-4C6A-BD0A-15F9E69F337F}"/>
+              </a:ext>
+              <a:ext uri="{C183D7F6-B498-43B3-948B-1728B52AA6E4}">
+                <adec:decorative xmlns:adec="http://schemas.microsoft.com/office/drawing/2017/decorative" val="1"/>
+              </a:ext>
+            </a:extLst>
+          </p:cNvPr>
+          <p:cNvSpPr>
+            <a:spLocks noGrp="1" noRot="1" noChangeAspect="1" noMove="1" noResize="1" noEditPoints="1" noAdjustHandles="1" noChangeArrowheads="1" noChangeShapeType="1" noTextEdit="1"/>
+          </p:cNvSpPr>
+          <p:nvPr>
+            <p:extLst>
+              <p:ext uri="{386F3935-93C4-4BCD-93E2-E3B085C9AB24}">
+                <p16:designElem xmlns:p16="http://schemas.microsoft.com/office/powerpoint/2015/main" val="1"/>
+              </p:ext>
+            </p:extLst>
+          </p:nvPr>
+        </p:nvSpPr>
+        <p:spPr>
+          <a:xfrm>
+            <a:off x="0" y="0"/>
+            <a:ext cx="12192000" cy="6858000"/>
+          </a:xfrm>
+          <a:prstGeom prst="rect">
+            <a:avLst/>
+          </a:prstGeom>
+          <a:ln>
+            <a:noFill/>
+          </a:ln>
+        </p:spPr>
+        <p:style>
+          <a:lnRef idx="2">
+            <a:schemeClr val="accent1">
+              <a:shade val="50000"/>
+            </a:schemeClr>
+          </a:lnRef>
+          <a:fillRef idx="1003">
+            <a:schemeClr val="lt1"/>
+          </a:fillRef>
+          <a:effectRef idx="0">
+            <a:schemeClr val="accent1"/>
+          </a:effectRef>
+          <a:fontRef idx="minor">
+            <a:schemeClr val="lt1"/>
+          </a:fontRef>
+        </p:style>
+        <p:txBody>
+          <a:bodyPr rtlCol="0" anchor="ctr"/>
+          <a:lstStyle/>
+          <a:p>
+            <a:pPr algn="ctr"/>
+            <a:endParaRPr lang="en-US"/>
+          </a:p>
+        </p:txBody>
+      </p:sp>
+      <p:sp>
+        <p:nvSpPr>
+          <p:cNvPr id="18" name="Rectangle 17">
+            <a:extLst>
+              <a:ext uri="{FF2B5EF4-FFF2-40B4-BE49-F238E27FC236}">
+                <a16:creationId xmlns:a16="http://schemas.microsoft.com/office/drawing/2014/main" id="{9C8424AD-EE61-4FBC-ABA0-36E67508F2D0}"/>
+              </a:ext>
+              <a:ext uri="{C183D7F6-B498-43B3-948B-1728B52AA6E4}">
+                <adec:decorative xmlns:adec="http://schemas.microsoft.com/office/drawing/2017/decorative" val="1"/>
+              </a:ext>
+            </a:extLst>
+          </p:cNvPr>
+          <p:cNvSpPr>
+            <a:spLocks noGrp="1" noRot="1" noChangeAspect="1" noMove="1" noResize="1" noEditPoints="1" noAdjustHandles="1" noChangeArrowheads="1" noChangeShapeType="1" noTextEdit="1"/>
+          </p:cNvSpPr>
+          <p:nvPr>
+            <p:extLst>
+              <p:ext uri="{386F3935-93C4-4BCD-93E2-E3B085C9AB24}">
+                <p16:designElem xmlns:p16="http://schemas.microsoft.com/office/powerpoint/2015/main" val="1"/>
+              </p:ext>
+            </p:extLst>
+          </p:nvPr>
+        </p:nvSpPr>
+        <p:spPr>
+          <a:xfrm>
+            <a:off x="477012" y="480060"/>
+            <a:ext cx="11237976" cy="5897880"/>
+          </a:xfrm>
+          <a:prstGeom prst="rect">
+            <a:avLst/>
+          </a:prstGeom>
+          <a:solidFill>
+            <a:srgbClr val="FFFFFF"/>
+          </a:solidFill>
+          <a:ln w="22225" cap="sq">
+            <a:solidFill>
+              <a:srgbClr val="FD654B"/>
+            </a:solidFill>
+            <a:miter lim="800000"/>
+          </a:ln>
+        </p:spPr>
+        <p:style>
+          <a:lnRef idx="2">
+            <a:schemeClr val="accent1">
+              <a:shade val="50000"/>
+            </a:schemeClr>
+          </a:lnRef>
+          <a:fillRef idx="1">
+            <a:schemeClr val="accent1"/>
+          </a:fillRef>
+          <a:effectRef idx="0">
+            <a:schemeClr val="accent1"/>
+          </a:effectRef>
+          <a:fontRef idx="minor">
+            <a:schemeClr val="lt1"/>
+          </a:fontRef>
+        </p:style>
+        <p:txBody>
+          <a:bodyPr rtlCol="0" anchor="ctr"/>
+          <a:lstStyle/>
+          <a:p>
+            <a:pPr algn="ctr"/>
+            <a:endParaRPr lang="en-US"/>
+          </a:p>
+        </p:txBody>
+      </p:sp>
+      <p:pic>
+        <p:nvPicPr>
+          <p:cNvPr id="4" name="Picture 3">
+            <a:extLst>
+              <a:ext uri="{FF2B5EF4-FFF2-40B4-BE49-F238E27FC236}">
+                <a16:creationId xmlns:a16="http://schemas.microsoft.com/office/drawing/2014/main" id="{64A3C989-9363-8F7B-897C-119D98F5EE29}"/>
+              </a:ext>
+            </a:extLst>
+          </p:cNvPr>
+          <p:cNvPicPr>
+            <a:picLocks noChangeAspect="1"/>
+          </p:cNvPicPr>
+          <p:nvPr/>
+        </p:nvPicPr>
+        <p:blipFill>
+          <a:blip r:embed="rId2"/>
+          <a:stretch>
+            <a:fillRect/>
+          </a:stretch>
+        </p:blipFill>
+        <p:spPr>
+          <a:xfrm>
+            <a:off x="3284442" y="954829"/>
+            <a:ext cx="5623116" cy="4948342"/>
+          </a:xfrm>
+          <a:prstGeom prst="rect">
+            <a:avLst/>
+          </a:prstGeom>
+        </p:spPr>
+      </p:pic>
+    </p:spTree>
+    <p:extLst>
+      <p:ext uri="{BB962C8B-B14F-4D97-AF65-F5344CB8AC3E}">
+        <p14:creationId xmlns:p14="http://schemas.microsoft.com/office/powerpoint/2010/main" val="3970920007"/>
+      </p:ext>
+    </p:extLst>
+  </p:cSld>
+  <p:clrMapOvr>
+    <a:masterClrMapping/>
+  </p:clrMapOvr>
+</p:sld>
+</file>
+
+<file path=ppt/slides/slide28.xml><?xml version="1.0" encoding="utf-8"?>
+<p:sld xmlns:a="http://schemas.openxmlformats.org/drawingml/2006/main" xmlns:r="http://schemas.openxmlformats.org/officeDocument/2006/relationships" xmlns:p="http://schemas.openxmlformats.org/presentationml/2006/main">
+  <p:cSld>
+    <p:bg>
+      <p:bgPr>
+        <a:gradFill rotWithShape="1">
+          <a:gsLst>
+            <a:gs pos="10000">
+              <a:schemeClr val="bg2">
+                <a:tint val="97000"/>
+                <a:hueMod val="92000"/>
+                <a:satMod val="169000"/>
+                <a:lumMod val="164000"/>
+              </a:schemeClr>
+            </a:gs>
+            <a:gs pos="100000">
+              <a:schemeClr val="bg2">
+                <a:shade val="96000"/>
+                <a:satMod val="120000"/>
+                <a:lumMod val="90000"/>
+              </a:schemeClr>
+            </a:gs>
+          </a:gsLst>
+          <a:lin ang="6120000" scaled="1"/>
+        </a:gradFill>
+        <a:effectLst/>
+      </p:bgPr>
+    </p:bg>
+    <p:spTree>
+      <p:nvGrpSpPr>
+        <p:cNvPr id="1" name=""/>
+        <p:cNvGrpSpPr/>
+        <p:nvPr/>
+      </p:nvGrpSpPr>
+      <p:grpSpPr>
+        <a:xfrm>
+          <a:off x="0" y="0"/>
+          <a:ext cx="0" cy="0"/>
+          <a:chOff x="0" y="0"/>
+          <a:chExt cx="0" cy="0"/>
+        </a:xfrm>
+      </p:grpSpPr>
+      <p:grpSp>
+        <p:nvGrpSpPr>
+          <p:cNvPr id="37" name="Group 36">
+            <a:extLst>
+              <a:ext uri="{FF2B5EF4-FFF2-40B4-BE49-F238E27FC236}">
+                <a16:creationId xmlns:a16="http://schemas.microsoft.com/office/drawing/2014/main" id="{2103B461-323C-4912-BFFD-C37582662085}"/>
+              </a:ext>
+              <a:ext uri="{C183D7F6-B498-43B3-948B-1728B52AA6E4}">
+                <adec:decorative xmlns:adec="http://schemas.microsoft.com/office/drawing/2017/decorative" val="1"/>
+              </a:ext>
+            </a:extLst>
+          </p:cNvPr>
+          <p:cNvGrpSpPr>
+            <a:grpSpLocks noGrp="1" noUngrp="1" noRot="1" noChangeAspect="1" noMove="1" noResize="1"/>
+          </p:cNvGrpSpPr>
+          <p:nvPr>
+            <p:extLst>
+              <p:ext uri="{386F3935-93C4-4BCD-93E2-E3B085C9AB24}">
+                <p16:designElem xmlns:p16="http://schemas.microsoft.com/office/powerpoint/2015/main" val="1"/>
+              </p:ext>
+            </p:extLst>
+          </p:nvPr>
+        </p:nvGrpSpPr>
+        <p:grpSpPr>
+          <a:xfrm>
+            <a:off x="9206969" y="2963333"/>
+            <a:ext cx="2981858" cy="3208867"/>
+            <a:chOff x="9206969" y="2963333"/>
+            <a:chExt cx="2981858" cy="3208867"/>
+          </a:xfrm>
+        </p:grpSpPr>
+        <p:cxnSp>
+          <p:nvCxnSpPr>
+            <p:cNvPr id="38" name="Straight Connector 37">
+              <a:extLst>
+                <a:ext uri="{FF2B5EF4-FFF2-40B4-BE49-F238E27FC236}">
+                  <a16:creationId xmlns:a16="http://schemas.microsoft.com/office/drawing/2014/main" id="{FBC21318-F4F4-4524-95D1-6B7FE0A788A3}"/>
+                </a:ext>
+                <a:ext uri="{C183D7F6-B498-43B3-948B-1728B52AA6E4}">
+                  <adec:decorative xmlns:adec="http://schemas.microsoft.com/office/drawing/2017/decorative" val="1"/>
+                </a:ext>
+              </a:extLst>
+            </p:cNvPr>
+            <p:cNvCxnSpPr/>
+            <p:nvPr>
+              <p:extLst>
+                <p:ext uri="{386F3935-93C4-4BCD-93E2-E3B085C9AB24}">
+                  <p16:designElem xmlns:p16="http://schemas.microsoft.com/office/powerpoint/2015/main" val="1"/>
+                </p:ext>
+              </p:extLst>
+            </p:nvPr>
+          </p:nvCxnSpPr>
+          <p:spPr>
+            <a:xfrm flipH="1">
+              <a:off x="11276012" y="2963333"/>
+              <a:ext cx="912814" cy="912812"/>
+            </a:xfrm>
+            <a:prstGeom prst="line">
+              <a:avLst/>
+            </a:prstGeom>
+            <a:ln w="9525">
+              <a:solidFill>
+                <a:schemeClr val="tx1"/>
+              </a:solidFill>
+            </a:ln>
+          </p:spPr>
+          <p:style>
+            <a:lnRef idx="2">
+              <a:schemeClr val="accent1"/>
+            </a:lnRef>
+            <a:fillRef idx="0">
+              <a:schemeClr val="accent1"/>
+            </a:fillRef>
+            <a:effectRef idx="1">
+              <a:schemeClr val="accent1"/>
+            </a:effectRef>
+            <a:fontRef idx="minor">
+              <a:schemeClr val="tx1"/>
+            </a:fontRef>
+          </p:style>
+        </p:cxnSp>
+        <p:cxnSp>
+          <p:nvCxnSpPr>
+            <p:cNvPr id="39" name="Straight Connector 38">
+              <a:extLst>
+                <a:ext uri="{FF2B5EF4-FFF2-40B4-BE49-F238E27FC236}">
+                  <a16:creationId xmlns:a16="http://schemas.microsoft.com/office/drawing/2014/main" id="{D9FFA8E5-974F-409E-89C6-E185BD90933C}"/>
+                </a:ext>
+                <a:ext uri="{C183D7F6-B498-43B3-948B-1728B52AA6E4}">
+                  <adec:decorative xmlns:adec="http://schemas.microsoft.com/office/drawing/2017/decorative" val="1"/>
+                </a:ext>
+              </a:extLst>
+            </p:cNvPr>
+            <p:cNvCxnSpPr/>
+            <p:nvPr>
+              <p:extLst>
+                <p:ext uri="{386F3935-93C4-4BCD-93E2-E3B085C9AB24}">
+                  <p16:designElem xmlns:p16="http://schemas.microsoft.com/office/powerpoint/2015/main" val="1"/>
+                </p:ext>
+              </p:extLst>
+            </p:nvPr>
+          </p:nvCxnSpPr>
+          <p:spPr>
+            <a:xfrm flipH="1">
+              <a:off x="9206969" y="3190344"/>
+              <a:ext cx="2981857" cy="2981856"/>
+            </a:xfrm>
+            <a:prstGeom prst="line">
+              <a:avLst/>
+            </a:prstGeom>
+            <a:ln w="9525">
+              <a:solidFill>
+                <a:schemeClr val="tx1"/>
+              </a:solidFill>
+            </a:ln>
+          </p:spPr>
+          <p:style>
+            <a:lnRef idx="2">
+              <a:schemeClr val="accent1"/>
+            </a:lnRef>
+            <a:fillRef idx="0">
+              <a:schemeClr val="accent1"/>
+            </a:fillRef>
+            <a:effectRef idx="1">
+              <a:schemeClr val="accent1"/>
+            </a:effectRef>
+            <a:fontRef idx="minor">
+              <a:schemeClr val="tx1"/>
+            </a:fontRef>
+          </p:style>
+        </p:cxnSp>
+        <p:cxnSp>
+          <p:nvCxnSpPr>
+            <p:cNvPr id="40" name="Straight Connector 39">
+              <a:extLst>
+                <a:ext uri="{FF2B5EF4-FFF2-40B4-BE49-F238E27FC236}">
+                  <a16:creationId xmlns:a16="http://schemas.microsoft.com/office/drawing/2014/main" id="{C384E2B1-7008-45EE-9F2E-FEF3A089780F}"/>
+                </a:ext>
+                <a:ext uri="{C183D7F6-B498-43B3-948B-1728B52AA6E4}">
+                  <adec:decorative xmlns:adec="http://schemas.microsoft.com/office/drawing/2017/decorative" val="1"/>
+                </a:ext>
+              </a:extLst>
+            </p:cNvPr>
+            <p:cNvCxnSpPr/>
+            <p:nvPr>
+              <p:extLst>
+                <p:ext uri="{386F3935-93C4-4BCD-93E2-E3B085C9AB24}">
+                  <p16:designElem xmlns:p16="http://schemas.microsoft.com/office/powerpoint/2015/main" val="1"/>
+                </p:ext>
+              </p:extLst>
+            </p:nvPr>
+          </p:nvCxnSpPr>
+          <p:spPr>
+            <a:xfrm flipH="1">
+              <a:off x="10292292" y="3285067"/>
+              <a:ext cx="1896534" cy="1896533"/>
+            </a:xfrm>
+            <a:prstGeom prst="line">
+              <a:avLst/>
+            </a:prstGeom>
+            <a:ln w="9525">
+              <a:solidFill>
+                <a:schemeClr val="tx1"/>
+              </a:solidFill>
+            </a:ln>
+          </p:spPr>
+          <p:style>
+            <a:lnRef idx="2">
+              <a:schemeClr val="accent1"/>
+            </a:lnRef>
+            <a:fillRef idx="0">
+              <a:schemeClr val="accent1"/>
+            </a:fillRef>
+            <a:effectRef idx="1">
+              <a:schemeClr val="accent1"/>
+            </a:effectRef>
+            <a:fontRef idx="minor">
+              <a:schemeClr val="tx1"/>
+            </a:fontRef>
+          </p:style>
+        </p:cxnSp>
+        <p:cxnSp>
+          <p:nvCxnSpPr>
+            <p:cNvPr id="41" name="Straight Connector 40">
+              <a:extLst>
+                <a:ext uri="{FF2B5EF4-FFF2-40B4-BE49-F238E27FC236}">
+                  <a16:creationId xmlns:a16="http://schemas.microsoft.com/office/drawing/2014/main" id="{D4563410-7FE9-4955-89C6-0FB9326CD3A8}"/>
+                </a:ext>
+                <a:ext uri="{C183D7F6-B498-43B3-948B-1728B52AA6E4}">
+                  <adec:decorative xmlns:adec="http://schemas.microsoft.com/office/drawing/2017/decorative" val="1"/>
+                </a:ext>
+              </a:extLst>
+            </p:cNvPr>
+            <p:cNvCxnSpPr/>
+            <p:nvPr>
+              <p:extLst>
+                <p:ext uri="{386F3935-93C4-4BCD-93E2-E3B085C9AB24}">
+                  <p16:designElem xmlns:p16="http://schemas.microsoft.com/office/powerpoint/2015/main" val="1"/>
+                </p:ext>
+              </p:extLst>
+            </p:nvPr>
+          </p:nvCxnSpPr>
+          <p:spPr>
+            <a:xfrm flipH="1">
+              <a:off x="10443103" y="3131080"/>
+              <a:ext cx="1745722" cy="1745720"/>
+            </a:xfrm>
+            <a:prstGeom prst="line">
+              <a:avLst/>
+            </a:prstGeom>
+            <a:ln w="28575">
+              <a:solidFill>
+                <a:schemeClr val="tx1"/>
+              </a:solidFill>
+            </a:ln>
+          </p:spPr>
+          <p:style>
+            <a:lnRef idx="2">
+              <a:schemeClr val="accent1"/>
+            </a:lnRef>
+            <a:fillRef idx="0">
+              <a:schemeClr val="accent1"/>
+            </a:fillRef>
+            <a:effectRef idx="1">
+              <a:schemeClr val="accent1"/>
+            </a:effectRef>
+            <a:fontRef idx="minor">
+              <a:schemeClr val="tx1"/>
+            </a:fontRef>
+          </p:style>
+        </p:cxnSp>
+        <p:cxnSp>
+          <p:nvCxnSpPr>
+            <p:cNvPr id="42" name="Straight Connector 41">
+              <a:extLst>
+                <a:ext uri="{FF2B5EF4-FFF2-40B4-BE49-F238E27FC236}">
+                  <a16:creationId xmlns:a16="http://schemas.microsoft.com/office/drawing/2014/main" id="{3AD14C0E-D5DF-4BDC-BD92-642CFF18018D}"/>
+                </a:ext>
+                <a:ext uri="{C183D7F6-B498-43B3-948B-1728B52AA6E4}">
+                  <adec:decorative xmlns:adec="http://schemas.microsoft.com/office/drawing/2017/decorative" val="1"/>
+                </a:ext>
+              </a:extLst>
+            </p:cNvPr>
+            <p:cNvCxnSpPr/>
+            <p:nvPr>
+              <p:extLst>
+                <p:ext uri="{386F3935-93C4-4BCD-93E2-E3B085C9AB24}">
+                  <p16:designElem xmlns:p16="http://schemas.microsoft.com/office/powerpoint/2015/main" val="1"/>
+                </p:ext>
+              </p:extLst>
+            </p:nvPr>
+          </p:nvCxnSpPr>
+          <p:spPr>
+            <a:xfrm flipH="1">
+              <a:off x="10918826" y="3683001"/>
+              <a:ext cx="1270001" cy="1269999"/>
+            </a:xfrm>
+            <a:prstGeom prst="line">
+              <a:avLst/>
+            </a:prstGeom>
+            <a:ln w="28575">
+              <a:solidFill>
+                <a:schemeClr val="tx1"/>
+              </a:solidFill>
+            </a:ln>
+          </p:spPr>
+          <p:style>
+            <a:lnRef idx="2">
+              <a:schemeClr val="accent1"/>
+            </a:lnRef>
+            <a:fillRef idx="0">
+              <a:schemeClr val="accent1"/>
+            </a:fillRef>
+            <a:effectRef idx="1">
+              <a:schemeClr val="accent1"/>
+            </a:effectRef>
+            <a:fontRef idx="minor">
+              <a:schemeClr val="tx1"/>
+            </a:fontRef>
+          </p:style>
+        </p:cxnSp>
+      </p:grpSp>
+      <p:sp>
+        <p:nvSpPr>
+          <p:cNvPr id="44" name="Rectangle 43">
+            <a:extLst>
+              <a:ext uri="{FF2B5EF4-FFF2-40B4-BE49-F238E27FC236}">
+                <a16:creationId xmlns:a16="http://schemas.microsoft.com/office/drawing/2014/main" id="{5C6ACA56-9AD4-4EE6-8F38-8C18968ACE5C}"/>
+              </a:ext>
+              <a:ext uri="{C183D7F6-B498-43B3-948B-1728B52AA6E4}">
+                <adec:decorative xmlns:adec="http://schemas.microsoft.com/office/drawing/2017/decorative" val="1"/>
+              </a:ext>
+            </a:extLst>
+          </p:cNvPr>
+          <p:cNvSpPr>
+            <a:spLocks noGrp="1" noRot="1" noChangeAspect="1" noMove="1" noResize="1" noEditPoints="1" noAdjustHandles="1" noChangeArrowheads="1" noChangeShapeType="1" noTextEdit="1"/>
+          </p:cNvSpPr>
+          <p:nvPr>
+            <p:extLst>
+              <p:ext uri="{386F3935-93C4-4BCD-93E2-E3B085C9AB24}">
+                <p16:designElem xmlns:p16="http://schemas.microsoft.com/office/powerpoint/2015/main" val="1"/>
+              </p:ext>
+            </p:extLst>
+          </p:nvPr>
+        </p:nvSpPr>
+        <p:spPr>
+          <a:xfrm>
+            <a:off x="0" y="0"/>
+            <a:ext cx="12192000" cy="6858000"/>
+          </a:xfrm>
+          <a:prstGeom prst="rect">
+            <a:avLst/>
+          </a:prstGeom>
+          <a:solidFill>
+            <a:srgbClr val="5D7FA7"/>
+          </a:solidFill>
+          <a:ln>
+            <a:noFill/>
+          </a:ln>
+        </p:spPr>
+        <p:style>
+          <a:lnRef idx="2">
+            <a:schemeClr val="accent1">
+              <a:shade val="50000"/>
+            </a:schemeClr>
+          </a:lnRef>
+          <a:fillRef idx="1">
+            <a:schemeClr val="accent1"/>
+          </a:fillRef>
+          <a:effectRef idx="0">
+            <a:schemeClr val="accent1"/>
+          </a:effectRef>
+          <a:fontRef idx="minor">
+            <a:schemeClr val="lt1"/>
+          </a:fontRef>
+        </p:style>
+        <p:txBody>
+          <a:bodyPr rtlCol="0" anchor="ctr"/>
+          <a:lstStyle/>
+          <a:p>
+            <a:pPr algn="ctr"/>
+            <a:endParaRPr lang="en-US"/>
+          </a:p>
+        </p:txBody>
+      </p:sp>
+      <p:sp>
+        <p:nvSpPr>
+          <p:cNvPr id="46" name="Rectangle 45">
+            <a:extLst>
+              <a:ext uri="{FF2B5EF4-FFF2-40B4-BE49-F238E27FC236}">
+                <a16:creationId xmlns:a16="http://schemas.microsoft.com/office/drawing/2014/main" id="{BE655210-4EEB-44D9-B394-6FB4139BFC1E}"/>
+              </a:ext>
+              <a:ext uri="{C183D7F6-B498-43B3-948B-1728B52AA6E4}">
+                <adec:decorative xmlns:adec="http://schemas.microsoft.com/office/drawing/2017/decorative" val="1"/>
+              </a:ext>
+            </a:extLst>
+          </p:cNvPr>
+          <p:cNvSpPr>
+            <a:spLocks noGrp="1" noRot="1" noChangeAspect="1" noMove="1" noResize="1" noEditPoints="1" noAdjustHandles="1" noChangeArrowheads="1" noChangeShapeType="1" noTextEdit="1"/>
+          </p:cNvSpPr>
+          <p:nvPr>
+            <p:extLst>
+              <p:ext uri="{386F3935-93C4-4BCD-93E2-E3B085C9AB24}">
+                <p16:designElem xmlns:p16="http://schemas.microsoft.com/office/powerpoint/2015/main" val="1"/>
+              </p:ext>
+            </p:extLst>
+          </p:nvPr>
+        </p:nvSpPr>
+        <p:spPr>
+          <a:xfrm>
+            <a:off x="477012" y="480060"/>
+            <a:ext cx="11237976" cy="5897880"/>
+          </a:xfrm>
+          <a:prstGeom prst="rect">
+            <a:avLst/>
+          </a:prstGeom>
+          <a:solidFill>
+            <a:srgbClr val="FFFFFF"/>
+          </a:solidFill>
+          <a:ln cap="sq">
+            <a:solidFill>
+              <a:srgbClr val="FFFFFF"/>
+            </a:solidFill>
+            <a:miter lim="800000"/>
+          </a:ln>
+        </p:spPr>
+        <p:style>
+          <a:lnRef idx="2">
+            <a:schemeClr val="accent1">
+              <a:shade val="50000"/>
+            </a:schemeClr>
+          </a:lnRef>
+          <a:fillRef idx="1">
+            <a:schemeClr val="accent1"/>
+          </a:fillRef>
+          <a:effectRef idx="0">
+            <a:schemeClr val="accent1"/>
+          </a:effectRef>
+          <a:fontRef idx="minor">
+            <a:schemeClr val="lt1"/>
+          </a:fontRef>
+        </p:style>
+        <p:txBody>
+          <a:bodyPr rtlCol="0" anchor="ctr"/>
+          <a:lstStyle/>
+          <a:p>
+            <a:pPr algn="ctr"/>
+            <a:endParaRPr lang="en-US"/>
+          </a:p>
+        </p:txBody>
+      </p:sp>
+      <p:pic>
+        <p:nvPicPr>
+          <p:cNvPr id="3" name="Picture 2" descr="A diagram of different types of cloud computing&#10;&#10;Description automatically generated with medium confidence">
+            <a:extLst>
+              <a:ext uri="{FF2B5EF4-FFF2-40B4-BE49-F238E27FC236}">
+                <a16:creationId xmlns:a16="http://schemas.microsoft.com/office/drawing/2014/main" id="{DCE7E430-5BE4-F6A6-B38F-A4421A49BC97}"/>
+              </a:ext>
+            </a:extLst>
+          </p:cNvPr>
+          <p:cNvPicPr>
+            <a:picLocks noChangeAspect="1"/>
+          </p:cNvPicPr>
+          <p:nvPr/>
+        </p:nvPicPr>
+        <p:blipFill>
+          <a:blip r:embed="rId2"/>
+          <a:stretch>
+            <a:fillRect/>
+          </a:stretch>
+        </p:blipFill>
+        <p:spPr>
+          <a:xfrm>
+            <a:off x="2029528" y="643467"/>
+            <a:ext cx="8132944" cy="5571066"/>
+          </a:xfrm>
+          <a:prstGeom prst="rect">
+            <a:avLst/>
+          </a:prstGeom>
+        </p:spPr>
+      </p:pic>
+      <p:sp>
+        <p:nvSpPr>
+          <p:cNvPr id="5" name="Rectangle 4">
+            <a:extLst>
+              <a:ext uri="{FF2B5EF4-FFF2-40B4-BE49-F238E27FC236}">
+                <a16:creationId xmlns:a16="http://schemas.microsoft.com/office/drawing/2014/main" id="{8EAD88A2-A27E-E0C0-1FC6-2EE68DEE9411}"/>
+              </a:ext>
+            </a:extLst>
+          </p:cNvPr>
+          <p:cNvSpPr/>
+          <p:nvPr/>
+        </p:nvSpPr>
+        <p:spPr>
+          <a:xfrm>
+            <a:off x="9620250" y="643467"/>
+            <a:ext cx="672042" cy="426208"/>
+          </a:xfrm>
+          <a:prstGeom prst="rect">
+            <a:avLst/>
+          </a:prstGeom>
+          <a:ln>
+            <a:noFill/>
+          </a:ln>
+        </p:spPr>
+        <p:style>
+          <a:lnRef idx="2">
+            <a:schemeClr val="accent6"/>
+          </a:lnRef>
+          <a:fillRef idx="1">
+            <a:schemeClr val="lt1"/>
+          </a:fillRef>
+          <a:effectRef idx="0">
+            <a:schemeClr val="accent6"/>
+          </a:effectRef>
+          <a:fontRef idx="minor">
+            <a:schemeClr val="dk1"/>
+          </a:fontRef>
+        </p:style>
+        <p:txBody>
+          <a:bodyPr rtlCol="0" anchor="ctr"/>
+          <a:lstStyle/>
+          <a:p>
+            <a:pPr algn="ctr"/>
+            <a:endParaRPr lang="en-US"/>
+          </a:p>
+        </p:txBody>
+      </p:sp>
+    </p:spTree>
+    <p:extLst>
+      <p:ext uri="{BB962C8B-B14F-4D97-AF65-F5344CB8AC3E}">
+        <p14:creationId xmlns:p14="http://schemas.microsoft.com/office/powerpoint/2010/main" val="166432473"/>
+      </p:ext>
+    </p:extLst>
+  </p:cSld>
+  <p:clrMapOvr>
+    <a:masterClrMapping/>
+  </p:clrMapOvr>
+</p:sld>
+</file>
+
+<file path=ppt/slides/slide29.xml><?xml version="1.0" encoding="utf-8"?>
+<p:sld xmlns:a="http://schemas.openxmlformats.org/drawingml/2006/main" xmlns:r="http://schemas.openxmlformats.org/officeDocument/2006/relationships" xmlns:p="http://schemas.openxmlformats.org/presentationml/2006/main">
+  <p:cSld>
+    <p:bg>
+      <p:bgPr>
+        <a:gradFill rotWithShape="1">
+          <a:gsLst>
+            <a:gs pos="10000">
+              <a:schemeClr val="bg2">
+                <a:tint val="97000"/>
+                <a:hueMod val="92000"/>
+                <a:satMod val="169000"/>
+                <a:lumMod val="164000"/>
+              </a:schemeClr>
+            </a:gs>
+            <a:gs pos="100000">
+              <a:schemeClr val="bg2">
+                <a:shade val="96000"/>
+                <a:satMod val="120000"/>
+                <a:lumMod val="90000"/>
+              </a:schemeClr>
+            </a:gs>
+          </a:gsLst>
+          <a:lin ang="6120000" scaled="1"/>
+        </a:gradFill>
+        <a:effectLst/>
+      </p:bgPr>
+    </p:bg>
+    <p:spTree>
+      <p:nvGrpSpPr>
+        <p:cNvPr id="1" name=""/>
+        <p:cNvGrpSpPr/>
+        <p:nvPr/>
+      </p:nvGrpSpPr>
+      <p:grpSpPr>
+        <a:xfrm>
+          <a:off x="0" y="0"/>
+          <a:ext cx="0" cy="0"/>
+          <a:chOff x="0" y="0"/>
+          <a:chExt cx="0" cy="0"/>
+        </a:xfrm>
+      </p:grpSpPr>
+      <p:grpSp>
+        <p:nvGrpSpPr>
+          <p:cNvPr id="62" name="Group 50">
+            <a:extLst>
+              <a:ext uri="{FF2B5EF4-FFF2-40B4-BE49-F238E27FC236}">
+                <a16:creationId xmlns:a16="http://schemas.microsoft.com/office/drawing/2014/main" id="{2103B461-323C-4912-BFFD-C37582662085}"/>
+              </a:ext>
+              <a:ext uri="{C183D7F6-B498-43B3-948B-1728B52AA6E4}">
+                <adec:decorative xmlns:adec="http://schemas.microsoft.com/office/drawing/2017/decorative" val="1"/>
+              </a:ext>
+            </a:extLst>
+          </p:cNvPr>
+          <p:cNvGrpSpPr>
+            <a:grpSpLocks noGrp="1" noUngrp="1" noRot="1" noChangeAspect="1" noMove="1" noResize="1"/>
+          </p:cNvGrpSpPr>
+          <p:nvPr>
+            <p:extLst>
+              <p:ext uri="{386F3935-93C4-4BCD-93E2-E3B085C9AB24}">
+                <p16:designElem xmlns:p16="http://schemas.microsoft.com/office/powerpoint/2015/main" val="1"/>
+              </p:ext>
+            </p:extLst>
+          </p:nvPr>
+        </p:nvGrpSpPr>
+        <p:grpSpPr>
+          <a:xfrm>
+            <a:off x="9206969" y="2963333"/>
+            <a:ext cx="2981858" cy="3208867"/>
+            <a:chOff x="9206969" y="2963333"/>
+            <a:chExt cx="2981858" cy="3208867"/>
+          </a:xfrm>
+        </p:grpSpPr>
+        <p:cxnSp>
+          <p:nvCxnSpPr>
+            <p:cNvPr id="52" name="Straight Connector 51">
+              <a:extLst>
+                <a:ext uri="{FF2B5EF4-FFF2-40B4-BE49-F238E27FC236}">
+                  <a16:creationId xmlns:a16="http://schemas.microsoft.com/office/drawing/2014/main" id="{FBC21318-F4F4-4524-95D1-6B7FE0A788A3}"/>
+                </a:ext>
+                <a:ext uri="{C183D7F6-B498-43B3-948B-1728B52AA6E4}">
+                  <adec:decorative xmlns:adec="http://schemas.microsoft.com/office/drawing/2017/decorative" val="1"/>
+                </a:ext>
+              </a:extLst>
+            </p:cNvPr>
+            <p:cNvCxnSpPr/>
+            <p:nvPr>
+              <p:extLst>
+                <p:ext uri="{386F3935-93C4-4BCD-93E2-E3B085C9AB24}">
+                  <p16:designElem xmlns:p16="http://schemas.microsoft.com/office/powerpoint/2015/main" val="1"/>
+                </p:ext>
+              </p:extLst>
+            </p:nvPr>
+          </p:nvCxnSpPr>
+          <p:spPr>
+            <a:xfrm flipH="1">
+              <a:off x="11276012" y="2963333"/>
+              <a:ext cx="912814" cy="912812"/>
+            </a:xfrm>
+            <a:prstGeom prst="line">
+              <a:avLst/>
+            </a:prstGeom>
+            <a:ln w="9525">
+              <a:solidFill>
+                <a:schemeClr val="tx1"/>
+              </a:solidFill>
+            </a:ln>
+          </p:spPr>
+          <p:style>
+            <a:lnRef idx="2">
+              <a:schemeClr val="accent1"/>
+            </a:lnRef>
+            <a:fillRef idx="0">
+              <a:schemeClr val="accent1"/>
+            </a:fillRef>
+            <a:effectRef idx="1">
+              <a:schemeClr val="accent1"/>
+            </a:effectRef>
+            <a:fontRef idx="minor">
+              <a:schemeClr val="tx1"/>
+            </a:fontRef>
+          </p:style>
+        </p:cxnSp>
+        <p:cxnSp>
+          <p:nvCxnSpPr>
+            <p:cNvPr id="53" name="Straight Connector 52">
+              <a:extLst>
+                <a:ext uri="{FF2B5EF4-FFF2-40B4-BE49-F238E27FC236}">
+                  <a16:creationId xmlns:a16="http://schemas.microsoft.com/office/drawing/2014/main" id="{D9FFA8E5-974F-409E-89C6-E185BD90933C}"/>
+                </a:ext>
+                <a:ext uri="{C183D7F6-B498-43B3-948B-1728B52AA6E4}">
+                  <adec:decorative xmlns:adec="http://schemas.microsoft.com/office/drawing/2017/decorative" val="1"/>
+                </a:ext>
+              </a:extLst>
+            </p:cNvPr>
+            <p:cNvCxnSpPr/>
+            <p:nvPr>
+              <p:extLst>
+                <p:ext uri="{386F3935-93C4-4BCD-93E2-E3B085C9AB24}">
+                  <p16:designElem xmlns:p16="http://schemas.microsoft.com/office/powerpoint/2015/main" val="1"/>
+                </p:ext>
+              </p:extLst>
+            </p:nvPr>
+          </p:nvCxnSpPr>
+          <p:spPr>
+            <a:xfrm flipH="1">
+              <a:off x="9206969" y="3190344"/>
+              <a:ext cx="2981857" cy="2981856"/>
+            </a:xfrm>
+            <a:prstGeom prst="line">
+              <a:avLst/>
+            </a:prstGeom>
+            <a:ln w="9525">
+              <a:solidFill>
+                <a:schemeClr val="tx1"/>
+              </a:solidFill>
+            </a:ln>
+          </p:spPr>
+          <p:style>
+            <a:lnRef idx="2">
+              <a:schemeClr val="accent1"/>
+            </a:lnRef>
+            <a:fillRef idx="0">
+              <a:schemeClr val="accent1"/>
+            </a:fillRef>
+            <a:effectRef idx="1">
+              <a:schemeClr val="accent1"/>
+            </a:effectRef>
+            <a:fontRef idx="minor">
+              <a:schemeClr val="tx1"/>
+            </a:fontRef>
+          </p:style>
+        </p:cxnSp>
+        <p:cxnSp>
+          <p:nvCxnSpPr>
+            <p:cNvPr id="54" name="Straight Connector 53">
+              <a:extLst>
+                <a:ext uri="{FF2B5EF4-FFF2-40B4-BE49-F238E27FC236}">
+                  <a16:creationId xmlns:a16="http://schemas.microsoft.com/office/drawing/2014/main" id="{C384E2B1-7008-45EE-9F2E-FEF3A089780F}"/>
+                </a:ext>
+                <a:ext uri="{C183D7F6-B498-43B3-948B-1728B52AA6E4}">
+                  <adec:decorative xmlns:adec="http://schemas.microsoft.com/office/drawing/2017/decorative" val="1"/>
+                </a:ext>
+              </a:extLst>
+            </p:cNvPr>
+            <p:cNvCxnSpPr/>
+            <p:nvPr>
+              <p:extLst>
+                <p:ext uri="{386F3935-93C4-4BCD-93E2-E3B085C9AB24}">
+                  <p16:designElem xmlns:p16="http://schemas.microsoft.com/office/powerpoint/2015/main" val="1"/>
+                </p:ext>
+              </p:extLst>
+            </p:nvPr>
+          </p:nvCxnSpPr>
+          <p:spPr>
+            <a:xfrm flipH="1">
+              <a:off x="10292292" y="3285067"/>
+              <a:ext cx="1896534" cy="1896533"/>
+            </a:xfrm>
+            <a:prstGeom prst="line">
+              <a:avLst/>
+            </a:prstGeom>
+            <a:ln w="9525">
+              <a:solidFill>
+                <a:schemeClr val="tx1"/>
+              </a:solidFill>
+            </a:ln>
+          </p:spPr>
+          <p:style>
+            <a:lnRef idx="2">
+              <a:schemeClr val="accent1"/>
+            </a:lnRef>
+            <a:fillRef idx="0">
+              <a:schemeClr val="accent1"/>
+            </a:fillRef>
+            <a:effectRef idx="1">
+              <a:schemeClr val="accent1"/>
+            </a:effectRef>
+            <a:fontRef idx="minor">
+              <a:schemeClr val="tx1"/>
+            </a:fontRef>
+          </p:style>
+        </p:cxnSp>
+        <p:cxnSp>
+          <p:nvCxnSpPr>
+            <p:cNvPr id="55" name="Straight Connector 54">
+              <a:extLst>
+                <a:ext uri="{FF2B5EF4-FFF2-40B4-BE49-F238E27FC236}">
+                  <a16:creationId xmlns:a16="http://schemas.microsoft.com/office/drawing/2014/main" id="{D4563410-7FE9-4955-89C6-0FB9326CD3A8}"/>
+                </a:ext>
+                <a:ext uri="{C183D7F6-B498-43B3-948B-1728B52AA6E4}">
+                  <adec:decorative xmlns:adec="http://schemas.microsoft.com/office/drawing/2017/decorative" val="1"/>
+                </a:ext>
+              </a:extLst>
+            </p:cNvPr>
+            <p:cNvCxnSpPr/>
+            <p:nvPr>
+              <p:extLst>
+                <p:ext uri="{386F3935-93C4-4BCD-93E2-E3B085C9AB24}">
+                  <p16:designElem xmlns:p16="http://schemas.microsoft.com/office/powerpoint/2015/main" val="1"/>
+                </p:ext>
+              </p:extLst>
+            </p:nvPr>
+          </p:nvCxnSpPr>
+          <p:spPr>
+            <a:xfrm flipH="1">
+              <a:off x="10443103" y="3131080"/>
+              <a:ext cx="1745722" cy="1745720"/>
+            </a:xfrm>
+            <a:prstGeom prst="line">
+              <a:avLst/>
+            </a:prstGeom>
+            <a:ln w="28575">
+              <a:solidFill>
+                <a:schemeClr val="tx1"/>
+              </a:solidFill>
+            </a:ln>
+          </p:spPr>
+          <p:style>
+            <a:lnRef idx="2">
+              <a:schemeClr val="accent1"/>
+            </a:lnRef>
+            <a:fillRef idx="0">
+              <a:schemeClr val="accent1"/>
+            </a:fillRef>
+            <a:effectRef idx="1">
+              <a:schemeClr val="accent1"/>
+            </a:effectRef>
+            <a:fontRef idx="minor">
+              <a:schemeClr val="tx1"/>
+            </a:fontRef>
+          </p:style>
+        </p:cxnSp>
+        <p:cxnSp>
+          <p:nvCxnSpPr>
+            <p:cNvPr id="56" name="Straight Connector 55">
+              <a:extLst>
+                <a:ext uri="{FF2B5EF4-FFF2-40B4-BE49-F238E27FC236}">
+                  <a16:creationId xmlns:a16="http://schemas.microsoft.com/office/drawing/2014/main" id="{3AD14C0E-D5DF-4BDC-BD92-642CFF18018D}"/>
+                </a:ext>
+                <a:ext uri="{C183D7F6-B498-43B3-948B-1728B52AA6E4}">
+                  <adec:decorative xmlns:adec="http://schemas.microsoft.com/office/drawing/2017/decorative" val="1"/>
+                </a:ext>
+              </a:extLst>
+            </p:cNvPr>
+            <p:cNvCxnSpPr/>
+            <p:nvPr>
+              <p:extLst>
+                <p:ext uri="{386F3935-93C4-4BCD-93E2-E3B085C9AB24}">
+                  <p16:designElem xmlns:p16="http://schemas.microsoft.com/office/powerpoint/2015/main" val="1"/>
+                </p:ext>
+              </p:extLst>
+            </p:nvPr>
+          </p:nvCxnSpPr>
+          <p:spPr>
+            <a:xfrm flipH="1">
+              <a:off x="10918826" y="3683001"/>
+              <a:ext cx="1270001" cy="1269999"/>
+            </a:xfrm>
+            <a:prstGeom prst="line">
+              <a:avLst/>
+            </a:prstGeom>
+            <a:ln w="28575">
+              <a:solidFill>
+                <a:schemeClr val="tx1"/>
+              </a:solidFill>
+            </a:ln>
+          </p:spPr>
+          <p:style>
+            <a:lnRef idx="2">
+              <a:schemeClr val="accent1"/>
+            </a:lnRef>
+            <a:fillRef idx="0">
+              <a:schemeClr val="accent1"/>
+            </a:fillRef>
+            <a:effectRef idx="1">
+              <a:schemeClr val="accent1"/>
+            </a:effectRef>
+            <a:fontRef idx="minor">
+              <a:schemeClr val="tx1"/>
+            </a:fontRef>
+          </p:style>
+        </p:cxnSp>
+      </p:grpSp>
+      <p:sp useBgFill="1">
+        <p:nvSpPr>
+          <p:cNvPr id="63" name="Rectangle 57">
+            <a:extLst>
+              <a:ext uri="{FF2B5EF4-FFF2-40B4-BE49-F238E27FC236}">
+                <a16:creationId xmlns:a16="http://schemas.microsoft.com/office/drawing/2014/main" id="{B1ECD48A-A6CE-48F3-8E89-3399C99382F1}"/>
+              </a:ext>
+              <a:ext uri="{C183D7F6-B498-43B3-948B-1728B52AA6E4}">
+                <adec:decorative xmlns:adec="http://schemas.microsoft.com/office/drawing/2017/decorative" val="1"/>
+              </a:ext>
+            </a:extLst>
+          </p:cNvPr>
+          <p:cNvSpPr>
+            <a:spLocks noGrp="1" noRot="1" noChangeAspect="1" noMove="1" noResize="1" noEditPoints="1" noAdjustHandles="1" noChangeArrowheads="1" noChangeShapeType="1" noTextEdit="1"/>
+          </p:cNvSpPr>
+          <p:nvPr>
+            <p:extLst>
+              <p:ext uri="{386F3935-93C4-4BCD-93E2-E3B085C9AB24}">
+                <p16:designElem xmlns:p16="http://schemas.microsoft.com/office/powerpoint/2015/main" val="1"/>
+              </p:ext>
+            </p:extLst>
+          </p:nvPr>
+        </p:nvSpPr>
+        <p:spPr>
+          <a:xfrm>
+            <a:off x="0" y="0"/>
+            <a:ext cx="12192000" cy="6858000"/>
+          </a:xfrm>
+          <a:prstGeom prst="rect">
+            <a:avLst/>
+          </a:prstGeom>
+          <a:ln>
+            <a:noFill/>
+          </a:ln>
+        </p:spPr>
+        <p:style>
+          <a:lnRef idx="2">
+            <a:schemeClr val="accent1">
+              <a:shade val="50000"/>
+            </a:schemeClr>
+          </a:lnRef>
+          <a:fillRef idx="1">
+            <a:schemeClr val="accent1"/>
+          </a:fillRef>
+          <a:effectRef idx="0">
+            <a:schemeClr val="accent1"/>
+          </a:effectRef>
+          <a:fontRef idx="minor">
+            <a:schemeClr val="lt1"/>
+          </a:fontRef>
+        </p:style>
+        <p:txBody>
+          <a:bodyPr rtlCol="0" anchor="ctr"/>
+          <a:lstStyle/>
+          <a:p>
+            <a:pPr algn="ctr"/>
+            <a:endParaRPr lang="en-US"/>
+          </a:p>
+        </p:txBody>
+      </p:sp>
+      <p:sp>
+        <p:nvSpPr>
+          <p:cNvPr id="64" name="Rectangle: Single Corner Snipped 59">
+            <a:extLst>
+              <a:ext uri="{FF2B5EF4-FFF2-40B4-BE49-F238E27FC236}">
+                <a16:creationId xmlns:a16="http://schemas.microsoft.com/office/drawing/2014/main" id="{0A3F7A1B-3080-4A65-A240-2E1A6EF84567}"/>
+              </a:ext>
+              <a:ext uri="{C183D7F6-B498-43B3-948B-1728B52AA6E4}">
+                <adec:decorative xmlns:adec="http://schemas.microsoft.com/office/drawing/2017/decorative" val="1"/>
+              </a:ext>
+            </a:extLst>
+          </p:cNvPr>
+          <p:cNvSpPr>
+            <a:spLocks noGrp="1" noRot="1" noChangeAspect="1" noMove="1" noResize="1" noEditPoints="1" noAdjustHandles="1" noChangeArrowheads="1" noChangeShapeType="1" noTextEdit="1"/>
+          </p:cNvSpPr>
+          <p:nvPr>
+            <p:extLst>
+              <p:ext uri="{386F3935-93C4-4BCD-93E2-E3B085C9AB24}">
+                <p16:designElem xmlns:p16="http://schemas.microsoft.com/office/powerpoint/2015/main" val="1"/>
+              </p:ext>
+            </p:extLst>
+          </p:nvPr>
+        </p:nvSpPr>
+        <p:spPr>
+          <a:xfrm flipV="1">
+            <a:off x="0" y="-5"/>
+            <a:ext cx="12188952" cy="5571071"/>
+          </a:xfrm>
+          <a:prstGeom prst="snip1Rect">
+            <a:avLst>
+              <a:gd name="adj" fmla="val 0"/>
+            </a:avLst>
+          </a:prstGeom>
+          <a:solidFill>
+            <a:srgbClr val="FFFFFF"/>
+          </a:solidFill>
+          <a:ln>
+            <a:noFill/>
+          </a:ln>
+        </p:spPr>
+        <p:style>
+          <a:lnRef idx="2">
+            <a:schemeClr val="accent1">
+              <a:shade val="50000"/>
+            </a:schemeClr>
+          </a:lnRef>
+          <a:fillRef idx="1">
+            <a:schemeClr val="accent1"/>
+          </a:fillRef>
+          <a:effectRef idx="0">
+            <a:schemeClr val="accent1"/>
+          </a:effectRef>
+          <a:fontRef idx="minor">
+            <a:schemeClr val="lt1"/>
+          </a:fontRef>
+        </p:style>
+        <p:txBody>
+          <a:bodyPr rtlCol="0" anchor="ctr"/>
+          <a:lstStyle/>
+          <a:p>
+            <a:pPr algn="ctr"/>
+            <a:endParaRPr lang="en-US"/>
+          </a:p>
+        </p:txBody>
+      </p:sp>
+      <p:pic>
+        <p:nvPicPr>
+          <p:cNvPr id="4" name="Picture 3">
+            <a:extLst>
+              <a:ext uri="{FF2B5EF4-FFF2-40B4-BE49-F238E27FC236}">
+                <a16:creationId xmlns:a16="http://schemas.microsoft.com/office/drawing/2014/main" id="{BEFE6B91-3DC4-0A15-D710-E0575D62305C}"/>
+              </a:ext>
+            </a:extLst>
+          </p:cNvPr>
+          <p:cNvPicPr>
+            <a:picLocks noChangeAspect="1"/>
+          </p:cNvPicPr>
+          <p:nvPr/>
+        </p:nvPicPr>
+        <p:blipFill>
+          <a:blip r:embed="rId2"/>
+          <a:stretch>
+            <a:fillRect/>
+          </a:stretch>
+        </p:blipFill>
+        <p:spPr>
+          <a:xfrm>
+            <a:off x="2520222" y="643467"/>
+            <a:ext cx="7140220" cy="4284132"/>
+          </a:xfrm>
+          <a:prstGeom prst="rect">
+            <a:avLst/>
+          </a:prstGeom>
+        </p:spPr>
+      </p:pic>
+      <p:sp>
+        <p:nvSpPr>
+          <p:cNvPr id="5" name="Rectangle 4">
+            <a:extLst>
+              <a:ext uri="{FF2B5EF4-FFF2-40B4-BE49-F238E27FC236}">
+                <a16:creationId xmlns:a16="http://schemas.microsoft.com/office/drawing/2014/main" id="{8EAD88A2-A27E-E0C0-1FC6-2EE68DEE9411}"/>
+              </a:ext>
+            </a:extLst>
+          </p:cNvPr>
+          <p:cNvSpPr/>
+          <p:nvPr/>
+        </p:nvSpPr>
+        <p:spPr>
+          <a:xfrm>
+            <a:off x="9620250" y="643467"/>
+            <a:ext cx="672042" cy="426208"/>
+          </a:xfrm>
+          <a:prstGeom prst="rect">
+            <a:avLst/>
+          </a:prstGeom>
+          <a:ln>
+            <a:noFill/>
+          </a:ln>
+        </p:spPr>
+        <p:style>
+          <a:lnRef idx="2">
+            <a:schemeClr val="accent6"/>
+          </a:lnRef>
+          <a:fillRef idx="1">
+            <a:schemeClr val="lt1"/>
+          </a:fillRef>
+          <a:effectRef idx="0">
+            <a:schemeClr val="accent6"/>
+          </a:effectRef>
+          <a:fontRef idx="minor">
+            <a:schemeClr val="dk1"/>
+          </a:fontRef>
+        </p:style>
+        <p:txBody>
+          <a:bodyPr rtlCol="0" anchor="ctr"/>
+          <a:lstStyle/>
+          <a:p>
+            <a:pPr algn="ctr"/>
+            <a:endParaRPr lang="en-US"/>
+          </a:p>
+        </p:txBody>
+      </p:sp>
+      <p:sp>
+        <p:nvSpPr>
+          <p:cNvPr id="6" name="Rectangle 5">
+            <a:extLst>
+              <a:ext uri="{FF2B5EF4-FFF2-40B4-BE49-F238E27FC236}">
+                <a16:creationId xmlns:a16="http://schemas.microsoft.com/office/drawing/2014/main" id="{08115ECC-5140-EC28-F49E-91289AA669ED}"/>
+              </a:ext>
+            </a:extLst>
+          </p:cNvPr>
+          <p:cNvSpPr/>
+          <p:nvPr/>
+        </p:nvSpPr>
+        <p:spPr>
+          <a:xfrm>
+            <a:off x="2010684" y="5719798"/>
+            <a:ext cx="7279087" cy="795302"/>
+          </a:xfrm>
+          <a:prstGeom prst="rect">
+            <a:avLst/>
+          </a:prstGeom>
+        </p:spPr>
+        <p:txBody>
+          <a:bodyPr vert="horz" lIns="91440" tIns="45720" rIns="91440" bIns="45720" rtlCol="0" anchor="ctr">
+            <a:normAutofit/>
+          </a:bodyPr>
+          <a:lstStyle/>
+          <a:p>
+            <a:pPr algn="r">
+              <a:spcBef>
+                <a:spcPct val="0"/>
+              </a:spcBef>
+              <a:spcAft>
+                <a:spcPts val="600"/>
+              </a:spcAft>
+            </a:pPr>
+            <a:r>
+              <a:rPr lang="en-US" sz="3500" b="1" cap="all" dirty="0">
+                <a:ln w="3175" cmpd="sng">
+                  <a:noFill/>
+                </a:ln>
+                <a:latin typeface="+mj-lt"/>
+                <a:ea typeface="+mj-ea"/>
+                <a:cs typeface="+mj-cs"/>
+              </a:rPr>
+              <a:t>Top 3 cloud platforms</a:t>
+            </a:r>
+          </a:p>
+        </p:txBody>
+      </p:sp>
+    </p:spTree>
+    <p:extLst>
+      <p:ext uri="{BB962C8B-B14F-4D97-AF65-F5344CB8AC3E}">
+        <p14:creationId xmlns:p14="http://schemas.microsoft.com/office/powerpoint/2010/main" val="4283701572"/>
+      </p:ext>
+    </p:extLst>
+  </p:cSld>
+  <p:clrMapOvr>
+    <a:masterClrMapping/>
+  </p:clrMapOvr>
+</p:sld>
+</file>
+
+<file path=ppt/slides/slide3.xml><?xml version="1.0" encoding="utf-8"?>
+<p:sld xmlns:a="http://schemas.openxmlformats.org/drawingml/2006/main" xmlns:r="http://schemas.openxmlformats.org/officeDocument/2006/relationships" xmlns:p="http://schemas.openxmlformats.org/presentationml/2006/main">
+  <p:cSld>
+    <p:bg>
+      <p:bgPr>
+        <a:gradFill rotWithShape="1">
+          <a:gsLst>
+            <a:gs pos="10000">
+              <a:schemeClr val="bg2">
+                <a:tint val="97000"/>
+                <a:hueMod val="92000"/>
+                <a:satMod val="169000"/>
+                <a:lumMod val="164000"/>
+              </a:schemeClr>
+            </a:gs>
+            <a:gs pos="100000">
+              <a:schemeClr val="bg2">
+                <a:shade val="96000"/>
+                <a:satMod val="120000"/>
+                <a:lumMod val="90000"/>
+              </a:schemeClr>
+            </a:gs>
+          </a:gsLst>
+          <a:lin ang="6120000" scaled="1"/>
+        </a:gradFill>
+        <a:effectLst/>
+      </p:bgPr>
+    </p:bg>
+    <p:spTree>
+      <p:nvGrpSpPr>
+        <p:cNvPr id="1" name=""/>
+        <p:cNvGrpSpPr/>
+        <p:nvPr/>
+      </p:nvGrpSpPr>
+      <p:grpSpPr>
+        <a:xfrm>
+          <a:off x="0" y="0"/>
+          <a:ext cx="0" cy="0"/>
+          <a:chOff x="0" y="0"/>
+          <a:chExt cx="0" cy="0"/>
+        </a:xfrm>
+      </p:grpSpPr>
+      <p:sp>
+        <p:nvSpPr>
+          <p:cNvPr id="8" name="Rectangle 10">
+            <a:extLst>
+              <a:ext uri="{FF2B5EF4-FFF2-40B4-BE49-F238E27FC236}">
+                <a16:creationId xmlns:a16="http://schemas.microsoft.com/office/drawing/2014/main" id="{F4E5D790-EF7E-4E52-B208-793079B497B6}"/>
+              </a:ext>
+              <a:ext uri="{C183D7F6-B498-43B3-948B-1728B52AA6E4}">
+                <adec:decorative xmlns:adec="http://schemas.microsoft.com/office/drawing/2017/decorative" val="1"/>
+              </a:ext>
+            </a:extLst>
+          </p:cNvPr>
+          <p:cNvSpPr>
+            <a:spLocks noGrp="1" noRot="1" noChangeAspect="1" noMove="1" noResize="1" noEditPoints="1" noAdjustHandles="1" noChangeArrowheads="1" noChangeShapeType="1" noTextEdit="1"/>
+          </p:cNvSpPr>
+          <p:nvPr>
+            <p:extLst>
+              <p:ext uri="{386F3935-93C4-4BCD-93E2-E3B085C9AB24}">
+                <p16:designElem xmlns:p16="http://schemas.microsoft.com/office/powerpoint/2015/main" val="1"/>
+              </p:ext>
+            </p:extLst>
+          </p:nvPr>
+        </p:nvSpPr>
+        <p:spPr>
+          <a:xfrm>
+            <a:off x="925" y="2"/>
+            <a:ext cx="12192000" cy="6858000"/>
+          </a:xfrm>
+          <a:prstGeom prst="rect">
+            <a:avLst/>
+          </a:prstGeom>
+          <a:solidFill>
+            <a:schemeClr val="bg2">
+              <a:alpha val="60000"/>
+            </a:schemeClr>
+          </a:solidFill>
+          <a:ln>
+            <a:noFill/>
+          </a:ln>
+        </p:spPr>
+        <p:style>
+          <a:lnRef idx="2">
+            <a:schemeClr val="accent1">
+              <a:shade val="50000"/>
+            </a:schemeClr>
+          </a:lnRef>
+          <a:fillRef idx="1003">
+            <a:schemeClr val="dk2"/>
+          </a:fillRef>
+          <a:effectRef idx="0">
+            <a:schemeClr val="accent1"/>
+          </a:effectRef>
+          <a:fontRef idx="minor">
+            <a:schemeClr val="lt1"/>
+          </a:fontRef>
+        </p:style>
+        <p:txBody>
+          <a:bodyPr rtlCol="0" anchor="ctr"/>
+          <a:lstStyle/>
+          <a:p>
+            <a:pPr algn="ctr"/>
+            <a:endParaRPr lang="en-US"/>
+          </a:p>
+        </p:txBody>
+      </p:sp>
+      <p:sp useBgFill="1">
+        <p:nvSpPr>
+          <p:cNvPr id="9" name="Snip Diagonal Corner Rectangle 6">
+            <a:extLst>
+              <a:ext uri="{FF2B5EF4-FFF2-40B4-BE49-F238E27FC236}">
+                <a16:creationId xmlns:a16="http://schemas.microsoft.com/office/drawing/2014/main" id="{479F3ED9-A242-463F-84AE-C4B05016BD36}"/>
+              </a:ext>
+              <a:ext uri="{C183D7F6-B498-43B3-948B-1728B52AA6E4}">
+                <adec:decorative xmlns:adec="http://schemas.microsoft.com/office/drawing/2017/decorative" val="1"/>
+              </a:ext>
+            </a:extLst>
+          </p:cNvPr>
+          <p:cNvSpPr>
+            <a:spLocks noGrp="1" noRot="1" noChangeAspect="1" noMove="1" noResize="1" noEditPoints="1" noAdjustHandles="1" noChangeArrowheads="1" noChangeShapeType="1" noTextEdit="1"/>
+          </p:cNvSpPr>
+          <p:nvPr>
+            <p:extLst>
+              <p:ext uri="{386F3935-93C4-4BCD-93E2-E3B085C9AB24}">
+                <p16:designElem xmlns:p16="http://schemas.microsoft.com/office/powerpoint/2015/main" val="1"/>
+              </p:ext>
+            </p:extLst>
+          </p:nvPr>
+        </p:nvSpPr>
+        <p:spPr>
+          <a:xfrm flipH="1">
+            <a:off x="925" y="2"/>
+            <a:ext cx="12191075" cy="6857998"/>
+          </a:xfrm>
+          <a:prstGeom prst="snip2DiagRect">
+            <a:avLst>
+              <a:gd name="adj1" fmla="val 0"/>
+              <a:gd name="adj2" fmla="val 37605"/>
+            </a:avLst>
+          </a:prstGeom>
+          <a:ln>
+            <a:noFill/>
+          </a:ln>
+          <a:effectLst/>
+        </p:spPr>
+        <p:style>
+          <a:lnRef idx="2">
+            <a:schemeClr val="accent1">
+              <a:shade val="50000"/>
+            </a:schemeClr>
+          </a:lnRef>
+          <a:fillRef idx="1003">
+            <a:schemeClr val="dk2"/>
+          </a:fillRef>
+          <a:effectRef idx="0">
+            <a:schemeClr val="accent1"/>
+          </a:effectRef>
+          <a:fontRef idx="minor">
+            <a:schemeClr val="lt1"/>
+          </a:fontRef>
+        </p:style>
+        <p:txBody>
+          <a:bodyPr wrap="square" rtlCol="0" anchor="ctr">
+            <a:noAutofit/>
+          </a:bodyPr>
+          <a:lstStyle/>
+          <a:p>
+            <a:pPr algn="ctr"/>
+            <a:endParaRPr lang="en-US"/>
+          </a:p>
+        </p:txBody>
+      </p:sp>
+      <p:sp>
+        <p:nvSpPr>
+          <p:cNvPr id="5" name="Rectangle 4"/>
+          <p:cNvSpPr/>
+          <p:nvPr/>
+        </p:nvSpPr>
+        <p:spPr>
+          <a:xfrm>
+            <a:off x="3109549" y="2141003"/>
+            <a:ext cx="8534400" cy="1507067"/>
+          </a:xfrm>
+          <a:prstGeom prst="rect">
+            <a:avLst/>
+          </a:prstGeom>
+        </p:spPr>
+        <p:txBody>
+          <a:bodyPr vert="horz" lIns="91440" tIns="45720" rIns="91440" bIns="45720" rtlCol="0" anchor="ctr">
+            <a:normAutofit/>
+          </a:bodyPr>
+          <a:lstStyle/>
+          <a:p>
+            <a:pPr>
+              <a:spcBef>
+                <a:spcPct val="0"/>
+              </a:spcBef>
+              <a:spcAft>
+                <a:spcPts val="600"/>
+              </a:spcAft>
+            </a:pPr>
+            <a:r>
+              <a:rPr lang="en-US" sz="3600" b="1" cap="all" dirty="0">
+                <a:ln w="3175" cmpd="sng">
+                  <a:noFill/>
+                </a:ln>
+                <a:latin typeface="+mj-lt"/>
+                <a:ea typeface="+mj-ea"/>
+                <a:cs typeface="+mj-cs"/>
+              </a:rPr>
+              <a:t>What is Data Science ?</a:t>
+            </a:r>
+            <a:endParaRPr lang="en-US" sz="3600" cap="all" dirty="0">
+              <a:ln w="3175" cmpd="sng">
+                <a:noFill/>
+              </a:ln>
+              <a:latin typeface="+mj-lt"/>
+              <a:ea typeface="+mj-ea"/>
+              <a:cs typeface="+mj-cs"/>
+            </a:endParaRPr>
+          </a:p>
+        </p:txBody>
+      </p:sp>
+    </p:spTree>
+    <p:extLst>
+      <p:ext uri="{BB962C8B-B14F-4D97-AF65-F5344CB8AC3E}">
+        <p14:creationId xmlns:p14="http://schemas.microsoft.com/office/powerpoint/2010/main" val="2193121237"/>
+      </p:ext>
+    </p:extLst>
+  </p:cSld>
+  <p:clrMapOvr>
+    <a:masterClrMapping/>
+  </p:clrMapOvr>
+</p:sld>
+</file>
+
+<file path=ppt/slides/slide30.xml><?xml version="1.0" encoding="utf-8"?>
+<p:sld xmlns:a="http://schemas.openxmlformats.org/drawingml/2006/main" xmlns:r="http://schemas.openxmlformats.org/officeDocument/2006/relationships" xmlns:p="http://schemas.openxmlformats.org/presentationml/2006/main">
+  <p:cSld>
+    <p:bg>
+      <p:bgPr>
+        <a:gradFill rotWithShape="1">
+          <a:gsLst>
+            <a:gs pos="10000">
+              <a:schemeClr val="bg2">
+                <a:tint val="97000"/>
+                <a:hueMod val="92000"/>
+                <a:satMod val="169000"/>
+                <a:lumMod val="164000"/>
+              </a:schemeClr>
+            </a:gs>
+            <a:gs pos="100000">
+              <a:schemeClr val="bg2">
+                <a:shade val="96000"/>
+                <a:satMod val="120000"/>
+                <a:lumMod val="90000"/>
+              </a:schemeClr>
+            </a:gs>
+          </a:gsLst>
+          <a:lin ang="6120000" scaled="1"/>
+        </a:gradFill>
+        <a:effectLst/>
+      </p:bgPr>
+    </p:bg>
+    <p:spTree>
+      <p:nvGrpSpPr>
+        <p:cNvPr id="1" name=""/>
+        <p:cNvGrpSpPr/>
+        <p:nvPr/>
+      </p:nvGrpSpPr>
+      <p:grpSpPr>
+        <a:xfrm>
+          <a:off x="0" y="0"/>
+          <a:ext cx="0" cy="0"/>
+          <a:chOff x="0" y="0"/>
+          <a:chExt cx="0" cy="0"/>
+        </a:xfrm>
+      </p:grpSpPr>
+      <p:grpSp>
+        <p:nvGrpSpPr>
+          <p:cNvPr id="62" name="Group 50">
+            <a:extLst>
+              <a:ext uri="{FF2B5EF4-FFF2-40B4-BE49-F238E27FC236}">
+                <a16:creationId xmlns:a16="http://schemas.microsoft.com/office/drawing/2014/main" id="{2103B461-323C-4912-BFFD-C37582662085}"/>
+              </a:ext>
+              <a:ext uri="{C183D7F6-B498-43B3-948B-1728B52AA6E4}">
+                <adec:decorative xmlns:adec="http://schemas.microsoft.com/office/drawing/2017/decorative" val="1"/>
+              </a:ext>
+            </a:extLst>
+          </p:cNvPr>
+          <p:cNvGrpSpPr>
+            <a:grpSpLocks noGrp="1" noUngrp="1" noRot="1" noChangeAspect="1" noMove="1" noResize="1"/>
+          </p:cNvGrpSpPr>
+          <p:nvPr>
+            <p:extLst>
+              <p:ext uri="{386F3935-93C4-4BCD-93E2-E3B085C9AB24}">
+                <p16:designElem xmlns:p16="http://schemas.microsoft.com/office/powerpoint/2015/main" val="1"/>
+              </p:ext>
+            </p:extLst>
+          </p:nvPr>
+        </p:nvGrpSpPr>
+        <p:grpSpPr>
+          <a:xfrm>
+            <a:off x="9206969" y="2963333"/>
+            <a:ext cx="2981858" cy="3208867"/>
+            <a:chOff x="9206969" y="2963333"/>
+            <a:chExt cx="2981858" cy="3208867"/>
+          </a:xfrm>
+        </p:grpSpPr>
+        <p:cxnSp>
+          <p:nvCxnSpPr>
+            <p:cNvPr id="52" name="Straight Connector 51">
+              <a:extLst>
+                <a:ext uri="{FF2B5EF4-FFF2-40B4-BE49-F238E27FC236}">
+                  <a16:creationId xmlns:a16="http://schemas.microsoft.com/office/drawing/2014/main" id="{FBC21318-F4F4-4524-95D1-6B7FE0A788A3}"/>
+                </a:ext>
+                <a:ext uri="{C183D7F6-B498-43B3-948B-1728B52AA6E4}">
+                  <adec:decorative xmlns:adec="http://schemas.microsoft.com/office/drawing/2017/decorative" val="1"/>
+                </a:ext>
+              </a:extLst>
+            </p:cNvPr>
+            <p:cNvCxnSpPr/>
+            <p:nvPr>
+              <p:extLst>
+                <p:ext uri="{386F3935-93C4-4BCD-93E2-E3B085C9AB24}">
+                  <p16:designElem xmlns:p16="http://schemas.microsoft.com/office/powerpoint/2015/main" val="1"/>
+                </p:ext>
+              </p:extLst>
+            </p:nvPr>
+          </p:nvCxnSpPr>
+          <p:spPr>
+            <a:xfrm flipH="1">
+              <a:off x="11276012" y="2963333"/>
+              <a:ext cx="912814" cy="912812"/>
+            </a:xfrm>
+            <a:prstGeom prst="line">
+              <a:avLst/>
+            </a:prstGeom>
+            <a:ln w="9525">
+              <a:solidFill>
+                <a:schemeClr val="tx1"/>
+              </a:solidFill>
+            </a:ln>
+          </p:spPr>
+          <p:style>
+            <a:lnRef idx="2">
+              <a:schemeClr val="accent1"/>
+            </a:lnRef>
+            <a:fillRef idx="0">
+              <a:schemeClr val="accent1"/>
+            </a:fillRef>
+            <a:effectRef idx="1">
+              <a:schemeClr val="accent1"/>
+            </a:effectRef>
+            <a:fontRef idx="minor">
+              <a:schemeClr val="tx1"/>
+            </a:fontRef>
+          </p:style>
+        </p:cxnSp>
+        <p:cxnSp>
+          <p:nvCxnSpPr>
+            <p:cNvPr id="53" name="Straight Connector 52">
+              <a:extLst>
+                <a:ext uri="{FF2B5EF4-FFF2-40B4-BE49-F238E27FC236}">
+                  <a16:creationId xmlns:a16="http://schemas.microsoft.com/office/drawing/2014/main" id="{D9FFA8E5-974F-409E-89C6-E185BD90933C}"/>
+                </a:ext>
+                <a:ext uri="{C183D7F6-B498-43B3-948B-1728B52AA6E4}">
+                  <adec:decorative xmlns:adec="http://schemas.microsoft.com/office/drawing/2017/decorative" val="1"/>
+                </a:ext>
+              </a:extLst>
+            </p:cNvPr>
+            <p:cNvCxnSpPr/>
+            <p:nvPr>
+              <p:extLst>
+                <p:ext uri="{386F3935-93C4-4BCD-93E2-E3B085C9AB24}">
+                  <p16:designElem xmlns:p16="http://schemas.microsoft.com/office/powerpoint/2015/main" val="1"/>
+                </p:ext>
+              </p:extLst>
+            </p:nvPr>
+          </p:nvCxnSpPr>
+          <p:spPr>
+            <a:xfrm flipH="1">
+              <a:off x="9206969" y="3190344"/>
+              <a:ext cx="2981857" cy="2981856"/>
+            </a:xfrm>
+            <a:prstGeom prst="line">
+              <a:avLst/>
+            </a:prstGeom>
+            <a:ln w="9525">
+              <a:solidFill>
+                <a:schemeClr val="tx1"/>
+              </a:solidFill>
+            </a:ln>
+          </p:spPr>
+          <p:style>
+            <a:lnRef idx="2">
+              <a:schemeClr val="accent1"/>
+            </a:lnRef>
+            <a:fillRef idx="0">
+              <a:schemeClr val="accent1"/>
+            </a:fillRef>
+            <a:effectRef idx="1">
+              <a:schemeClr val="accent1"/>
+            </a:effectRef>
+            <a:fontRef idx="minor">
+              <a:schemeClr val="tx1"/>
+            </a:fontRef>
+          </p:style>
+        </p:cxnSp>
+        <p:cxnSp>
+          <p:nvCxnSpPr>
+            <p:cNvPr id="54" name="Straight Connector 53">
+              <a:extLst>
+                <a:ext uri="{FF2B5EF4-FFF2-40B4-BE49-F238E27FC236}">
+                  <a16:creationId xmlns:a16="http://schemas.microsoft.com/office/drawing/2014/main" id="{C384E2B1-7008-45EE-9F2E-FEF3A089780F}"/>
+                </a:ext>
+                <a:ext uri="{C183D7F6-B498-43B3-948B-1728B52AA6E4}">
+                  <adec:decorative xmlns:adec="http://schemas.microsoft.com/office/drawing/2017/decorative" val="1"/>
+                </a:ext>
+              </a:extLst>
+            </p:cNvPr>
+            <p:cNvCxnSpPr/>
+            <p:nvPr>
+              <p:extLst>
+                <p:ext uri="{386F3935-93C4-4BCD-93E2-E3B085C9AB24}">
+                  <p16:designElem xmlns:p16="http://schemas.microsoft.com/office/powerpoint/2015/main" val="1"/>
+                </p:ext>
+              </p:extLst>
+            </p:nvPr>
+          </p:nvCxnSpPr>
+          <p:spPr>
+            <a:xfrm flipH="1">
+              <a:off x="10292292" y="3285067"/>
+              <a:ext cx="1896534" cy="1896533"/>
+            </a:xfrm>
+            <a:prstGeom prst="line">
+              <a:avLst/>
+            </a:prstGeom>
+            <a:ln w="9525">
+              <a:solidFill>
+                <a:schemeClr val="tx1"/>
+              </a:solidFill>
+            </a:ln>
+          </p:spPr>
+          <p:style>
+            <a:lnRef idx="2">
+              <a:schemeClr val="accent1"/>
+            </a:lnRef>
+            <a:fillRef idx="0">
+              <a:schemeClr val="accent1"/>
+            </a:fillRef>
+            <a:effectRef idx="1">
+              <a:schemeClr val="accent1"/>
+            </a:effectRef>
+            <a:fontRef idx="minor">
+              <a:schemeClr val="tx1"/>
+            </a:fontRef>
+          </p:style>
+        </p:cxnSp>
+        <p:cxnSp>
+          <p:nvCxnSpPr>
+            <p:cNvPr id="55" name="Straight Connector 54">
+              <a:extLst>
+                <a:ext uri="{FF2B5EF4-FFF2-40B4-BE49-F238E27FC236}">
+                  <a16:creationId xmlns:a16="http://schemas.microsoft.com/office/drawing/2014/main" id="{D4563410-7FE9-4955-89C6-0FB9326CD3A8}"/>
+                </a:ext>
+                <a:ext uri="{C183D7F6-B498-43B3-948B-1728B52AA6E4}">
+                  <adec:decorative xmlns:adec="http://schemas.microsoft.com/office/drawing/2017/decorative" val="1"/>
+                </a:ext>
+              </a:extLst>
+            </p:cNvPr>
+            <p:cNvCxnSpPr/>
+            <p:nvPr>
+              <p:extLst>
+                <p:ext uri="{386F3935-93C4-4BCD-93E2-E3B085C9AB24}">
+                  <p16:designElem xmlns:p16="http://schemas.microsoft.com/office/powerpoint/2015/main" val="1"/>
+                </p:ext>
+              </p:extLst>
+            </p:nvPr>
+          </p:nvCxnSpPr>
+          <p:spPr>
+            <a:xfrm flipH="1">
+              <a:off x="10443103" y="3131080"/>
+              <a:ext cx="1745722" cy="1745720"/>
+            </a:xfrm>
+            <a:prstGeom prst="line">
+              <a:avLst/>
+            </a:prstGeom>
+            <a:ln w="28575">
+              <a:solidFill>
+                <a:schemeClr val="tx1"/>
+              </a:solidFill>
+            </a:ln>
+          </p:spPr>
+          <p:style>
+            <a:lnRef idx="2">
+              <a:schemeClr val="accent1"/>
+            </a:lnRef>
+            <a:fillRef idx="0">
+              <a:schemeClr val="accent1"/>
+            </a:fillRef>
+            <a:effectRef idx="1">
+              <a:schemeClr val="accent1"/>
+            </a:effectRef>
+            <a:fontRef idx="minor">
+              <a:schemeClr val="tx1"/>
+            </a:fontRef>
+          </p:style>
+        </p:cxnSp>
+        <p:cxnSp>
+          <p:nvCxnSpPr>
+            <p:cNvPr id="56" name="Straight Connector 55">
+              <a:extLst>
+                <a:ext uri="{FF2B5EF4-FFF2-40B4-BE49-F238E27FC236}">
+                  <a16:creationId xmlns:a16="http://schemas.microsoft.com/office/drawing/2014/main" id="{3AD14C0E-D5DF-4BDC-BD92-642CFF18018D}"/>
+                </a:ext>
+                <a:ext uri="{C183D7F6-B498-43B3-948B-1728B52AA6E4}">
+                  <adec:decorative xmlns:adec="http://schemas.microsoft.com/office/drawing/2017/decorative" val="1"/>
+                </a:ext>
+              </a:extLst>
+            </p:cNvPr>
+            <p:cNvCxnSpPr/>
+            <p:nvPr>
+              <p:extLst>
+                <p:ext uri="{386F3935-93C4-4BCD-93E2-E3B085C9AB24}">
+                  <p16:designElem xmlns:p16="http://schemas.microsoft.com/office/powerpoint/2015/main" val="1"/>
+                </p:ext>
+              </p:extLst>
+            </p:nvPr>
+          </p:nvCxnSpPr>
+          <p:spPr>
+            <a:xfrm flipH="1">
+              <a:off x="10918826" y="3683001"/>
+              <a:ext cx="1270001" cy="1269999"/>
+            </a:xfrm>
+            <a:prstGeom prst="line">
+              <a:avLst/>
+            </a:prstGeom>
+            <a:ln w="28575">
+              <a:solidFill>
+                <a:schemeClr val="tx1"/>
+              </a:solidFill>
+            </a:ln>
+          </p:spPr>
+          <p:style>
+            <a:lnRef idx="2">
+              <a:schemeClr val="accent1"/>
+            </a:lnRef>
+            <a:fillRef idx="0">
+              <a:schemeClr val="accent1"/>
+            </a:fillRef>
+            <a:effectRef idx="1">
+              <a:schemeClr val="accent1"/>
+            </a:effectRef>
+            <a:fontRef idx="minor">
+              <a:schemeClr val="tx1"/>
+            </a:fontRef>
+          </p:style>
+        </p:cxnSp>
+      </p:grpSp>
+      <p:sp useBgFill="1">
+        <p:nvSpPr>
+          <p:cNvPr id="63" name="Rectangle 57">
+            <a:extLst>
+              <a:ext uri="{FF2B5EF4-FFF2-40B4-BE49-F238E27FC236}">
+                <a16:creationId xmlns:a16="http://schemas.microsoft.com/office/drawing/2014/main" id="{B1ECD48A-A6CE-48F3-8E89-3399C99382F1}"/>
+              </a:ext>
+              <a:ext uri="{C183D7F6-B498-43B3-948B-1728B52AA6E4}">
+                <adec:decorative xmlns:adec="http://schemas.microsoft.com/office/drawing/2017/decorative" val="1"/>
+              </a:ext>
+            </a:extLst>
+          </p:cNvPr>
+          <p:cNvSpPr>
+            <a:spLocks noGrp="1" noRot="1" noChangeAspect="1" noMove="1" noResize="1" noEditPoints="1" noAdjustHandles="1" noChangeArrowheads="1" noChangeShapeType="1" noTextEdit="1"/>
+          </p:cNvSpPr>
+          <p:nvPr>
+            <p:extLst>
+              <p:ext uri="{386F3935-93C4-4BCD-93E2-E3B085C9AB24}">
+                <p16:designElem xmlns:p16="http://schemas.microsoft.com/office/powerpoint/2015/main" val="1"/>
+              </p:ext>
+            </p:extLst>
+          </p:nvPr>
+        </p:nvSpPr>
+        <p:spPr>
+          <a:xfrm>
+            <a:off x="0" y="0"/>
+            <a:ext cx="12192000" cy="6858000"/>
+          </a:xfrm>
+          <a:prstGeom prst="rect">
+            <a:avLst/>
+          </a:prstGeom>
+          <a:ln>
+            <a:noFill/>
+          </a:ln>
+        </p:spPr>
+        <p:style>
+          <a:lnRef idx="2">
+            <a:schemeClr val="accent1">
+              <a:shade val="50000"/>
+            </a:schemeClr>
+          </a:lnRef>
+          <a:fillRef idx="1">
+            <a:schemeClr val="accent1"/>
+          </a:fillRef>
+          <a:effectRef idx="0">
+            <a:schemeClr val="accent1"/>
+          </a:effectRef>
+          <a:fontRef idx="minor">
+            <a:schemeClr val="lt1"/>
+          </a:fontRef>
+        </p:style>
+        <p:txBody>
+          <a:bodyPr rtlCol="0" anchor="ctr"/>
+          <a:lstStyle/>
+          <a:p>
+            <a:pPr algn="ctr"/>
+            <a:endParaRPr lang="en-US"/>
+          </a:p>
+        </p:txBody>
+      </p:sp>
+      <p:sp>
+        <p:nvSpPr>
+          <p:cNvPr id="64" name="Rectangle: Single Corner Snipped 59">
+            <a:extLst>
+              <a:ext uri="{FF2B5EF4-FFF2-40B4-BE49-F238E27FC236}">
+                <a16:creationId xmlns:a16="http://schemas.microsoft.com/office/drawing/2014/main" id="{0A3F7A1B-3080-4A65-A240-2E1A6EF84567}"/>
+              </a:ext>
+              <a:ext uri="{C183D7F6-B498-43B3-948B-1728B52AA6E4}">
+                <adec:decorative xmlns:adec="http://schemas.microsoft.com/office/drawing/2017/decorative" val="1"/>
+              </a:ext>
+            </a:extLst>
+          </p:cNvPr>
+          <p:cNvSpPr>
+            <a:spLocks noGrp="1" noRot="1" noChangeAspect="1" noMove="1" noResize="1" noEditPoints="1" noAdjustHandles="1" noChangeArrowheads="1" noChangeShapeType="1" noTextEdit="1"/>
+          </p:cNvSpPr>
+          <p:nvPr>
+            <p:extLst>
+              <p:ext uri="{386F3935-93C4-4BCD-93E2-E3B085C9AB24}">
+                <p16:designElem xmlns:p16="http://schemas.microsoft.com/office/powerpoint/2015/main" val="1"/>
+              </p:ext>
+            </p:extLst>
+          </p:nvPr>
+        </p:nvSpPr>
+        <p:spPr>
+          <a:xfrm flipV="1">
+            <a:off x="0" y="-5"/>
+            <a:ext cx="12188952" cy="5571071"/>
+          </a:xfrm>
+          <a:prstGeom prst="snip1Rect">
+            <a:avLst>
+              <a:gd name="adj" fmla="val 0"/>
+            </a:avLst>
+          </a:prstGeom>
+          <a:solidFill>
+            <a:srgbClr val="FFFFFF"/>
+          </a:solidFill>
+          <a:ln>
+            <a:noFill/>
+          </a:ln>
+        </p:spPr>
+        <p:style>
+          <a:lnRef idx="2">
+            <a:schemeClr val="accent1">
+              <a:shade val="50000"/>
+            </a:schemeClr>
+          </a:lnRef>
+          <a:fillRef idx="1">
+            <a:schemeClr val="accent1"/>
+          </a:fillRef>
+          <a:effectRef idx="0">
+            <a:schemeClr val="accent1"/>
+          </a:effectRef>
+          <a:fontRef idx="minor">
+            <a:schemeClr val="lt1"/>
+          </a:fontRef>
+        </p:style>
+        <p:txBody>
+          <a:bodyPr rtlCol="0" anchor="ctr"/>
+          <a:lstStyle/>
+          <a:p>
+            <a:pPr algn="ctr"/>
+            <a:endParaRPr lang="en-US"/>
+          </a:p>
+        </p:txBody>
+      </p:sp>
+      <p:sp>
+        <p:nvSpPr>
+          <p:cNvPr id="5" name="Rectangle 4">
+            <a:extLst>
+              <a:ext uri="{FF2B5EF4-FFF2-40B4-BE49-F238E27FC236}">
+                <a16:creationId xmlns:a16="http://schemas.microsoft.com/office/drawing/2014/main" id="{8EAD88A2-A27E-E0C0-1FC6-2EE68DEE9411}"/>
+              </a:ext>
+            </a:extLst>
+          </p:cNvPr>
+          <p:cNvSpPr/>
+          <p:nvPr/>
+        </p:nvSpPr>
+        <p:spPr>
+          <a:xfrm>
+            <a:off x="9620250" y="643467"/>
+            <a:ext cx="672042" cy="426208"/>
+          </a:xfrm>
+          <a:prstGeom prst="rect">
+            <a:avLst/>
+          </a:prstGeom>
+          <a:ln>
+            <a:noFill/>
+          </a:ln>
+        </p:spPr>
+        <p:style>
+          <a:lnRef idx="2">
+            <a:schemeClr val="accent6"/>
+          </a:lnRef>
+          <a:fillRef idx="1">
+            <a:schemeClr val="lt1"/>
+          </a:fillRef>
+          <a:effectRef idx="0">
+            <a:schemeClr val="accent6"/>
+          </a:effectRef>
+          <a:fontRef idx="minor">
+            <a:schemeClr val="dk1"/>
+          </a:fontRef>
+        </p:style>
+        <p:txBody>
+          <a:bodyPr rtlCol="0" anchor="ctr"/>
+          <a:lstStyle/>
+          <a:p>
+            <a:pPr algn="ctr"/>
+            <a:endParaRPr lang="en-US"/>
+          </a:p>
+        </p:txBody>
+      </p:sp>
+      <p:sp>
+        <p:nvSpPr>
+          <p:cNvPr id="6" name="Rectangle 5">
+            <a:extLst>
+              <a:ext uri="{FF2B5EF4-FFF2-40B4-BE49-F238E27FC236}">
+                <a16:creationId xmlns:a16="http://schemas.microsoft.com/office/drawing/2014/main" id="{08115ECC-5140-EC28-F49E-91289AA669ED}"/>
+              </a:ext>
+            </a:extLst>
+          </p:cNvPr>
+          <p:cNvSpPr/>
+          <p:nvPr/>
+        </p:nvSpPr>
+        <p:spPr>
+          <a:xfrm>
+            <a:off x="2010684" y="5719798"/>
+            <a:ext cx="7279087" cy="795302"/>
+          </a:xfrm>
+          <a:prstGeom prst="rect">
+            <a:avLst/>
+          </a:prstGeom>
+        </p:spPr>
+        <p:txBody>
+          <a:bodyPr vert="horz" lIns="91440" tIns="45720" rIns="91440" bIns="45720" rtlCol="0" anchor="ctr">
+            <a:normAutofit fontScale="77500" lnSpcReduction="20000"/>
+          </a:bodyPr>
+          <a:lstStyle/>
+          <a:p>
+            <a:pPr algn="r">
+              <a:spcBef>
+                <a:spcPct val="0"/>
+              </a:spcBef>
+              <a:spcAft>
+                <a:spcPts val="600"/>
+              </a:spcAft>
+            </a:pPr>
+            <a:r>
+              <a:rPr lang="en-US" sz="3500" b="1" cap="all" dirty="0">
+                <a:ln w="3175" cmpd="sng">
+                  <a:noFill/>
+                </a:ln>
+                <a:latin typeface="+mj-lt"/>
+                <a:ea typeface="+mj-ea"/>
+                <a:cs typeface="+mj-cs"/>
+              </a:rPr>
+              <a:t>Characteristic of cloud computing</a:t>
+            </a:r>
+          </a:p>
+        </p:txBody>
+      </p:sp>
+      <p:sp>
+        <p:nvSpPr>
+          <p:cNvPr id="3" name="TextBox 2">
+            <a:extLst>
+              <a:ext uri="{FF2B5EF4-FFF2-40B4-BE49-F238E27FC236}">
+                <a16:creationId xmlns:a16="http://schemas.microsoft.com/office/drawing/2014/main" id="{061B8D41-A604-B291-6DC5-F5F8BB2EA3CB}"/>
+              </a:ext>
+            </a:extLst>
+          </p:cNvPr>
+          <p:cNvSpPr txBox="1"/>
+          <p:nvPr/>
+        </p:nvSpPr>
+        <p:spPr>
+          <a:xfrm>
+            <a:off x="842920" y="215954"/>
+            <a:ext cx="10889499" cy="4832092"/>
+          </a:xfrm>
+          <a:prstGeom prst="rect">
+            <a:avLst/>
+          </a:prstGeom>
+          <a:noFill/>
+        </p:spPr>
+        <p:txBody>
+          <a:bodyPr wrap="square">
+            <a:spAutoFit/>
+          </a:bodyPr>
+          <a:lstStyle/>
+          <a:p>
+            <a:pPr algn="l">
+              <a:buFont typeface="Arial" panose="020B0604020202020204" pitchFamily="34" charset="0"/>
+              <a:buChar char="•"/>
+            </a:pPr>
+            <a:r>
+              <a:rPr lang="en-US" sz="2800" b="1" i="0" dirty="0">
+                <a:solidFill>
+                  <a:srgbClr val="2A3C42"/>
+                </a:solidFill>
+                <a:effectLst/>
+                <a:latin typeface="-apple-system"/>
+              </a:rPr>
+              <a:t> On-demand self-services:</a:t>
+            </a:r>
+            <a:r>
+              <a:rPr lang="en-US" sz="2800" b="0" i="0" dirty="0">
+                <a:solidFill>
+                  <a:srgbClr val="2A3C42"/>
+                </a:solidFill>
+                <a:effectLst/>
+                <a:latin typeface="-apple-system"/>
+              </a:rPr>
+              <a:t> Users monitor and manage computing resources as necessary without the assistance of human administrators.</a:t>
+            </a:r>
+          </a:p>
+          <a:p>
+            <a:pPr algn="l">
+              <a:buFont typeface="Arial" panose="020B0604020202020204" pitchFamily="34" charset="0"/>
+              <a:buChar char="•"/>
+            </a:pPr>
+            <a:endParaRPr lang="en-US" sz="2800" b="0" i="0" dirty="0">
+              <a:solidFill>
+                <a:srgbClr val="2A3C42"/>
+              </a:solidFill>
+              <a:effectLst/>
+              <a:latin typeface="-apple-system"/>
+            </a:endParaRPr>
+          </a:p>
+          <a:p>
+            <a:pPr algn="l">
+              <a:buFont typeface="Arial" panose="020B0604020202020204" pitchFamily="34" charset="0"/>
+              <a:buChar char="•"/>
+            </a:pPr>
+            <a:r>
+              <a:rPr lang="en-US" sz="2800" b="1" i="0" dirty="0">
+                <a:solidFill>
+                  <a:srgbClr val="2A3C42"/>
+                </a:solidFill>
+                <a:effectLst/>
+                <a:latin typeface="-apple-system"/>
+              </a:rPr>
+              <a:t> Broad network access:</a:t>
+            </a:r>
+            <a:r>
+              <a:rPr lang="en-US" sz="2800" b="0" i="0" dirty="0">
+                <a:solidFill>
+                  <a:srgbClr val="2A3C42"/>
+                </a:solidFill>
+                <a:effectLst/>
+                <a:latin typeface="-apple-system"/>
+              </a:rPr>
+              <a:t> A wide range of hardware and established networks are usually used to deliver computing services.</a:t>
+            </a:r>
+          </a:p>
+          <a:p>
+            <a:pPr algn="l">
+              <a:buFont typeface="Arial" panose="020B0604020202020204" pitchFamily="34" charset="0"/>
+              <a:buChar char="•"/>
+            </a:pPr>
+            <a:endParaRPr lang="en-US" sz="2800" b="0" i="0" dirty="0">
+              <a:solidFill>
+                <a:srgbClr val="2A3C42"/>
+              </a:solidFill>
+              <a:effectLst/>
+              <a:latin typeface="-apple-system"/>
+            </a:endParaRPr>
+          </a:p>
+          <a:p>
+            <a:pPr algn="l">
+              <a:buFont typeface="Arial" panose="020B0604020202020204" pitchFamily="34" charset="0"/>
+              <a:buChar char="•"/>
+            </a:pPr>
+            <a:r>
+              <a:rPr lang="en-US" sz="2800" b="1" i="0" dirty="0">
+                <a:solidFill>
+                  <a:srgbClr val="2A3C42"/>
+                </a:solidFill>
+                <a:effectLst/>
+                <a:latin typeface="-apple-system"/>
+              </a:rPr>
+              <a:t> Rapid elasticity:</a:t>
+            </a:r>
+            <a:r>
+              <a:rPr lang="en-US" sz="2800" b="0" i="0" dirty="0">
+                <a:solidFill>
+                  <a:srgbClr val="2A3C42"/>
+                </a:solidFill>
+                <a:effectLst/>
+                <a:latin typeface="-apple-system"/>
+              </a:rPr>
+              <a:t> Resources for the computing services can be scaled up and down quickly as required. </a:t>
+            </a:r>
+          </a:p>
+          <a:p>
+            <a:pPr algn="l">
+              <a:buFont typeface="Arial" panose="020B0604020202020204" pitchFamily="34" charset="0"/>
+              <a:buChar char="•"/>
+            </a:pPr>
+            <a:endParaRPr lang="en-US" sz="2800" b="0" i="0" dirty="0">
+              <a:solidFill>
+                <a:srgbClr val="2A3C42"/>
+              </a:solidFill>
+              <a:effectLst/>
+              <a:latin typeface="-apple-system"/>
+            </a:endParaRPr>
+          </a:p>
+          <a:p>
+            <a:pPr algn="l">
+              <a:buFont typeface="Arial" panose="020B0604020202020204" pitchFamily="34" charset="0"/>
+              <a:buChar char="•"/>
+            </a:pPr>
+            <a:r>
+              <a:rPr lang="en-US" sz="2800" b="1" i="0" dirty="0">
+                <a:solidFill>
+                  <a:srgbClr val="2A3C42"/>
+                </a:solidFill>
+                <a:effectLst/>
+                <a:latin typeface="-apple-system"/>
+              </a:rPr>
+              <a:t> Resource pooling:</a:t>
+            </a:r>
+            <a:r>
+              <a:rPr lang="en-US" sz="2800" b="0" i="0" dirty="0">
+                <a:solidFill>
+                  <a:srgbClr val="2A3C42"/>
+                </a:solidFill>
+                <a:effectLst/>
+                <a:latin typeface="-apple-system"/>
+              </a:rPr>
+              <a:t> Ad hoc sharing of networks, servers, storage, apps, and services by several users and applications.</a:t>
+            </a:r>
+          </a:p>
+        </p:txBody>
+      </p:sp>
+    </p:spTree>
+    <p:extLst>
+      <p:ext uri="{BB962C8B-B14F-4D97-AF65-F5344CB8AC3E}">
+        <p14:creationId xmlns:p14="http://schemas.microsoft.com/office/powerpoint/2010/main" val="3021241665"/>
+      </p:ext>
+    </p:extLst>
+  </p:cSld>
+  <p:clrMapOvr>
+    <a:masterClrMapping/>
+  </p:clrMapOvr>
+</p:sld>
+</file>
+
+<file path=ppt/slides/slide31.xml><?xml version="1.0" encoding="utf-8"?>
+<p:sld xmlns:a="http://schemas.openxmlformats.org/drawingml/2006/main" xmlns:r="http://schemas.openxmlformats.org/officeDocument/2006/relationships" xmlns:p="http://schemas.openxmlformats.org/presentationml/2006/main">
+  <p:cSld>
+    <p:bg>
+      <p:bgPr>
+        <a:gradFill rotWithShape="1">
+          <a:gsLst>
+            <a:gs pos="10000">
+              <a:schemeClr val="bg2">
+                <a:tint val="97000"/>
+                <a:hueMod val="92000"/>
+                <a:satMod val="169000"/>
+                <a:lumMod val="164000"/>
+              </a:schemeClr>
+            </a:gs>
+            <a:gs pos="100000">
+              <a:schemeClr val="bg2">
+                <a:shade val="96000"/>
+                <a:satMod val="120000"/>
+                <a:lumMod val="90000"/>
+              </a:schemeClr>
+            </a:gs>
+          </a:gsLst>
+          <a:lin ang="6120000" scaled="1"/>
+        </a:gradFill>
+        <a:effectLst/>
+      </p:bgPr>
+    </p:bg>
+    <p:spTree>
+      <p:nvGrpSpPr>
+        <p:cNvPr id="1" name=""/>
+        <p:cNvGrpSpPr/>
+        <p:nvPr/>
+      </p:nvGrpSpPr>
+      <p:grpSpPr>
+        <a:xfrm>
+          <a:off x="0" y="0"/>
+          <a:ext cx="0" cy="0"/>
+          <a:chOff x="0" y="0"/>
+          <a:chExt cx="0" cy="0"/>
+        </a:xfrm>
+      </p:grpSpPr>
+      <p:grpSp>
+        <p:nvGrpSpPr>
+          <p:cNvPr id="62" name="Group 50">
+            <a:extLst>
+              <a:ext uri="{FF2B5EF4-FFF2-40B4-BE49-F238E27FC236}">
+                <a16:creationId xmlns:a16="http://schemas.microsoft.com/office/drawing/2014/main" id="{2103B461-323C-4912-BFFD-C37582662085}"/>
+              </a:ext>
+              <a:ext uri="{C183D7F6-B498-43B3-948B-1728B52AA6E4}">
+                <adec:decorative xmlns:adec="http://schemas.microsoft.com/office/drawing/2017/decorative" val="1"/>
+              </a:ext>
+            </a:extLst>
+          </p:cNvPr>
+          <p:cNvGrpSpPr>
+            <a:grpSpLocks noGrp="1" noUngrp="1" noRot="1" noChangeAspect="1" noMove="1" noResize="1"/>
+          </p:cNvGrpSpPr>
+          <p:nvPr>
+            <p:extLst>
+              <p:ext uri="{386F3935-93C4-4BCD-93E2-E3B085C9AB24}">
+                <p16:designElem xmlns:p16="http://schemas.microsoft.com/office/powerpoint/2015/main" val="1"/>
+              </p:ext>
+            </p:extLst>
+          </p:nvPr>
+        </p:nvGrpSpPr>
+        <p:grpSpPr>
+          <a:xfrm>
+            <a:off x="9206969" y="2963333"/>
+            <a:ext cx="2981858" cy="3208867"/>
+            <a:chOff x="9206969" y="2963333"/>
+            <a:chExt cx="2981858" cy="3208867"/>
+          </a:xfrm>
+        </p:grpSpPr>
+        <p:cxnSp>
+          <p:nvCxnSpPr>
+            <p:cNvPr id="52" name="Straight Connector 51">
+              <a:extLst>
+                <a:ext uri="{FF2B5EF4-FFF2-40B4-BE49-F238E27FC236}">
+                  <a16:creationId xmlns:a16="http://schemas.microsoft.com/office/drawing/2014/main" id="{FBC21318-F4F4-4524-95D1-6B7FE0A788A3}"/>
+                </a:ext>
+                <a:ext uri="{C183D7F6-B498-43B3-948B-1728B52AA6E4}">
+                  <adec:decorative xmlns:adec="http://schemas.microsoft.com/office/drawing/2017/decorative" val="1"/>
+                </a:ext>
+              </a:extLst>
+            </p:cNvPr>
+            <p:cNvCxnSpPr/>
+            <p:nvPr>
+              <p:extLst>
+                <p:ext uri="{386F3935-93C4-4BCD-93E2-E3B085C9AB24}">
+                  <p16:designElem xmlns:p16="http://schemas.microsoft.com/office/powerpoint/2015/main" val="1"/>
+                </p:ext>
+              </p:extLst>
+            </p:nvPr>
+          </p:nvCxnSpPr>
+          <p:spPr>
+            <a:xfrm flipH="1">
+              <a:off x="11276012" y="2963333"/>
+              <a:ext cx="912814" cy="912812"/>
+            </a:xfrm>
+            <a:prstGeom prst="line">
+              <a:avLst/>
+            </a:prstGeom>
+            <a:ln w="9525">
+              <a:solidFill>
+                <a:schemeClr val="tx1"/>
+              </a:solidFill>
+            </a:ln>
+          </p:spPr>
+          <p:style>
+            <a:lnRef idx="2">
+              <a:schemeClr val="accent1"/>
+            </a:lnRef>
+            <a:fillRef idx="0">
+              <a:schemeClr val="accent1"/>
+            </a:fillRef>
+            <a:effectRef idx="1">
+              <a:schemeClr val="accent1"/>
+            </a:effectRef>
+            <a:fontRef idx="minor">
+              <a:schemeClr val="tx1"/>
+            </a:fontRef>
+          </p:style>
+        </p:cxnSp>
+        <p:cxnSp>
+          <p:nvCxnSpPr>
+            <p:cNvPr id="53" name="Straight Connector 52">
+              <a:extLst>
+                <a:ext uri="{FF2B5EF4-FFF2-40B4-BE49-F238E27FC236}">
+                  <a16:creationId xmlns:a16="http://schemas.microsoft.com/office/drawing/2014/main" id="{D9FFA8E5-974F-409E-89C6-E185BD90933C}"/>
+                </a:ext>
+                <a:ext uri="{C183D7F6-B498-43B3-948B-1728B52AA6E4}">
+                  <adec:decorative xmlns:adec="http://schemas.microsoft.com/office/drawing/2017/decorative" val="1"/>
+                </a:ext>
+              </a:extLst>
+            </p:cNvPr>
+            <p:cNvCxnSpPr/>
+            <p:nvPr>
+              <p:extLst>
+                <p:ext uri="{386F3935-93C4-4BCD-93E2-E3B085C9AB24}">
+                  <p16:designElem xmlns:p16="http://schemas.microsoft.com/office/powerpoint/2015/main" val="1"/>
+                </p:ext>
+              </p:extLst>
+            </p:nvPr>
+          </p:nvCxnSpPr>
+          <p:spPr>
+            <a:xfrm flipH="1">
+              <a:off x="9206969" y="3190344"/>
+              <a:ext cx="2981857" cy="2981856"/>
+            </a:xfrm>
+            <a:prstGeom prst="line">
+              <a:avLst/>
+            </a:prstGeom>
+            <a:ln w="9525">
+              <a:solidFill>
+                <a:schemeClr val="tx1"/>
+              </a:solidFill>
+            </a:ln>
+          </p:spPr>
+          <p:style>
+            <a:lnRef idx="2">
+              <a:schemeClr val="accent1"/>
+            </a:lnRef>
+            <a:fillRef idx="0">
+              <a:schemeClr val="accent1"/>
+            </a:fillRef>
+            <a:effectRef idx="1">
+              <a:schemeClr val="accent1"/>
+            </a:effectRef>
+            <a:fontRef idx="minor">
+              <a:schemeClr val="tx1"/>
+            </a:fontRef>
+          </p:style>
+        </p:cxnSp>
+        <p:cxnSp>
+          <p:nvCxnSpPr>
+            <p:cNvPr id="54" name="Straight Connector 53">
+              <a:extLst>
+                <a:ext uri="{FF2B5EF4-FFF2-40B4-BE49-F238E27FC236}">
+                  <a16:creationId xmlns:a16="http://schemas.microsoft.com/office/drawing/2014/main" id="{C384E2B1-7008-45EE-9F2E-FEF3A089780F}"/>
+                </a:ext>
+                <a:ext uri="{C183D7F6-B498-43B3-948B-1728B52AA6E4}">
+                  <adec:decorative xmlns:adec="http://schemas.microsoft.com/office/drawing/2017/decorative" val="1"/>
+                </a:ext>
+              </a:extLst>
+            </p:cNvPr>
+            <p:cNvCxnSpPr/>
+            <p:nvPr>
+              <p:extLst>
+                <p:ext uri="{386F3935-93C4-4BCD-93E2-E3B085C9AB24}">
+                  <p16:designElem xmlns:p16="http://schemas.microsoft.com/office/powerpoint/2015/main" val="1"/>
+                </p:ext>
+              </p:extLst>
+            </p:nvPr>
+          </p:nvCxnSpPr>
+          <p:spPr>
+            <a:xfrm flipH="1">
+              <a:off x="10292292" y="3285067"/>
+              <a:ext cx="1896534" cy="1896533"/>
+            </a:xfrm>
+            <a:prstGeom prst="line">
+              <a:avLst/>
+            </a:prstGeom>
+            <a:ln w="9525">
+              <a:solidFill>
+                <a:schemeClr val="tx1"/>
+              </a:solidFill>
+            </a:ln>
+          </p:spPr>
+          <p:style>
+            <a:lnRef idx="2">
+              <a:schemeClr val="accent1"/>
+            </a:lnRef>
+            <a:fillRef idx="0">
+              <a:schemeClr val="accent1"/>
+            </a:fillRef>
+            <a:effectRef idx="1">
+              <a:schemeClr val="accent1"/>
+            </a:effectRef>
+            <a:fontRef idx="minor">
+              <a:schemeClr val="tx1"/>
+            </a:fontRef>
+          </p:style>
+        </p:cxnSp>
+        <p:cxnSp>
+          <p:nvCxnSpPr>
+            <p:cNvPr id="55" name="Straight Connector 54">
+              <a:extLst>
+                <a:ext uri="{FF2B5EF4-FFF2-40B4-BE49-F238E27FC236}">
+                  <a16:creationId xmlns:a16="http://schemas.microsoft.com/office/drawing/2014/main" id="{D4563410-7FE9-4955-89C6-0FB9326CD3A8}"/>
+                </a:ext>
+                <a:ext uri="{C183D7F6-B498-43B3-948B-1728B52AA6E4}">
+                  <adec:decorative xmlns:adec="http://schemas.microsoft.com/office/drawing/2017/decorative" val="1"/>
+                </a:ext>
+              </a:extLst>
+            </p:cNvPr>
+            <p:cNvCxnSpPr/>
+            <p:nvPr>
+              <p:extLst>
+                <p:ext uri="{386F3935-93C4-4BCD-93E2-E3B085C9AB24}">
+                  <p16:designElem xmlns:p16="http://schemas.microsoft.com/office/powerpoint/2015/main" val="1"/>
+                </p:ext>
+              </p:extLst>
+            </p:nvPr>
+          </p:nvCxnSpPr>
+          <p:spPr>
+            <a:xfrm flipH="1">
+              <a:off x="10443103" y="3131080"/>
+              <a:ext cx="1745722" cy="1745720"/>
+            </a:xfrm>
+            <a:prstGeom prst="line">
+              <a:avLst/>
+            </a:prstGeom>
+            <a:ln w="28575">
+              <a:solidFill>
+                <a:schemeClr val="tx1"/>
+              </a:solidFill>
+            </a:ln>
+          </p:spPr>
+          <p:style>
+            <a:lnRef idx="2">
+              <a:schemeClr val="accent1"/>
+            </a:lnRef>
+            <a:fillRef idx="0">
+              <a:schemeClr val="accent1"/>
+            </a:fillRef>
+            <a:effectRef idx="1">
+              <a:schemeClr val="accent1"/>
+            </a:effectRef>
+            <a:fontRef idx="minor">
+              <a:schemeClr val="tx1"/>
+            </a:fontRef>
+          </p:style>
+        </p:cxnSp>
+        <p:cxnSp>
+          <p:nvCxnSpPr>
+            <p:cNvPr id="56" name="Straight Connector 55">
+              <a:extLst>
+                <a:ext uri="{FF2B5EF4-FFF2-40B4-BE49-F238E27FC236}">
+                  <a16:creationId xmlns:a16="http://schemas.microsoft.com/office/drawing/2014/main" id="{3AD14C0E-D5DF-4BDC-BD92-642CFF18018D}"/>
+                </a:ext>
+                <a:ext uri="{C183D7F6-B498-43B3-948B-1728B52AA6E4}">
+                  <adec:decorative xmlns:adec="http://schemas.microsoft.com/office/drawing/2017/decorative" val="1"/>
+                </a:ext>
+              </a:extLst>
+            </p:cNvPr>
+            <p:cNvCxnSpPr/>
+            <p:nvPr>
+              <p:extLst>
+                <p:ext uri="{386F3935-93C4-4BCD-93E2-E3B085C9AB24}">
+                  <p16:designElem xmlns:p16="http://schemas.microsoft.com/office/powerpoint/2015/main" val="1"/>
+                </p:ext>
+              </p:extLst>
+            </p:nvPr>
+          </p:nvCxnSpPr>
+          <p:spPr>
+            <a:xfrm flipH="1">
+              <a:off x="10918826" y="3683001"/>
+              <a:ext cx="1270001" cy="1269999"/>
+            </a:xfrm>
+            <a:prstGeom prst="line">
+              <a:avLst/>
+            </a:prstGeom>
+            <a:ln w="28575">
+              <a:solidFill>
+                <a:schemeClr val="tx1"/>
+              </a:solidFill>
+            </a:ln>
+          </p:spPr>
+          <p:style>
+            <a:lnRef idx="2">
+              <a:schemeClr val="accent1"/>
+            </a:lnRef>
+            <a:fillRef idx="0">
+              <a:schemeClr val="accent1"/>
+            </a:fillRef>
+            <a:effectRef idx="1">
+              <a:schemeClr val="accent1"/>
+            </a:effectRef>
+            <a:fontRef idx="minor">
+              <a:schemeClr val="tx1"/>
+            </a:fontRef>
+          </p:style>
+        </p:cxnSp>
+      </p:grpSp>
+      <p:sp useBgFill="1">
+        <p:nvSpPr>
+          <p:cNvPr id="63" name="Rectangle 57">
+            <a:extLst>
+              <a:ext uri="{FF2B5EF4-FFF2-40B4-BE49-F238E27FC236}">
+                <a16:creationId xmlns:a16="http://schemas.microsoft.com/office/drawing/2014/main" id="{B1ECD48A-A6CE-48F3-8E89-3399C99382F1}"/>
+              </a:ext>
+              <a:ext uri="{C183D7F6-B498-43B3-948B-1728B52AA6E4}">
+                <adec:decorative xmlns:adec="http://schemas.microsoft.com/office/drawing/2017/decorative" val="1"/>
+              </a:ext>
+            </a:extLst>
+          </p:cNvPr>
+          <p:cNvSpPr>
+            <a:spLocks noGrp="1" noRot="1" noChangeAspect="1" noMove="1" noResize="1" noEditPoints="1" noAdjustHandles="1" noChangeArrowheads="1" noChangeShapeType="1" noTextEdit="1"/>
+          </p:cNvSpPr>
+          <p:nvPr>
+            <p:extLst>
+              <p:ext uri="{386F3935-93C4-4BCD-93E2-E3B085C9AB24}">
+                <p16:designElem xmlns:p16="http://schemas.microsoft.com/office/powerpoint/2015/main" val="1"/>
+              </p:ext>
+            </p:extLst>
+          </p:nvPr>
+        </p:nvSpPr>
+        <p:spPr>
+          <a:xfrm>
+            <a:off x="0" y="0"/>
+            <a:ext cx="12192000" cy="6858000"/>
+          </a:xfrm>
+          <a:prstGeom prst="rect">
+            <a:avLst/>
+          </a:prstGeom>
+          <a:ln>
+            <a:noFill/>
+          </a:ln>
+        </p:spPr>
+        <p:style>
+          <a:lnRef idx="2">
+            <a:schemeClr val="accent1">
+              <a:shade val="50000"/>
+            </a:schemeClr>
+          </a:lnRef>
+          <a:fillRef idx="1">
+            <a:schemeClr val="accent1"/>
+          </a:fillRef>
+          <a:effectRef idx="0">
+            <a:schemeClr val="accent1"/>
+          </a:effectRef>
+          <a:fontRef idx="minor">
+            <a:schemeClr val="lt1"/>
+          </a:fontRef>
+        </p:style>
+        <p:txBody>
+          <a:bodyPr rtlCol="0" anchor="ctr"/>
+          <a:lstStyle/>
+          <a:p>
+            <a:pPr algn="ctr"/>
+            <a:endParaRPr lang="en-US"/>
+          </a:p>
+        </p:txBody>
+      </p:sp>
+      <p:sp>
+        <p:nvSpPr>
+          <p:cNvPr id="64" name="Rectangle: Single Corner Snipped 59">
+            <a:extLst>
+              <a:ext uri="{FF2B5EF4-FFF2-40B4-BE49-F238E27FC236}">
+                <a16:creationId xmlns:a16="http://schemas.microsoft.com/office/drawing/2014/main" id="{0A3F7A1B-3080-4A65-A240-2E1A6EF84567}"/>
+              </a:ext>
+              <a:ext uri="{C183D7F6-B498-43B3-948B-1728B52AA6E4}">
+                <adec:decorative xmlns:adec="http://schemas.microsoft.com/office/drawing/2017/decorative" val="1"/>
+              </a:ext>
+            </a:extLst>
+          </p:cNvPr>
+          <p:cNvSpPr>
+            <a:spLocks noGrp="1" noRot="1" noChangeAspect="1" noMove="1" noResize="1" noEditPoints="1" noAdjustHandles="1" noChangeArrowheads="1" noChangeShapeType="1" noTextEdit="1"/>
+          </p:cNvSpPr>
+          <p:nvPr>
+            <p:extLst>
+              <p:ext uri="{386F3935-93C4-4BCD-93E2-E3B085C9AB24}">
+                <p16:designElem xmlns:p16="http://schemas.microsoft.com/office/powerpoint/2015/main" val="1"/>
+              </p:ext>
+            </p:extLst>
+          </p:nvPr>
+        </p:nvSpPr>
+        <p:spPr>
+          <a:xfrm flipV="1">
+            <a:off x="0" y="-5"/>
+            <a:ext cx="12188952" cy="5571071"/>
+          </a:xfrm>
+          <a:prstGeom prst="snip1Rect">
+            <a:avLst>
+              <a:gd name="adj" fmla="val 0"/>
+            </a:avLst>
+          </a:prstGeom>
+          <a:solidFill>
+            <a:srgbClr val="FFFFFF"/>
+          </a:solidFill>
+          <a:ln>
+            <a:noFill/>
+          </a:ln>
+        </p:spPr>
+        <p:style>
+          <a:lnRef idx="2">
+            <a:schemeClr val="accent1">
+              <a:shade val="50000"/>
+            </a:schemeClr>
+          </a:lnRef>
+          <a:fillRef idx="1">
+            <a:schemeClr val="accent1"/>
+          </a:fillRef>
+          <a:effectRef idx="0">
+            <a:schemeClr val="accent1"/>
+          </a:effectRef>
+          <a:fontRef idx="minor">
+            <a:schemeClr val="lt1"/>
+          </a:fontRef>
+        </p:style>
+        <p:txBody>
+          <a:bodyPr rtlCol="0" anchor="ctr"/>
+          <a:lstStyle/>
+          <a:p>
+            <a:pPr algn="ctr"/>
+            <a:endParaRPr lang="en-US"/>
+          </a:p>
+        </p:txBody>
+      </p:sp>
+      <p:sp>
+        <p:nvSpPr>
+          <p:cNvPr id="5" name="Rectangle 4">
+            <a:extLst>
+              <a:ext uri="{FF2B5EF4-FFF2-40B4-BE49-F238E27FC236}">
+                <a16:creationId xmlns:a16="http://schemas.microsoft.com/office/drawing/2014/main" id="{8EAD88A2-A27E-E0C0-1FC6-2EE68DEE9411}"/>
+              </a:ext>
+            </a:extLst>
+          </p:cNvPr>
+          <p:cNvSpPr/>
+          <p:nvPr/>
+        </p:nvSpPr>
+        <p:spPr>
+          <a:xfrm>
+            <a:off x="9620250" y="643467"/>
+            <a:ext cx="672042" cy="426208"/>
+          </a:xfrm>
+          <a:prstGeom prst="rect">
+            <a:avLst/>
+          </a:prstGeom>
+          <a:ln>
+            <a:noFill/>
+          </a:ln>
+        </p:spPr>
+        <p:style>
+          <a:lnRef idx="2">
+            <a:schemeClr val="accent6"/>
+          </a:lnRef>
+          <a:fillRef idx="1">
+            <a:schemeClr val="lt1"/>
+          </a:fillRef>
+          <a:effectRef idx="0">
+            <a:schemeClr val="accent6"/>
+          </a:effectRef>
+          <a:fontRef idx="minor">
+            <a:schemeClr val="dk1"/>
+          </a:fontRef>
+        </p:style>
+        <p:txBody>
+          <a:bodyPr rtlCol="0" anchor="ctr"/>
+          <a:lstStyle/>
+          <a:p>
+            <a:pPr algn="ctr"/>
+            <a:endParaRPr lang="en-US"/>
+          </a:p>
+        </p:txBody>
+      </p:sp>
+      <p:sp>
+        <p:nvSpPr>
+          <p:cNvPr id="6" name="Rectangle 5">
+            <a:extLst>
+              <a:ext uri="{FF2B5EF4-FFF2-40B4-BE49-F238E27FC236}">
+                <a16:creationId xmlns:a16="http://schemas.microsoft.com/office/drawing/2014/main" id="{08115ECC-5140-EC28-F49E-91289AA669ED}"/>
+              </a:ext>
+            </a:extLst>
+          </p:cNvPr>
+          <p:cNvSpPr/>
+          <p:nvPr/>
+        </p:nvSpPr>
+        <p:spPr>
+          <a:xfrm>
+            <a:off x="2010684" y="5719798"/>
+            <a:ext cx="7279087" cy="795302"/>
+          </a:xfrm>
+          <a:prstGeom prst="rect">
+            <a:avLst/>
+          </a:prstGeom>
+        </p:spPr>
+        <p:txBody>
+          <a:bodyPr vert="horz" lIns="91440" tIns="45720" rIns="91440" bIns="45720" rtlCol="0" anchor="ctr">
+            <a:normAutofit fontScale="77500" lnSpcReduction="20000"/>
+          </a:bodyPr>
+          <a:lstStyle/>
+          <a:p>
+            <a:pPr algn="r">
+              <a:spcBef>
+                <a:spcPct val="0"/>
+              </a:spcBef>
+              <a:spcAft>
+                <a:spcPts val="600"/>
+              </a:spcAft>
+            </a:pPr>
+            <a:r>
+              <a:rPr lang="en-US" sz="3500" b="1" cap="all" dirty="0">
+                <a:ln w="3175" cmpd="sng">
+                  <a:noFill/>
+                </a:ln>
+                <a:latin typeface="+mj-lt"/>
+                <a:ea typeface="+mj-ea"/>
+                <a:cs typeface="+mj-cs"/>
+              </a:rPr>
+              <a:t>Characteristic of cloud computing</a:t>
+            </a:r>
+          </a:p>
+        </p:txBody>
+      </p:sp>
+      <p:sp>
+        <p:nvSpPr>
+          <p:cNvPr id="3" name="TextBox 2">
+            <a:extLst>
+              <a:ext uri="{FF2B5EF4-FFF2-40B4-BE49-F238E27FC236}">
+                <a16:creationId xmlns:a16="http://schemas.microsoft.com/office/drawing/2014/main" id="{061B8D41-A604-B291-6DC5-F5F8BB2EA3CB}"/>
+              </a:ext>
+            </a:extLst>
+          </p:cNvPr>
+          <p:cNvSpPr txBox="1"/>
+          <p:nvPr/>
+        </p:nvSpPr>
+        <p:spPr>
+          <a:xfrm>
+            <a:off x="468384" y="484344"/>
+            <a:ext cx="10982805" cy="4401205"/>
+          </a:xfrm>
+          <a:prstGeom prst="rect">
+            <a:avLst/>
+          </a:prstGeom>
+          <a:noFill/>
+        </p:spPr>
+        <p:txBody>
+          <a:bodyPr wrap="square">
+            <a:spAutoFit/>
+          </a:bodyPr>
+          <a:lstStyle/>
+          <a:p>
+            <a:pPr algn="l">
+              <a:buFont typeface="Arial" panose="020B0604020202020204" pitchFamily="34" charset="0"/>
+              <a:buChar char="•"/>
+            </a:pPr>
+            <a:r>
+              <a:rPr lang="en-US" sz="2800" b="1" i="0" dirty="0">
+                <a:solidFill>
+                  <a:srgbClr val="2A3C42"/>
+                </a:solidFill>
+                <a:effectLst/>
+                <a:latin typeface="-apple-system"/>
+              </a:rPr>
+              <a:t> Resilient computing:</a:t>
+            </a:r>
+            <a:r>
+              <a:rPr lang="en-US" sz="2800" b="0" i="0" dirty="0">
+                <a:solidFill>
+                  <a:srgbClr val="2A3C42"/>
+                </a:solidFill>
+                <a:effectLst/>
+                <a:latin typeface="-apple-system"/>
+              </a:rPr>
+              <a:t> computing services are ensured with high uptime and dependability.</a:t>
+            </a:r>
+          </a:p>
+          <a:p>
+            <a:pPr algn="l"/>
+            <a:endParaRPr lang="en-US" sz="2800" b="0" i="0" dirty="0">
+              <a:solidFill>
+                <a:srgbClr val="2A3C42"/>
+              </a:solidFill>
+              <a:effectLst/>
+              <a:latin typeface="-apple-system"/>
+            </a:endParaRPr>
+          </a:p>
+          <a:p>
+            <a:pPr algn="l">
+              <a:buFont typeface="Arial" panose="020B0604020202020204" pitchFamily="34" charset="0"/>
+              <a:buChar char="•"/>
+            </a:pPr>
+            <a:r>
+              <a:rPr lang="en-US" sz="2800" b="1" i="0" dirty="0">
+                <a:solidFill>
+                  <a:srgbClr val="2A3C42"/>
+                </a:solidFill>
+                <a:effectLst/>
+                <a:latin typeface="-apple-system"/>
+              </a:rPr>
+              <a:t> Flexible pricing structures:</a:t>
+            </a:r>
+            <a:r>
+              <a:rPr lang="en-US" sz="2800" b="0" i="0" dirty="0">
+                <a:solidFill>
+                  <a:srgbClr val="2A3C42"/>
+                </a:solidFill>
+                <a:effectLst/>
+                <a:latin typeface="-apple-system"/>
+              </a:rPr>
+              <a:t> including pay-per-use, subscription-based, and spot pricing. </a:t>
+            </a:r>
+          </a:p>
+          <a:p>
+            <a:pPr algn="l"/>
+            <a:endParaRPr lang="en-US" sz="2800" b="0" i="0" dirty="0">
+              <a:solidFill>
+                <a:srgbClr val="2A3C42"/>
+              </a:solidFill>
+              <a:effectLst/>
+              <a:latin typeface="-apple-system"/>
+            </a:endParaRPr>
+          </a:p>
+          <a:p>
+            <a:pPr algn="l">
+              <a:buFont typeface="Arial" panose="020B0604020202020204" pitchFamily="34" charset="0"/>
+              <a:buChar char="•"/>
+            </a:pPr>
+            <a:r>
+              <a:rPr lang="en-US" sz="2800" b="1" i="0" dirty="0">
+                <a:solidFill>
+                  <a:srgbClr val="2A3C42"/>
+                </a:solidFill>
+                <a:effectLst/>
+                <a:latin typeface="-apple-system"/>
+              </a:rPr>
+              <a:t> Security</a:t>
+            </a:r>
+            <a:r>
+              <a:rPr lang="en-US" sz="2800" b="0" i="0" dirty="0">
+                <a:solidFill>
+                  <a:srgbClr val="2A3C42"/>
+                </a:solidFill>
+                <a:effectLst/>
+                <a:latin typeface="-apple-system"/>
+              </a:rPr>
+              <a:t>: To safeguard the privacy of sensitive data and their users' data.</a:t>
+            </a:r>
+          </a:p>
+          <a:p>
+            <a:pPr algn="l">
+              <a:buFont typeface="Arial" panose="020B0604020202020204" pitchFamily="34" charset="0"/>
+              <a:buChar char="•"/>
+            </a:pPr>
+            <a:endParaRPr lang="en-US" sz="2800" b="0" i="0" dirty="0">
+              <a:solidFill>
+                <a:srgbClr val="2A3C42"/>
+              </a:solidFill>
+              <a:effectLst/>
+              <a:latin typeface="-apple-system"/>
+            </a:endParaRPr>
+          </a:p>
+          <a:p>
+            <a:pPr algn="l">
+              <a:buFont typeface="Arial" panose="020B0604020202020204" pitchFamily="34" charset="0"/>
+              <a:buChar char="•"/>
+            </a:pPr>
+            <a:r>
+              <a:rPr lang="en-US" sz="2800" b="1" i="0" dirty="0">
+                <a:solidFill>
+                  <a:srgbClr val="2A3C42"/>
+                </a:solidFill>
+                <a:effectLst/>
+                <a:latin typeface="-apple-system"/>
+              </a:rPr>
+              <a:t> Automation</a:t>
+            </a:r>
+            <a:r>
+              <a:rPr lang="en-US" sz="2800" b="0" i="0" dirty="0">
+                <a:solidFill>
+                  <a:srgbClr val="2A3C42"/>
+                </a:solidFill>
+                <a:effectLst/>
+                <a:latin typeface="-apple-system"/>
+              </a:rPr>
+              <a:t>: Cloud computing services feature a high level of automation with little to no manual input.</a:t>
+            </a:r>
+          </a:p>
+        </p:txBody>
+      </p:sp>
+    </p:spTree>
+    <p:extLst>
+      <p:ext uri="{BB962C8B-B14F-4D97-AF65-F5344CB8AC3E}">
+        <p14:creationId xmlns:p14="http://schemas.microsoft.com/office/powerpoint/2010/main" val="2735011966"/>
+      </p:ext>
+    </p:extLst>
+  </p:cSld>
+  <p:clrMapOvr>
+    <a:masterClrMapping/>
+  </p:clrMapOvr>
+</p:sld>
+</file>
+
+<file path=ppt/slides/slide32.xml><?xml version="1.0" encoding="utf-8"?>
+<p:sld xmlns:a="http://schemas.openxmlformats.org/drawingml/2006/main" xmlns:r="http://schemas.openxmlformats.org/officeDocument/2006/relationships" xmlns:p="http://schemas.openxmlformats.org/presentationml/2006/main">
+  <p:cSld>
+    <p:bg>
+      <p:bgPr>
+        <a:gradFill rotWithShape="1">
+          <a:gsLst>
+            <a:gs pos="10000">
+              <a:schemeClr val="bg2">
+                <a:tint val="97000"/>
+                <a:hueMod val="92000"/>
+                <a:satMod val="169000"/>
+                <a:lumMod val="164000"/>
+              </a:schemeClr>
+            </a:gs>
+            <a:gs pos="100000">
+              <a:schemeClr val="bg2">
+                <a:shade val="96000"/>
+                <a:satMod val="120000"/>
+                <a:lumMod val="90000"/>
+              </a:schemeClr>
+            </a:gs>
+          </a:gsLst>
+          <a:lin ang="6120000" scaled="1"/>
+        </a:gradFill>
+        <a:effectLst/>
+      </p:bgPr>
+    </p:bg>
+    <p:spTree>
+      <p:nvGrpSpPr>
+        <p:cNvPr id="1" name=""/>
+        <p:cNvGrpSpPr/>
+        <p:nvPr/>
+      </p:nvGrpSpPr>
+      <p:grpSpPr>
+        <a:xfrm>
+          <a:off x="0" y="0"/>
+          <a:ext cx="0" cy="0"/>
+          <a:chOff x="0" y="0"/>
+          <a:chExt cx="0" cy="0"/>
+        </a:xfrm>
+      </p:grpSpPr>
+      <p:sp>
+        <p:nvSpPr>
+          <p:cNvPr id="2" name="Rectangle 1">
+            <a:extLst>
+              <a:ext uri="{FF2B5EF4-FFF2-40B4-BE49-F238E27FC236}">
+                <a16:creationId xmlns:a16="http://schemas.microsoft.com/office/drawing/2014/main" id="{0F257086-70BB-57F4-C06E-42A7296617B8}"/>
+              </a:ext>
+            </a:extLst>
+          </p:cNvPr>
+          <p:cNvSpPr/>
+          <p:nvPr/>
+        </p:nvSpPr>
+        <p:spPr>
+          <a:xfrm>
+            <a:off x="1439110" y="1575553"/>
+            <a:ext cx="7279087" cy="2545080"/>
+          </a:xfrm>
+          <a:prstGeom prst="rect">
+            <a:avLst/>
+          </a:prstGeom>
+        </p:spPr>
+        <p:txBody>
+          <a:bodyPr vert="horz" lIns="91440" tIns="45720" rIns="91440" bIns="45720" rtlCol="0" anchor="ctr">
             <a:normAutofit lnSpcReduction="10000"/>
           </a:bodyPr>
           <a:lstStyle/>
@@ -38971,7 +42760,7 @@
     </p:spTree>
     <p:extLst>
       <p:ext uri="{BB962C8B-B14F-4D97-AF65-F5344CB8AC3E}">
-        <p14:creationId xmlns:p14="http://schemas.microsoft.com/office/powerpoint/2010/main" val="623772345"/>
+        <p14:creationId xmlns:p14="http://schemas.microsoft.com/office/powerpoint/2010/main" val="388793039"/>
       </p:ext>
     </p:extLst>
   </p:cSld>
@@ -38981,7 +42770,7 @@
 </p:sld>
 </file>
 
-<file path=ppt/slides/slide27.xml><?xml version="1.0" encoding="utf-8"?>
+<file path=ppt/slides/slide33.xml><?xml version="1.0" encoding="utf-8"?>
 <p:sld xmlns:a="http://schemas.openxmlformats.org/drawingml/2006/main" xmlns:r="http://schemas.openxmlformats.org/officeDocument/2006/relationships" xmlns:p="http://schemas.openxmlformats.org/presentationml/2006/main">
   <p:cSld>
     <p:bg>
@@ -39521,243 +43310,6 @@
     <p:extLst>
       <p:ext uri="{BB962C8B-B14F-4D97-AF65-F5344CB8AC3E}">
         <p14:creationId xmlns:p14="http://schemas.microsoft.com/office/powerpoint/2010/main" val="1091218666"/>
-      </p:ext>
-    </p:extLst>
-  </p:cSld>
-  <p:clrMapOvr>
-    <a:masterClrMapping/>
-  </p:clrMapOvr>
-</p:sld>
-</file>
-
-<file path=ppt/slides/slide3.xml><?xml version="1.0" encoding="utf-8"?>
-<p:sld xmlns:a="http://schemas.openxmlformats.org/drawingml/2006/main" xmlns:r="http://schemas.openxmlformats.org/officeDocument/2006/relationships" xmlns:p="http://schemas.openxmlformats.org/presentationml/2006/main">
-  <p:cSld>
-    <p:bg>
-      <p:bgPr>
-        <a:gradFill rotWithShape="1">
-          <a:gsLst>
-            <a:gs pos="10000">
-              <a:schemeClr val="bg2">
-                <a:tint val="97000"/>
-                <a:hueMod val="92000"/>
-                <a:satMod val="169000"/>
-                <a:lumMod val="164000"/>
-              </a:schemeClr>
-            </a:gs>
-            <a:gs pos="100000">
-              <a:schemeClr val="bg2">
-                <a:shade val="96000"/>
-                <a:satMod val="120000"/>
-                <a:lumMod val="90000"/>
-              </a:schemeClr>
-            </a:gs>
-          </a:gsLst>
-          <a:lin ang="6120000" scaled="1"/>
-        </a:gradFill>
-        <a:effectLst/>
-      </p:bgPr>
-    </p:bg>
-    <p:spTree>
-      <p:nvGrpSpPr>
-        <p:cNvPr id="1" name=""/>
-        <p:cNvGrpSpPr/>
-        <p:nvPr/>
-      </p:nvGrpSpPr>
-      <p:grpSpPr>
-        <a:xfrm>
-          <a:off x="0" y="0"/>
-          <a:ext cx="0" cy="0"/>
-          <a:chOff x="0" y="0"/>
-          <a:chExt cx="0" cy="0"/>
-        </a:xfrm>
-      </p:grpSpPr>
-      <p:sp>
-        <p:nvSpPr>
-          <p:cNvPr id="8" name="Rectangle 10">
-            <a:extLst>
-              <a:ext uri="{FF2B5EF4-FFF2-40B4-BE49-F238E27FC236}">
-                <a16:creationId xmlns:a16="http://schemas.microsoft.com/office/drawing/2014/main" id="{F4E5D790-EF7E-4E52-B208-793079B497B6}"/>
-              </a:ext>
-              <a:ext uri="{C183D7F6-B498-43B3-948B-1728B52AA6E4}">
-                <adec:decorative xmlns:adec="http://schemas.microsoft.com/office/drawing/2017/decorative" val="1"/>
-              </a:ext>
-            </a:extLst>
-          </p:cNvPr>
-          <p:cNvSpPr>
-            <a:spLocks noGrp="1" noRot="1" noChangeAspect="1" noMove="1" noResize="1" noEditPoints="1" noAdjustHandles="1" noChangeArrowheads="1" noChangeShapeType="1" noTextEdit="1"/>
-          </p:cNvSpPr>
-          <p:nvPr>
-            <p:extLst>
-              <p:ext uri="{386F3935-93C4-4BCD-93E2-E3B085C9AB24}">
-                <p16:designElem xmlns:p16="http://schemas.microsoft.com/office/powerpoint/2015/main" val="1"/>
-              </p:ext>
-            </p:extLst>
-          </p:nvPr>
-        </p:nvSpPr>
-        <p:spPr>
-          <a:xfrm>
-            <a:off x="925" y="2"/>
-            <a:ext cx="12192000" cy="6858000"/>
-          </a:xfrm>
-          <a:prstGeom prst="rect">
-            <a:avLst/>
-          </a:prstGeom>
-          <a:solidFill>
-            <a:schemeClr val="bg2">
-              <a:alpha val="60000"/>
-            </a:schemeClr>
-          </a:solidFill>
-          <a:ln>
-            <a:noFill/>
-          </a:ln>
-        </p:spPr>
-        <p:style>
-          <a:lnRef idx="2">
-            <a:schemeClr val="accent1">
-              <a:shade val="50000"/>
-            </a:schemeClr>
-          </a:lnRef>
-          <a:fillRef idx="1003">
-            <a:schemeClr val="dk2"/>
-          </a:fillRef>
-          <a:effectRef idx="0">
-            <a:schemeClr val="accent1"/>
-          </a:effectRef>
-          <a:fontRef idx="minor">
-            <a:schemeClr val="lt1"/>
-          </a:fontRef>
-        </p:style>
-        <p:txBody>
-          <a:bodyPr rtlCol="0" anchor="ctr"/>
-          <a:lstStyle/>
-          <a:p>
-            <a:pPr algn="ctr"/>
-            <a:endParaRPr lang="en-US"/>
-          </a:p>
-        </p:txBody>
-      </p:sp>
-      <p:sp useBgFill="1">
-        <p:nvSpPr>
-          <p:cNvPr id="9" name="Snip Diagonal Corner Rectangle 6">
-            <a:extLst>
-              <a:ext uri="{FF2B5EF4-FFF2-40B4-BE49-F238E27FC236}">
-                <a16:creationId xmlns:a16="http://schemas.microsoft.com/office/drawing/2014/main" id="{479F3ED9-A242-463F-84AE-C4B05016BD36}"/>
-              </a:ext>
-              <a:ext uri="{C183D7F6-B498-43B3-948B-1728B52AA6E4}">
-                <adec:decorative xmlns:adec="http://schemas.microsoft.com/office/drawing/2017/decorative" val="1"/>
-              </a:ext>
-            </a:extLst>
-          </p:cNvPr>
-          <p:cNvSpPr>
-            <a:spLocks noGrp="1" noRot="1" noChangeAspect="1" noMove="1" noResize="1" noEditPoints="1" noAdjustHandles="1" noChangeArrowheads="1" noChangeShapeType="1" noTextEdit="1"/>
-          </p:cNvSpPr>
-          <p:nvPr>
-            <p:extLst>
-              <p:ext uri="{386F3935-93C4-4BCD-93E2-E3B085C9AB24}">
-                <p16:designElem xmlns:p16="http://schemas.microsoft.com/office/powerpoint/2015/main" val="1"/>
-              </p:ext>
-            </p:extLst>
-          </p:nvPr>
-        </p:nvSpPr>
-        <p:spPr>
-          <a:xfrm flipH="1">
-            <a:off x="925" y="2"/>
-            <a:ext cx="12191075" cy="6857998"/>
-          </a:xfrm>
-          <a:prstGeom prst="snip2DiagRect">
-            <a:avLst>
-              <a:gd name="adj1" fmla="val 0"/>
-              <a:gd name="adj2" fmla="val 37605"/>
-            </a:avLst>
-          </a:prstGeom>
-          <a:ln>
-            <a:noFill/>
-          </a:ln>
-          <a:effectLst/>
-        </p:spPr>
-        <p:style>
-          <a:lnRef idx="2">
-            <a:schemeClr val="accent1">
-              <a:shade val="50000"/>
-            </a:schemeClr>
-          </a:lnRef>
-          <a:fillRef idx="1003">
-            <a:schemeClr val="dk2"/>
-          </a:fillRef>
-          <a:effectRef idx="0">
-            <a:schemeClr val="accent1"/>
-          </a:effectRef>
-          <a:fontRef idx="minor">
-            <a:schemeClr val="lt1"/>
-          </a:fontRef>
-        </p:style>
-        <p:txBody>
-          <a:bodyPr wrap="square" rtlCol="0" anchor="ctr">
-            <a:noAutofit/>
-          </a:bodyPr>
-          <a:lstStyle/>
-          <a:p>
-            <a:pPr algn="ctr"/>
-            <a:endParaRPr lang="en-US"/>
-          </a:p>
-        </p:txBody>
-      </p:sp>
-      <p:sp>
-        <p:nvSpPr>
-          <p:cNvPr id="5" name="Rectangle 4"/>
-          <p:cNvSpPr/>
-          <p:nvPr/>
-        </p:nvSpPr>
-        <p:spPr>
-          <a:xfrm>
-            <a:off x="3109549" y="2141003"/>
-            <a:ext cx="8534400" cy="1507067"/>
-          </a:xfrm>
-          <a:prstGeom prst="rect">
-            <a:avLst/>
-          </a:prstGeom>
-        </p:spPr>
-        <p:txBody>
-          <a:bodyPr vert="horz" lIns="91440" tIns="45720" rIns="91440" bIns="45720" rtlCol="0" anchor="ctr">
-            <a:normAutofit/>
-          </a:bodyPr>
-          <a:lstStyle/>
-          <a:p>
-            <a:pPr>
-              <a:spcBef>
-                <a:spcPct val="0"/>
-              </a:spcBef>
-              <a:spcAft>
-                <a:spcPts val="600"/>
-              </a:spcAft>
-            </a:pPr>
-            <a:r>
-              <a:rPr lang="en-US" sz="3600" b="1" cap="all" dirty="0">
-                <a:ln w="3175" cmpd="sng">
-                  <a:noFill/>
-                </a:ln>
-                <a:latin typeface="+mj-lt"/>
-                <a:ea typeface="+mj-ea"/>
-                <a:cs typeface="+mj-cs"/>
-              </a:rPr>
-              <a:t>What is Data Science ?</a:t>
-            </a:r>
-            <a:endParaRPr lang="en-US" sz="3600" cap="all" dirty="0">
-              <a:ln w="3175" cmpd="sng">
-                <a:noFill/>
-              </a:ln>
-              <a:latin typeface="+mj-lt"/>
-              <a:ea typeface="+mj-ea"/>
-              <a:cs typeface="+mj-cs"/>
-            </a:endParaRPr>
-          </a:p>
-        </p:txBody>
-      </p:sp>
-    </p:spTree>
-    <p:extLst>
-      <p:ext uri="{BB962C8B-B14F-4D97-AF65-F5344CB8AC3E}">
-        <p14:creationId xmlns:p14="http://schemas.microsoft.com/office/powerpoint/2010/main" val="2193121237"/>
       </p:ext>
     </p:extLst>
   </p:cSld>

--- a/w01/What-is-data-sience.pptx
+++ b/w01/What-is-data-sience.pptx
@@ -167,7 +167,7 @@
 <file path=ppt/revisionInfo.xml><?xml version="1.0" encoding="utf-8"?>
 <p1510:revInfo xmlns:a="http://schemas.openxmlformats.org/drawingml/2006/main" xmlns:r="http://schemas.openxmlformats.org/officeDocument/2006/relationships" xmlns:p1510="http://schemas.microsoft.com/office/powerpoint/2015/10/main">
   <p1510:revLst>
-    <p1510:client id="{2879BACB-7DCC-4FB8-97C6-DA81D2D61B05}" v="1615" dt="2023-07-01T18:11:06.817"/>
+    <p1510:client id="{2879BACB-7DCC-4FB8-97C6-DA81D2D61B05}" v="1799" dt="2023-07-09T01:51:15.555"/>
   </p1510:revLst>
 </p1510:revInfo>
 </file>
@@ -177,7 +177,7 @@
   <pc:docChgLst>
     <pc:chgData name="Peng, Cheng" userId="c8d19071-f396-4c12-bc1e-cc4bb8705334" providerId="ADAL" clId="{2879BACB-7DCC-4FB8-97C6-DA81D2D61B05}"/>
     <pc:docChg chg="undo redo custSel addSld delSld modSld sldOrd modMainMaster modNotesMaster">
-      <pc:chgData name="Peng, Cheng" userId="c8d19071-f396-4c12-bc1e-cc4bb8705334" providerId="ADAL" clId="{2879BACB-7DCC-4FB8-97C6-DA81D2D61B05}" dt="2023-07-01T18:24:55.958" v="10434" actId="1076"/>
+      <pc:chgData name="Peng, Cheng" userId="c8d19071-f396-4c12-bc1e-cc4bb8705334" providerId="ADAL" clId="{2879BACB-7DCC-4FB8-97C6-DA81D2D61B05}" dt="2023-07-09T01:51:15.555" v="10632"/>
       <pc:docMkLst>
         <pc:docMk/>
       </pc:docMkLst>
@@ -1274,7 +1274,7 @@
         </pc:cxnChg>
       </pc:sldChg>
       <pc:sldChg chg="addSp delSp modSp mod setBg delDesignElem">
-        <pc:chgData name="Peng, Cheng" userId="c8d19071-f396-4c12-bc1e-cc4bb8705334" providerId="ADAL" clId="{2879BACB-7DCC-4FB8-97C6-DA81D2D61B05}" dt="2023-06-23T12:51:14.177" v="762" actId="1076"/>
+        <pc:chgData name="Peng, Cheng" userId="c8d19071-f396-4c12-bc1e-cc4bb8705334" providerId="ADAL" clId="{2879BACB-7DCC-4FB8-97C6-DA81D2D61B05}" dt="2023-07-09T01:48:01.130" v="10447"/>
         <pc:sldMkLst>
           <pc:docMk/>
           <pc:sldMk cId="0" sldId="260"/>
@@ -1288,7 +1288,7 @@
           </ac:spMkLst>
         </pc:spChg>
         <pc:spChg chg="mod">
-          <ac:chgData name="Peng, Cheng" userId="c8d19071-f396-4c12-bc1e-cc4bb8705334" providerId="ADAL" clId="{2879BACB-7DCC-4FB8-97C6-DA81D2D61B05}" dt="2023-06-23T12:51:09.653" v="761" actId="14100"/>
+          <ac:chgData name="Peng, Cheng" userId="c8d19071-f396-4c12-bc1e-cc4bb8705334" providerId="ADAL" clId="{2879BACB-7DCC-4FB8-97C6-DA81D2D61B05}" dt="2023-07-09T01:47:54.113" v="10446" actId="207"/>
           <ac:spMkLst>
             <pc:docMk/>
             <pc:sldMk cId="0" sldId="260"/>
@@ -3535,13 +3535,13 @@
         </pc:cxnChg>
       </pc:sldChg>
       <pc:sldChg chg="addSp delSp modSp mod setBg delDesignElem">
-        <pc:chgData name="Peng, Cheng" userId="c8d19071-f396-4c12-bc1e-cc4bb8705334" providerId="ADAL" clId="{2879BACB-7DCC-4FB8-97C6-DA81D2D61B05}" dt="2023-06-23T12:50:13.266" v="755" actId="20577"/>
+        <pc:chgData name="Peng, Cheng" userId="c8d19071-f396-4c12-bc1e-cc4bb8705334" providerId="ADAL" clId="{2879BACB-7DCC-4FB8-97C6-DA81D2D61B05}" dt="2023-07-09T01:47:02.504" v="10445" actId="20577"/>
         <pc:sldMkLst>
           <pc:docMk/>
           <pc:sldMk cId="0" sldId="283"/>
         </pc:sldMkLst>
         <pc:spChg chg="mod ord">
-          <ac:chgData name="Peng, Cheng" userId="c8d19071-f396-4c12-bc1e-cc4bb8705334" providerId="ADAL" clId="{2879BACB-7DCC-4FB8-97C6-DA81D2D61B05}" dt="2023-06-23T12:50:13.266" v="755" actId="20577"/>
+          <ac:chgData name="Peng, Cheng" userId="c8d19071-f396-4c12-bc1e-cc4bb8705334" providerId="ADAL" clId="{2879BACB-7DCC-4FB8-97C6-DA81D2D61B05}" dt="2023-07-09T01:47:02.504" v="10445" actId="20577"/>
           <ac:spMkLst>
             <pc:docMk/>
             <pc:sldMk cId="0" sldId="283"/>
@@ -3549,7 +3549,7 @@
           </ac:spMkLst>
         </pc:spChg>
         <pc:spChg chg="mod">
-          <ac:chgData name="Peng, Cheng" userId="c8d19071-f396-4c12-bc1e-cc4bb8705334" providerId="ADAL" clId="{2879BACB-7DCC-4FB8-97C6-DA81D2D61B05}" dt="2023-06-23T12:49:52.875" v="748" actId="255"/>
+          <ac:chgData name="Peng, Cheng" userId="c8d19071-f396-4c12-bc1e-cc4bb8705334" providerId="ADAL" clId="{2879BACB-7DCC-4FB8-97C6-DA81D2D61B05}" dt="2023-07-09T01:46:22.082" v="10438" actId="5793"/>
           <ac:spMkLst>
             <pc:docMk/>
             <pc:sldMk cId="0" sldId="283"/>
@@ -3557,7 +3557,7 @@
           </ac:spMkLst>
         </pc:spChg>
         <pc:spChg chg="mod">
-          <ac:chgData name="Peng, Cheng" userId="c8d19071-f396-4c12-bc1e-cc4bb8705334" providerId="ADAL" clId="{2879BACB-7DCC-4FB8-97C6-DA81D2D61B05}" dt="2023-06-23T12:50:00.443" v="749" actId="1076"/>
+          <ac:chgData name="Peng, Cheng" userId="c8d19071-f396-4c12-bc1e-cc4bb8705334" providerId="ADAL" clId="{2879BACB-7DCC-4FB8-97C6-DA81D2D61B05}" dt="2023-07-09T01:46:40.558" v="10440" actId="207"/>
           <ac:spMkLst>
             <pc:docMk/>
             <pc:sldMk cId="0" sldId="283"/>
@@ -3596,8 +3596,8 @@
             <ac:grpSpMk id="14" creationId="{0EC92BD4-3684-4A4A-84FF-704DCA7A3E0C}"/>
           </ac:grpSpMkLst>
         </pc:grpChg>
-        <pc:picChg chg="add">
-          <ac:chgData name="Peng, Cheng" userId="c8d19071-f396-4c12-bc1e-cc4bb8705334" providerId="ADAL" clId="{2879BACB-7DCC-4FB8-97C6-DA81D2D61B05}" dt="2023-06-23T12:49:08.857" v="742" actId="26606"/>
+        <pc:picChg chg="add mod">
+          <ac:chgData name="Peng, Cheng" userId="c8d19071-f396-4c12-bc1e-cc4bb8705334" providerId="ADAL" clId="{2879BACB-7DCC-4FB8-97C6-DA81D2D61B05}" dt="2023-07-09T01:46:24.632" v="10439" actId="1076"/>
           <ac:picMkLst>
             <pc:docMk/>
             <pc:sldMk cId="0" sldId="283"/>
@@ -5328,7 +5328,7 @@
         </pc:cxnChg>
       </pc:sldChg>
       <pc:sldChg chg="addSp delSp modSp add mod ord setBg setClrOvrMap delDesignElem">
-        <pc:chgData name="Peng, Cheng" userId="c8d19071-f396-4c12-bc1e-cc4bb8705334" providerId="ADAL" clId="{2879BACB-7DCC-4FB8-97C6-DA81D2D61B05}" dt="2023-06-23T20:40:45.731" v="2580" actId="255"/>
+        <pc:chgData name="Peng, Cheng" userId="c8d19071-f396-4c12-bc1e-cc4bb8705334" providerId="ADAL" clId="{2879BACB-7DCC-4FB8-97C6-DA81D2D61B05}" dt="2023-07-09T01:48:31.420" v="10480"/>
         <pc:sldMkLst>
           <pc:docMk/>
           <pc:sldMk cId="1330180054" sldId="320"/>
@@ -5471,7 +5471,7 @@
         </pc:picChg>
       </pc:sldChg>
       <pc:sldChg chg="addSp delSp modSp add mod setBg delDesignElem">
-        <pc:chgData name="Peng, Cheng" userId="c8d19071-f396-4c12-bc1e-cc4bb8705334" providerId="ADAL" clId="{2879BACB-7DCC-4FB8-97C6-DA81D2D61B05}" dt="2023-06-23T20:38:29.494" v="2547"/>
+        <pc:chgData name="Peng, Cheng" userId="c8d19071-f396-4c12-bc1e-cc4bb8705334" providerId="ADAL" clId="{2879BACB-7DCC-4FB8-97C6-DA81D2D61B05}" dt="2023-07-09T01:45:19.619" v="10435"/>
         <pc:sldMkLst>
           <pc:docMk/>
           <pc:sldMk cId="3081123894" sldId="321"/>
@@ -5662,7 +5662,7 @@
         </pc:picChg>
       </pc:sldChg>
       <pc:sldChg chg="addSp delSp modSp add mod ord setBg setClrOvrMap delDesignElem">
-        <pc:chgData name="Peng, Cheng" userId="c8d19071-f396-4c12-bc1e-cc4bb8705334" providerId="ADAL" clId="{2879BACB-7DCC-4FB8-97C6-DA81D2D61B05}" dt="2023-06-23T20:38:51.588" v="2548"/>
+        <pc:chgData name="Peng, Cheng" userId="c8d19071-f396-4c12-bc1e-cc4bb8705334" providerId="ADAL" clId="{2879BACB-7DCC-4FB8-97C6-DA81D2D61B05}" dt="2023-07-09T01:48:42.092" v="10482"/>
         <pc:sldMkLst>
           <pc:docMk/>
           <pc:sldMk cId="1306674160" sldId="322"/>
@@ -6679,8 +6679,8 @@
           </ac:picMkLst>
         </pc:picChg>
       </pc:sldChg>
-      <pc:sldChg chg="add">
-        <pc:chgData name="Peng, Cheng" userId="c8d19071-f396-4c12-bc1e-cc4bb8705334" providerId="ADAL" clId="{2879BACB-7DCC-4FB8-97C6-DA81D2D61B05}" dt="2023-06-24T02:40:46.906" v="5054" actId="2890"/>
+      <pc:sldChg chg="add setBg">
+        <pc:chgData name="Peng, Cheng" userId="c8d19071-f396-4c12-bc1e-cc4bb8705334" providerId="ADAL" clId="{2879BACB-7DCC-4FB8-97C6-DA81D2D61B05}" dt="2023-07-09T01:48:50.892" v="10483"/>
         <pc:sldMkLst>
           <pc:docMk/>
           <pc:sldMk cId="3983152132" sldId="328"/>
@@ -8426,12 +8426,20 @@
           </ac:picMkLst>
         </pc:picChg>
       </pc:sldChg>
-      <pc:sldChg chg="add">
-        <pc:chgData name="Peng, Cheng" userId="c8d19071-f396-4c12-bc1e-cc4bb8705334" providerId="ADAL" clId="{2879BACB-7DCC-4FB8-97C6-DA81D2D61B05}" dt="2023-07-01T17:33:20.146" v="9789" actId="2890"/>
+      <pc:sldChg chg="modSp add mod setBg">
+        <pc:chgData name="Peng, Cheng" userId="c8d19071-f396-4c12-bc1e-cc4bb8705334" providerId="ADAL" clId="{2879BACB-7DCC-4FB8-97C6-DA81D2D61B05}" dt="2023-07-09T01:49:59.837" v="10488"/>
         <pc:sldMkLst>
           <pc:docMk/>
           <pc:sldMk cId="388793039" sldId="341"/>
         </pc:sldMkLst>
+        <pc:spChg chg="mod">
+          <ac:chgData name="Peng, Cheng" userId="c8d19071-f396-4c12-bc1e-cc4bb8705334" providerId="ADAL" clId="{2879BACB-7DCC-4FB8-97C6-DA81D2D61B05}" dt="2023-07-09T01:49:51.990" v="10487" actId="20577"/>
+          <ac:spMkLst>
+            <pc:docMk/>
+            <pc:sldMk cId="388793039" sldId="341"/>
+            <ac:spMk id="2" creationId="{0F257086-70BB-57F4-C06E-42A7296617B8}"/>
+          </ac:spMkLst>
+        </pc:spChg>
       </pc:sldChg>
       <pc:sldChg chg="addSp delSp modSp add mod">
         <pc:chgData name="Peng, Cheng" userId="c8d19071-f396-4c12-bc1e-cc4bb8705334" providerId="ADAL" clId="{2879BACB-7DCC-4FB8-97C6-DA81D2D61B05}" dt="2023-07-01T17:36:05.566" v="9834" actId="26606"/>
@@ -8481,7 +8489,7 @@
         </pc:picChg>
       </pc:sldChg>
       <pc:sldChg chg="addSp delSp modSp add mod setBg">
-        <pc:chgData name="Peng, Cheng" userId="c8d19071-f396-4c12-bc1e-cc4bb8705334" providerId="ADAL" clId="{2879BACB-7DCC-4FB8-97C6-DA81D2D61B05}" dt="2023-07-01T17:40:22.606" v="10274" actId="26606"/>
+        <pc:chgData name="Peng, Cheng" userId="c8d19071-f396-4c12-bc1e-cc4bb8705334" providerId="ADAL" clId="{2879BACB-7DCC-4FB8-97C6-DA81D2D61B05}" dt="2023-07-09T01:51:15.555" v="10632"/>
         <pc:sldMkLst>
           <pc:docMk/>
           <pc:sldMk cId="166432473" sldId="343"/>
@@ -22820,7 +22828,7 @@
           <a:p>
             <a:fld id="{8FF717A4-A64C-4B2F-94FC-E411DD3989B7}" type="datetimeFigureOut">
               <a:rPr lang="en-US" smtClean="0"/>
-              <a:t>7/1/2023</a:t>
+              <a:t>7/8/2023</a:t>
             </a:fld>
             <a:endParaRPr lang="en-US" dirty="0"/>
           </a:p>
@@ -22997,7 +23005,7 @@
           <a:p>
             <a:fld id="{B5DAC400-AA97-41BA-93AB-78161B3C4165}" type="datetimeFigureOut">
               <a:rPr lang="en-US" smtClean="0"/>
-              <a:t>7/1/2023</a:t>
+              <a:t>7/8/2023</a:t>
             </a:fld>
             <a:endParaRPr lang="en-US" dirty="0"/>
           </a:p>
@@ -23453,7 +23461,7 @@
             <a:fld id="{2735CD1C-7CB8-4151-8DEA-7856EE0CC42C}" type="datetimeFigureOut">
               <a:rPr lang="en-US" smtClean="0"/>
               <a:pPr/>
-              <a:t>7/1/2023</a:t>
+              <a:t>7/8/2023</a:t>
             </a:fld>
             <a:endParaRPr lang="en-US" dirty="0"/>
           </a:p>
@@ -23891,7 +23899,7 @@
             <a:fld id="{2735CD1C-7CB8-4151-8DEA-7856EE0CC42C}" type="datetimeFigureOut">
               <a:rPr lang="en-US" smtClean="0"/>
               <a:pPr/>
-              <a:t>7/1/2023</a:t>
+              <a:t>7/8/2023</a:t>
             </a:fld>
             <a:endParaRPr lang="en-US" dirty="0"/>
           </a:p>
@@ -24143,7 +24151,7 @@
             <a:fld id="{2735CD1C-7CB8-4151-8DEA-7856EE0CC42C}" type="datetimeFigureOut">
               <a:rPr lang="en-US" smtClean="0"/>
               <a:pPr/>
-              <a:t>7/1/2023</a:t>
+              <a:t>7/8/2023</a:t>
             </a:fld>
             <a:endParaRPr lang="en-US" dirty="0"/>
           </a:p>
@@ -24453,7 +24461,7 @@
             <a:fld id="{2735CD1C-7CB8-4151-8DEA-7856EE0CC42C}" type="datetimeFigureOut">
               <a:rPr lang="en-US" smtClean="0"/>
               <a:pPr/>
-              <a:t>7/1/2023</a:t>
+              <a:t>7/8/2023</a:t>
             </a:fld>
             <a:endParaRPr lang="en-US" dirty="0"/>
           </a:p>
@@ -24773,7 +24781,7 @@
             <a:fld id="{2735CD1C-7CB8-4151-8DEA-7856EE0CC42C}" type="datetimeFigureOut">
               <a:rPr lang="en-US" smtClean="0"/>
               <a:pPr/>
-              <a:t>7/1/2023</a:t>
+              <a:t>7/8/2023</a:t>
             </a:fld>
             <a:endParaRPr lang="en-US" dirty="0"/>
           </a:p>
@@ -25077,7 +25085,7 @@
             <a:fld id="{2735CD1C-7CB8-4151-8DEA-7856EE0CC42C}" type="datetimeFigureOut">
               <a:rPr lang="en-US" smtClean="0"/>
               <a:pPr/>
-              <a:t>7/1/2023</a:t>
+              <a:t>7/8/2023</a:t>
             </a:fld>
             <a:endParaRPr lang="en-US" dirty="0"/>
           </a:p>
@@ -25446,7 +25454,7 @@
             <a:fld id="{2735CD1C-7CB8-4151-8DEA-7856EE0CC42C}" type="datetimeFigureOut">
               <a:rPr lang="en-US" smtClean="0"/>
               <a:pPr/>
-              <a:t>7/1/2023</a:t>
+              <a:t>7/8/2023</a:t>
             </a:fld>
             <a:endParaRPr lang="en-US" dirty="0"/>
           </a:p>
@@ -25622,7 +25630,7 @@
             <a:fld id="{2735CD1C-7CB8-4151-8DEA-7856EE0CC42C}" type="datetimeFigureOut">
               <a:rPr lang="en-US" smtClean="0"/>
               <a:pPr/>
-              <a:t>7/1/2023</a:t>
+              <a:t>7/8/2023</a:t>
             </a:fld>
             <a:endParaRPr lang="en-US" dirty="0"/>
           </a:p>
@@ -25804,7 +25812,7 @@
             <a:fld id="{2735CD1C-7CB8-4151-8DEA-7856EE0CC42C}" type="datetimeFigureOut">
               <a:rPr lang="en-US" smtClean="0"/>
               <a:pPr/>
-              <a:t>7/1/2023</a:t>
+              <a:t>7/8/2023</a:t>
             </a:fld>
             <a:endParaRPr lang="en-US" dirty="0"/>
           </a:p>
@@ -25976,7 +25984,7 @@
             <a:fld id="{2735CD1C-7CB8-4151-8DEA-7856EE0CC42C}" type="datetimeFigureOut">
               <a:rPr lang="en-US" smtClean="0"/>
               <a:pPr/>
-              <a:t>7/1/2023</a:t>
+              <a:t>7/8/2023</a:t>
             </a:fld>
             <a:endParaRPr lang="en-US" dirty="0"/>
           </a:p>
@@ -26228,7 +26236,7 @@
             <a:fld id="{2735CD1C-7CB8-4151-8DEA-7856EE0CC42C}" type="datetimeFigureOut">
               <a:rPr lang="en-US" smtClean="0"/>
               <a:pPr/>
-              <a:t>7/1/2023</a:t>
+              <a:t>7/8/2023</a:t>
             </a:fld>
             <a:endParaRPr lang="en-US" dirty="0"/>
           </a:p>
@@ -26466,7 +26474,7 @@
             <a:fld id="{2735CD1C-7CB8-4151-8DEA-7856EE0CC42C}" type="datetimeFigureOut">
               <a:rPr lang="en-US" smtClean="0"/>
               <a:pPr/>
-              <a:t>7/1/2023</a:t>
+              <a:t>7/8/2023</a:t>
             </a:fld>
             <a:endParaRPr lang="en-US" dirty="0"/>
           </a:p>
@@ -26850,7 +26858,7 @@
             <a:fld id="{2735CD1C-7CB8-4151-8DEA-7856EE0CC42C}" type="datetimeFigureOut">
               <a:rPr lang="en-US" smtClean="0"/>
               <a:pPr/>
-              <a:t>7/1/2023</a:t>
+              <a:t>7/8/2023</a:t>
             </a:fld>
             <a:endParaRPr lang="en-US" dirty="0"/>
           </a:p>
@@ -26970,7 +26978,7 @@
             <a:fld id="{2735CD1C-7CB8-4151-8DEA-7856EE0CC42C}" type="datetimeFigureOut">
               <a:rPr lang="en-US" smtClean="0"/>
               <a:pPr/>
-              <a:t>7/1/2023</a:t>
+              <a:t>7/8/2023</a:t>
             </a:fld>
             <a:endParaRPr lang="en-US" dirty="0"/>
           </a:p>
@@ -27067,7 +27075,7 @@
             <a:fld id="{2735CD1C-7CB8-4151-8DEA-7856EE0CC42C}" type="datetimeFigureOut">
               <a:rPr lang="en-US" smtClean="0"/>
               <a:pPr/>
-              <a:t>7/1/2023</a:t>
+              <a:t>7/8/2023</a:t>
             </a:fld>
             <a:endParaRPr lang="en-US" dirty="0"/>
           </a:p>
@@ -27324,7 +27332,7 @@
             <a:fld id="{2735CD1C-7CB8-4151-8DEA-7856EE0CC42C}" type="datetimeFigureOut">
               <a:rPr lang="en-US" smtClean="0"/>
               <a:pPr/>
-              <a:t>7/1/2023</a:t>
+              <a:t>7/8/2023</a:t>
             </a:fld>
             <a:endParaRPr lang="en-US" dirty="0"/>
           </a:p>
@@ -27609,7 +27617,7 @@
             <a:fld id="{2735CD1C-7CB8-4151-8DEA-7856EE0CC42C}" type="datetimeFigureOut">
               <a:rPr lang="en-US" smtClean="0"/>
               <a:pPr/>
-              <a:t>7/1/2023</a:t>
+              <a:t>7/8/2023</a:t>
             </a:fld>
             <a:endParaRPr lang="en-US" dirty="0"/>
           </a:p>
@@ -28017,7 +28025,7 @@
             <a:fld id="{2735CD1C-7CB8-4151-8DEA-7856EE0CC42C}" type="datetimeFigureOut">
               <a:rPr lang="en-US" smtClean="0"/>
               <a:pPr/>
-              <a:t>7/1/2023</a:t>
+              <a:t>7/8/2023</a:t>
             </a:fld>
             <a:endParaRPr lang="en-US" dirty="0"/>
           </a:p>
@@ -29231,7 +29239,7 @@
     <p:bg>
       <p:bgPr>
         <a:solidFill>
-          <a:schemeClr val="tx2"/>
+          <a:schemeClr val="bg2"/>
         </a:solidFill>
         <a:effectLst/>
       </p:bgPr>
@@ -39799,26 +39807,11 @@
   <p:cSld>
     <p:bg>
       <p:bgPr>
-        <a:gradFill rotWithShape="1">
-          <a:gsLst>
-            <a:gs pos="10000">
-              <a:schemeClr val="bg2">
-                <a:tint val="97000"/>
-                <a:hueMod val="92000"/>
-                <a:satMod val="169000"/>
-                <a:lumMod val="164000"/>
-              </a:schemeClr>
-            </a:gs>
-            <a:gs pos="100000">
-              <a:schemeClr val="bg2">
-                <a:shade val="96000"/>
-                <a:satMod val="120000"/>
-                <a:lumMod val="90000"/>
-              </a:schemeClr>
-            </a:gs>
-          </a:gsLst>
-          <a:lin ang="6120000" scaled="1"/>
-        </a:gradFill>
+        <a:solidFill>
+          <a:schemeClr val="accent1">
+            <a:alpha val="38000"/>
+          </a:schemeClr>
+        </a:solidFill>
         <a:effectLst/>
       </p:bgPr>
     </p:bg>
@@ -42621,26 +42614,9 @@
   <p:cSld>
     <p:bg>
       <p:bgPr>
-        <a:gradFill rotWithShape="1">
-          <a:gsLst>
-            <a:gs pos="10000">
-              <a:schemeClr val="bg2">
-                <a:tint val="97000"/>
-                <a:hueMod val="92000"/>
-                <a:satMod val="169000"/>
-                <a:lumMod val="164000"/>
-              </a:schemeClr>
-            </a:gs>
-            <a:gs pos="100000">
-              <a:schemeClr val="bg2">
-                <a:shade val="96000"/>
-                <a:satMod val="120000"/>
-                <a:lumMod val="90000"/>
-              </a:schemeClr>
-            </a:gs>
-          </a:gsLst>
-          <a:lin ang="6120000" scaled="1"/>
-        </a:gradFill>
+        <a:solidFill>
+          <a:schemeClr val="bg2"/>
+        </a:solidFill>
         <a:effectLst/>
       </p:bgPr>
     </p:bg>
@@ -42702,7 +42678,7 @@
                 <a:ea typeface="+mj-ea"/>
                 <a:cs typeface="+mj-cs"/>
               </a:rPr>
-              <a:t>A glance of a  </a:t>
+              <a:t>A glance at a  </a:t>
             </a:r>
           </a:p>
           <a:p>
@@ -44057,26 +44033,9 @@
   <p:cSld>
     <p:bg>
       <p:bgPr>
-        <a:gradFill rotWithShape="1">
-          <a:gsLst>
-            <a:gs pos="10000">
-              <a:schemeClr val="bg2">
-                <a:tint val="97000"/>
-                <a:hueMod val="92000"/>
-                <a:satMod val="169000"/>
-                <a:lumMod val="164000"/>
-              </a:schemeClr>
-            </a:gs>
-            <a:gs pos="100000">
-              <a:schemeClr val="bg2">
-                <a:shade val="96000"/>
-                <a:satMod val="120000"/>
-                <a:lumMod val="90000"/>
-              </a:schemeClr>
-            </a:gs>
-          </a:gsLst>
-          <a:lin ang="6120000" scaled="1"/>
-        </a:gradFill>
+        <a:solidFill>
+          <a:schemeClr val="bg2"/>
+        </a:solidFill>
         <a:effectLst/>
       </p:bgPr>
     </p:bg>
@@ -44184,7 +44143,7 @@
         </p:blipFill>
         <p:spPr>
           <a:xfrm>
-            <a:off x="20" y="10"/>
+            <a:off x="-3155" y="12710"/>
             <a:ext cx="12191980" cy="6857990"/>
           </a:xfrm>
           <a:prstGeom prst="rect">
@@ -44216,7 +44175,7 @@
           <a:p>
             <a:r>
               <a:rPr lang="en-US" b="1" dirty="0"/>
-              <a:t>So What is Data Science?</a:t>
+              <a:t>S What is Data Science?</a:t>
             </a:r>
             <a:endParaRPr lang="en-US" dirty="0"/>
           </a:p>
@@ -44254,17 +44213,9 @@
                 <a:schemeClr val="tx1"/>
               </a:buClr>
               <a:buSzPct val="80000"/>
-              <a:buFont typeface="Wingdings 3" panose="05040102010807070707" pitchFamily="18" charset="2"/>
-              <a:buChar char=""/>
             </a:pPr>
             <a:r>
-              <a:rPr lang="en-US" sz="2800" b="1" dirty="0">
-                <a:solidFill>
-                  <a:schemeClr val="bg2">
-                    <a:lumMod val="75000"/>
-                  </a:schemeClr>
-                </a:solidFill>
-              </a:rPr>
+              <a:rPr lang="en-US" sz="2800" b="1" dirty="0"/>
               <a:t>from  National Consortium for Data Science (NCDS)</a:t>
             </a:r>
           </a:p>
@@ -44582,11 +44533,7 @@
               </a:spcAft>
             </a:pPr>
             <a:r>
-              <a:rPr lang="en-US" sz="2800" dirty="0">
-                <a:solidFill>
-                  <a:srgbClr val="002060"/>
-                </a:solidFill>
-              </a:rPr>
+              <a:rPr lang="en-US" sz="2800" dirty="0"/>
               <a:t>Data Science: Systematic study of organization and use of digital data for</a:t>
             </a:r>
           </a:p>
@@ -44599,11 +44546,7 @@
                 <a:spcPts val="600"/>
               </a:spcAft>
             </a:pPr>
-            <a:endParaRPr lang="en-US" sz="1000" dirty="0">
-              <a:solidFill>
-                <a:srgbClr val="002060"/>
-              </a:solidFill>
-            </a:endParaRPr>
+            <a:endParaRPr lang="en-US" sz="1000" dirty="0"/>
           </a:p>
           <a:p>
             <a:pPr>
@@ -44617,11 +44560,7 @@
               <a:buChar char="•"/>
             </a:pPr>
             <a:r>
-              <a:rPr lang="en-US" sz="2800" dirty="0">
-                <a:solidFill>
-                  <a:srgbClr val="002060"/>
-                </a:solidFill>
-              </a:rPr>
+              <a:rPr lang="en-US" sz="2800" dirty="0"/>
               <a:t>  research discoveries, </a:t>
             </a:r>
           </a:p>
@@ -44634,11 +44573,7 @@
                 <a:spcPts val="600"/>
               </a:spcAft>
             </a:pPr>
-            <a:endParaRPr lang="en-US" sz="800" dirty="0">
-              <a:solidFill>
-                <a:srgbClr val="002060"/>
-              </a:solidFill>
-            </a:endParaRPr>
+            <a:endParaRPr lang="en-US" sz="800" dirty="0"/>
           </a:p>
           <a:p>
             <a:pPr>
@@ -44652,11 +44587,7 @@
               <a:buChar char="•"/>
             </a:pPr>
             <a:r>
-              <a:rPr lang="en-US" sz="2800" dirty="0">
-                <a:solidFill>
-                  <a:srgbClr val="002060"/>
-                </a:solidFill>
-              </a:rPr>
+              <a:rPr lang="en-US" sz="2800" dirty="0"/>
               <a:t>  decision-making, and </a:t>
             </a:r>
           </a:p>
@@ -44669,11 +44600,7 @@
                 <a:spcPts val="600"/>
               </a:spcAft>
             </a:pPr>
-            <a:endParaRPr lang="en-US" sz="800" dirty="0">
-              <a:solidFill>
-                <a:srgbClr val="002060"/>
-              </a:solidFill>
-            </a:endParaRPr>
+            <a:endParaRPr lang="en-US" sz="800" dirty="0"/>
           </a:p>
           <a:p>
             <a:pPr>
@@ -44687,11 +44614,7 @@
               <a:buChar char="•"/>
             </a:pPr>
             <a:r>
-              <a:rPr lang="en-US" sz="2800" dirty="0">
-                <a:solidFill>
-                  <a:srgbClr val="002060"/>
-                </a:solidFill>
-              </a:rPr>
+              <a:rPr lang="en-US" sz="2800" dirty="0"/>
               <a:t>  the data-driven economy.</a:t>
             </a:r>
           </a:p>
@@ -44747,7 +44670,9 @@
     <p:bg>
       <p:bgPr>
         <a:solidFill>
-          <a:schemeClr val="bg2">
+          <a:schemeClr val="accent1">
+            <a:lumMod val="60000"/>
+            <a:lumOff val="40000"/>
             <a:alpha val="0"/>
           </a:schemeClr>
         </a:solidFill>
@@ -45274,26 +45199,9 @@
   <p:cSld>
     <p:bg>
       <p:bgPr>
-        <a:gradFill rotWithShape="1">
-          <a:gsLst>
-            <a:gs pos="10000">
-              <a:schemeClr val="bg2">
-                <a:tint val="97000"/>
-                <a:hueMod val="92000"/>
-                <a:satMod val="169000"/>
-                <a:lumMod val="164000"/>
-              </a:schemeClr>
-            </a:gs>
-            <a:gs pos="100000">
-              <a:schemeClr val="bg2">
-                <a:shade val="96000"/>
-                <a:satMod val="120000"/>
-                <a:lumMod val="90000"/>
-              </a:schemeClr>
-            </a:gs>
-          </a:gsLst>
-          <a:lin ang="6120000" scaled="1"/>
-        </a:gradFill>
+        <a:solidFill>
+          <a:schemeClr val="bg2"/>
+        </a:solidFill>
         <a:effectLst/>
       </p:bgPr>
     </p:bg>
@@ -45461,35 +45369,67 @@
           <a:lstStyle/>
           <a:p>
             <a:r>
-              <a:rPr lang="en-US" sz="1900" b="1" dirty="0"/>
+              <a:rPr lang="en-US" sz="1900" b="1" dirty="0">
+                <a:solidFill>
+                  <a:schemeClr val="tx1"/>
+                </a:solidFill>
+              </a:rPr>
               <a:t>Data</a:t>
             </a:r>
             <a:r>
-              <a:rPr lang="en-US" sz="1900" dirty="0"/>
+              <a:rPr lang="en-US" sz="1900" dirty="0">
+                <a:solidFill>
+                  <a:schemeClr val="tx1"/>
+                </a:solidFill>
+              </a:rPr>
               <a:t> is a set of values of qualitative or quantitative variables; restated, pieces of data are individual pieces of information. Data is measured, collected and reported, and analyzed, whereupon it can be visualized using graphs or images. Data as a general concept refers to the fact that some existing information or knowledge is </a:t>
             </a:r>
             <a:r>
-              <a:rPr lang="en-US" sz="1900" i="1" dirty="0"/>
+              <a:rPr lang="en-US" sz="1900" i="1" dirty="0">
+                <a:solidFill>
+                  <a:schemeClr val="tx1"/>
+                </a:solidFill>
+              </a:rPr>
               <a:t>represented</a:t>
             </a:r>
             <a:r>
-              <a:rPr lang="en-US" sz="1900" dirty="0"/>
+              <a:rPr lang="en-US" sz="1900" dirty="0">
+                <a:solidFill>
+                  <a:schemeClr val="tx1"/>
+                </a:solidFill>
+              </a:rPr>
               <a:t> or </a:t>
             </a:r>
             <a:r>
-              <a:rPr lang="en-US" sz="1900" i="1" dirty="0"/>
+              <a:rPr lang="en-US" sz="1900" i="1" dirty="0">
+                <a:solidFill>
+                  <a:schemeClr val="tx1"/>
+                </a:solidFill>
+              </a:rPr>
               <a:t>coded</a:t>
             </a:r>
             <a:r>
-              <a:rPr lang="en-US" sz="1900" dirty="0"/>
+              <a:rPr lang="en-US" sz="1900" dirty="0">
+                <a:solidFill>
+                  <a:schemeClr val="tx1"/>
+                </a:solidFill>
+              </a:rPr>
               <a:t> in some form suitable for better usage or processing.   [</a:t>
             </a:r>
             <a:r>
-              <a:rPr lang="en-US" sz="1900" b="1" i="1" dirty="0"/>
+              <a:rPr lang="en-US" sz="1900" b="1" i="1" dirty="0">
+                <a:solidFill>
+                  <a:schemeClr val="tx1"/>
+                </a:solidFill>
+              </a:rPr>
               <a:t>Wikipedia</a:t>
             </a:r>
             <a:r>
-              <a:rPr lang="en-US" sz="1900" dirty="0"/>
+              <a:rPr lang="en-US" sz="1900" dirty="0">
+                <a:solidFill>
+                  <a:schemeClr val="tx1"/>
+                </a:solidFill>
+              </a:rPr>
               <a:t>]</a:t>
             </a:r>
           </a:p>
@@ -45497,15 +45437,27 @@
             <a:pPr>
               <a:buNone/>
             </a:pPr>
-            <a:endParaRPr lang="en-US" sz="1900" dirty="0"/>
+            <a:endParaRPr lang="en-US" sz="1900" dirty="0">
+              <a:solidFill>
+                <a:schemeClr val="tx1"/>
+              </a:solidFill>
+            </a:endParaRPr>
           </a:p>
           <a:p>
             <a:r>
-              <a:rPr lang="en-US" sz="1900" b="1" dirty="0"/>
+              <a:rPr lang="en-US" sz="1900" b="1" dirty="0">
+                <a:solidFill>
+                  <a:schemeClr val="tx1"/>
+                </a:solidFill>
+              </a:rPr>
               <a:t>Data</a:t>
             </a:r>
             <a:r>
-              <a:rPr lang="en-US" sz="1900" dirty="0"/>
+              <a:rPr lang="en-US" sz="1900" dirty="0">
+                <a:solidFill>
+                  <a:schemeClr val="tx1"/>
+                </a:solidFill>
+              </a:rPr>
               <a:t> is recorded information.</a:t>
             </a:r>
           </a:p>
@@ -45806,21 +45758,9 @@
   <p:cSld>
     <p:bg>
       <p:bgPr>
-        <a:gradFill rotWithShape="1">
-          <a:gsLst>
-            <a:gs pos="10000">
-              <a:schemeClr val="tx2"/>
-            </a:gs>
-            <a:gs pos="100000">
-              <a:schemeClr val="bg1">
-                <a:shade val="96000"/>
-                <a:satMod val="120000"/>
-                <a:lumMod val="90000"/>
-              </a:schemeClr>
-            </a:gs>
-          </a:gsLst>
-          <a:lin ang="6120000" scaled="1"/>
-        </a:gradFill>
+        <a:solidFill>
+          <a:schemeClr val="accent1"/>
+        </a:solidFill>
         <a:effectLst/>
       </p:bgPr>
     </p:bg>
@@ -46289,26 +46229,9 @@
   <p:cSld>
     <p:bg>
       <p:bgPr>
-        <a:gradFill rotWithShape="1">
-          <a:gsLst>
-            <a:gs pos="10000">
-              <a:schemeClr val="bg2">
-                <a:tint val="97000"/>
-                <a:hueMod val="92000"/>
-                <a:satMod val="169000"/>
-                <a:lumMod val="164000"/>
-              </a:schemeClr>
-            </a:gs>
-            <a:gs pos="100000">
-              <a:schemeClr val="bg2">
-                <a:shade val="96000"/>
-                <a:satMod val="120000"/>
-                <a:lumMod val="90000"/>
-              </a:schemeClr>
-            </a:gs>
-          </a:gsLst>
-          <a:lin ang="6120000" scaled="1"/>
-        </a:gradFill>
+        <a:solidFill>
+          <a:schemeClr val="accent1"/>
+        </a:solidFill>
         <a:effectLst/>
       </p:bgPr>
     </p:bg>
